--- a/lab_1/task_1/task_1.pptx
+++ b/lab_1/task_1/task_1.pptx
@@ -2,12 +2,12 @@
 <file path=ppt/presentation.xml><?xml version="1.0" encoding="utf-8"?>
 <p:presentation xmlns:a="http://schemas.openxmlformats.org/drawingml/2006/main" xmlns:r="http://schemas.openxmlformats.org/officeDocument/2006/relationships" xmlns:p="http://schemas.openxmlformats.org/presentationml/2006/main" saveSubsetFonts="1" autoCompressPictures="0">
   <p:sldMasterIdLst>
-    <p:sldMasterId id="2147483672" r:id="rId1"/>
+    <p:sldMasterId id="2147483684" r:id="rId1"/>
   </p:sldMasterIdLst>
   <p:sldIdLst>
-    <p:sldId id="256" r:id="rId2"/>
+    <p:sldId id="257" r:id="rId2"/>
   </p:sldIdLst>
-  <p:sldSz cx="13716000" cy="22860000"/>
+  <p:sldSz cx="22860000" cy="22860000"/>
   <p:notesSz cx="6858000" cy="9144000"/>
   <p:defaultTextStyle>
     <a:defPPr>
@@ -141,15 +141,15 @@
         </p:nvSpPr>
         <p:spPr>
           <a:xfrm>
-            <a:off x="1028700" y="3741210"/>
-            <a:ext cx="11658600" cy="7958667"/>
+            <a:off x="1714500" y="3741210"/>
+            <a:ext cx="19431000" cy="7958667"/>
           </a:xfrm>
         </p:spPr>
         <p:txBody>
           <a:bodyPr anchor="b"/>
           <a:lstStyle>
             <a:lvl1pPr algn="ctr">
-              <a:defRPr sz="9000"/>
+              <a:defRPr sz="15000"/>
             </a:lvl1pPr>
           </a:lstStyle>
           <a:p>
@@ -173,8 +173,8 @@
         </p:nvSpPr>
         <p:spPr>
           <a:xfrm>
-            <a:off x="1714500" y="12006793"/>
-            <a:ext cx="10287000" cy="5519207"/>
+            <a:off x="2857500" y="12006793"/>
+            <a:ext cx="17145000" cy="5519207"/>
           </a:xfrm>
         </p:spPr>
         <p:txBody>
@@ -182,39 +182,39 @@
           <a:lstStyle>
             <a:lvl1pPr marL="0" indent="0" algn="ctr">
               <a:buNone/>
-              <a:defRPr sz="3600"/>
+              <a:defRPr sz="6000"/>
             </a:lvl1pPr>
-            <a:lvl2pPr marL="685800" indent="0" algn="ctr">
+            <a:lvl2pPr marL="1143000" indent="0" algn="ctr">
               <a:buNone/>
-              <a:defRPr sz="3000"/>
+              <a:defRPr sz="5000"/>
             </a:lvl2pPr>
-            <a:lvl3pPr marL="1371600" indent="0" algn="ctr">
+            <a:lvl3pPr marL="2286000" indent="0" algn="ctr">
               <a:buNone/>
-              <a:defRPr sz="2700"/>
+              <a:defRPr sz="4500"/>
             </a:lvl3pPr>
-            <a:lvl4pPr marL="2057400" indent="0" algn="ctr">
+            <a:lvl4pPr marL="3429000" indent="0" algn="ctr">
               <a:buNone/>
-              <a:defRPr sz="2400"/>
+              <a:defRPr sz="4000"/>
             </a:lvl4pPr>
-            <a:lvl5pPr marL="2743200" indent="0" algn="ctr">
+            <a:lvl5pPr marL="4572000" indent="0" algn="ctr">
               <a:buNone/>
-              <a:defRPr sz="2400"/>
+              <a:defRPr sz="4000"/>
             </a:lvl5pPr>
-            <a:lvl6pPr marL="3429000" indent="0" algn="ctr">
+            <a:lvl6pPr marL="5715000" indent="0" algn="ctr">
               <a:buNone/>
-              <a:defRPr sz="2400"/>
+              <a:defRPr sz="4000"/>
             </a:lvl6pPr>
-            <a:lvl7pPr marL="4114800" indent="0" algn="ctr">
+            <a:lvl7pPr marL="6858000" indent="0" algn="ctr">
               <a:buNone/>
-              <a:defRPr sz="2400"/>
+              <a:defRPr sz="4000"/>
             </a:lvl7pPr>
-            <a:lvl8pPr marL="4800600" indent="0" algn="ctr">
+            <a:lvl8pPr marL="8001000" indent="0" algn="ctr">
               <a:buNone/>
-              <a:defRPr sz="2400"/>
+              <a:defRPr sz="4000"/>
             </a:lvl8pPr>
-            <a:lvl9pPr marL="5486400" indent="0" algn="ctr">
+            <a:lvl9pPr marL="9144000" indent="0" algn="ctr">
               <a:buNone/>
-              <a:defRPr sz="2400"/>
+              <a:defRPr sz="4000"/>
             </a:lvl9pPr>
           </a:lstStyle>
           <a:p>
@@ -243,7 +243,7 @@
           <a:p>
             <a:fld id="{9CBC79C8-AEB4-F249-8C01-E92E9B77561A}" type="datetimeFigureOut">
               <a:rPr lang="en-US" smtClean="0"/>
-              <a:t>11/3/25</a:t>
+              <a:t>11/6/25</a:t>
             </a:fld>
             <a:endParaRPr lang="en-US"/>
           </a:p>
@@ -294,7 +294,7 @@
     </p:spTree>
     <p:extLst>
       <p:ext uri="{BB962C8B-B14F-4D97-AF65-F5344CB8AC3E}">
-        <p14:creationId xmlns:p14="http://schemas.microsoft.com/office/powerpoint/2010/main" val="4165897358"/>
+        <p14:creationId xmlns:p14="http://schemas.microsoft.com/office/powerpoint/2010/main" val="441250041"/>
       </p:ext>
     </p:extLst>
   </p:cSld>
@@ -413,7 +413,7 @@
           <a:p>
             <a:fld id="{9CBC79C8-AEB4-F249-8C01-E92E9B77561A}" type="datetimeFigureOut">
               <a:rPr lang="en-US" smtClean="0"/>
-              <a:t>11/3/25</a:t>
+              <a:t>11/6/25</a:t>
             </a:fld>
             <a:endParaRPr lang="en-US"/>
           </a:p>
@@ -464,7 +464,7 @@
     </p:spTree>
     <p:extLst>
       <p:ext uri="{BB962C8B-B14F-4D97-AF65-F5344CB8AC3E}">
-        <p14:creationId xmlns:p14="http://schemas.microsoft.com/office/powerpoint/2010/main" val="3342084145"/>
+        <p14:creationId xmlns:p14="http://schemas.microsoft.com/office/powerpoint/2010/main" val="2190119474"/>
       </p:ext>
     </p:extLst>
   </p:cSld>
@@ -503,8 +503,8 @@
         </p:nvSpPr>
         <p:spPr>
           <a:xfrm>
-            <a:off x="9815513" y="1217083"/>
-            <a:ext cx="2957513" cy="19372793"/>
+            <a:off x="16359189" y="1217083"/>
+            <a:ext cx="4929188" cy="19372793"/>
           </a:xfrm>
         </p:spPr>
         <p:txBody>
@@ -531,8 +531,8 @@
         </p:nvSpPr>
         <p:spPr>
           <a:xfrm>
-            <a:off x="942976" y="1217083"/>
-            <a:ext cx="8701088" cy="19372793"/>
+            <a:off x="1571626" y="1217083"/>
+            <a:ext cx="14501813" cy="19372793"/>
           </a:xfrm>
         </p:spPr>
         <p:txBody>
@@ -593,7 +593,7 @@
           <a:p>
             <a:fld id="{9CBC79C8-AEB4-F249-8C01-E92E9B77561A}" type="datetimeFigureOut">
               <a:rPr lang="en-US" smtClean="0"/>
-              <a:t>11/3/25</a:t>
+              <a:t>11/6/25</a:t>
             </a:fld>
             <a:endParaRPr lang="en-US"/>
           </a:p>
@@ -644,7 +644,7 @@
     </p:spTree>
     <p:extLst>
       <p:ext uri="{BB962C8B-B14F-4D97-AF65-F5344CB8AC3E}">
-        <p14:creationId xmlns:p14="http://schemas.microsoft.com/office/powerpoint/2010/main" val="1101788884"/>
+        <p14:creationId xmlns:p14="http://schemas.microsoft.com/office/powerpoint/2010/main" val="2119693971"/>
       </p:ext>
     </p:extLst>
   </p:cSld>
@@ -763,7 +763,7 @@
           <a:p>
             <a:fld id="{9CBC79C8-AEB4-F249-8C01-E92E9B77561A}" type="datetimeFigureOut">
               <a:rPr lang="en-US" smtClean="0"/>
-              <a:t>11/3/25</a:t>
+              <a:t>11/6/25</a:t>
             </a:fld>
             <a:endParaRPr lang="en-US"/>
           </a:p>
@@ -814,7 +814,7 @@
     </p:spTree>
     <p:extLst>
       <p:ext uri="{BB962C8B-B14F-4D97-AF65-F5344CB8AC3E}">
-        <p14:creationId xmlns:p14="http://schemas.microsoft.com/office/powerpoint/2010/main" val="3026733784"/>
+        <p14:creationId xmlns:p14="http://schemas.microsoft.com/office/powerpoint/2010/main" val="3578881601"/>
       </p:ext>
     </p:extLst>
   </p:cSld>
@@ -853,15 +853,15 @@
         </p:nvSpPr>
         <p:spPr>
           <a:xfrm>
-            <a:off x="935832" y="5699132"/>
-            <a:ext cx="11830050" cy="9509123"/>
+            <a:off x="1559720" y="5699132"/>
+            <a:ext cx="19716750" cy="9509123"/>
           </a:xfrm>
         </p:spPr>
         <p:txBody>
           <a:bodyPr anchor="b"/>
           <a:lstStyle>
             <a:lvl1pPr>
-              <a:defRPr sz="9000"/>
+              <a:defRPr sz="15000"/>
             </a:lvl1pPr>
           </a:lstStyle>
           <a:p>
@@ -885,8 +885,8 @@
         </p:nvSpPr>
         <p:spPr>
           <a:xfrm>
-            <a:off x="935832" y="15298215"/>
-            <a:ext cx="11830050" cy="5000623"/>
+            <a:off x="1559720" y="15298215"/>
+            <a:ext cx="19716750" cy="5000623"/>
           </a:xfrm>
         </p:spPr>
         <p:txBody>
@@ -894,7 +894,7 @@
           <a:lstStyle>
             <a:lvl1pPr marL="0" indent="0">
               <a:buNone/>
-              <a:defRPr sz="3600">
+              <a:defRPr sz="6000">
                 <a:solidFill>
                   <a:schemeClr val="tx1">
                     <a:tint val="82000"/>
@@ -902,9 +902,9 @@
                 </a:solidFill>
               </a:defRPr>
             </a:lvl1pPr>
-            <a:lvl2pPr marL="685800" indent="0">
+            <a:lvl2pPr marL="1143000" indent="0">
               <a:buNone/>
-              <a:defRPr sz="3000">
+              <a:defRPr sz="5000">
                 <a:solidFill>
                   <a:schemeClr val="tx1">
                     <a:tint val="82000"/>
@@ -912,9 +912,9 @@
                 </a:solidFill>
               </a:defRPr>
             </a:lvl2pPr>
-            <a:lvl3pPr marL="1371600" indent="0">
+            <a:lvl3pPr marL="2286000" indent="0">
               <a:buNone/>
-              <a:defRPr sz="2700">
+              <a:defRPr sz="4500">
                 <a:solidFill>
                   <a:schemeClr val="tx1">
                     <a:tint val="82000"/>
@@ -922,9 +922,9 @@
                 </a:solidFill>
               </a:defRPr>
             </a:lvl3pPr>
-            <a:lvl4pPr marL="2057400" indent="0">
+            <a:lvl4pPr marL="3429000" indent="0">
               <a:buNone/>
-              <a:defRPr sz="2400">
+              <a:defRPr sz="4000">
                 <a:solidFill>
                   <a:schemeClr val="tx1">
                     <a:tint val="82000"/>
@@ -932,9 +932,9 @@
                 </a:solidFill>
               </a:defRPr>
             </a:lvl4pPr>
-            <a:lvl5pPr marL="2743200" indent="0">
+            <a:lvl5pPr marL="4572000" indent="0">
               <a:buNone/>
-              <a:defRPr sz="2400">
+              <a:defRPr sz="4000">
                 <a:solidFill>
                   <a:schemeClr val="tx1">
                     <a:tint val="82000"/>
@@ -942,9 +942,9 @@
                 </a:solidFill>
               </a:defRPr>
             </a:lvl5pPr>
-            <a:lvl6pPr marL="3429000" indent="0">
+            <a:lvl6pPr marL="5715000" indent="0">
               <a:buNone/>
-              <a:defRPr sz="2400">
+              <a:defRPr sz="4000">
                 <a:solidFill>
                   <a:schemeClr val="tx1">
                     <a:tint val="82000"/>
@@ -952,9 +952,9 @@
                 </a:solidFill>
               </a:defRPr>
             </a:lvl6pPr>
-            <a:lvl7pPr marL="4114800" indent="0">
+            <a:lvl7pPr marL="6858000" indent="0">
               <a:buNone/>
-              <a:defRPr sz="2400">
+              <a:defRPr sz="4000">
                 <a:solidFill>
                   <a:schemeClr val="tx1">
                     <a:tint val="82000"/>
@@ -962,9 +962,9 @@
                 </a:solidFill>
               </a:defRPr>
             </a:lvl7pPr>
-            <a:lvl8pPr marL="4800600" indent="0">
+            <a:lvl8pPr marL="8001000" indent="0">
               <a:buNone/>
-              <a:defRPr sz="2400">
+              <a:defRPr sz="4000">
                 <a:solidFill>
                   <a:schemeClr val="tx1">
                     <a:tint val="82000"/>
@@ -972,9 +972,9 @@
                 </a:solidFill>
               </a:defRPr>
             </a:lvl8pPr>
-            <a:lvl9pPr marL="5486400" indent="0">
+            <a:lvl9pPr marL="9144000" indent="0">
               <a:buNone/>
-              <a:defRPr sz="2400">
+              <a:defRPr sz="4000">
                 <a:solidFill>
                   <a:schemeClr val="tx1">
                     <a:tint val="82000"/>
@@ -1009,7 +1009,7 @@
           <a:p>
             <a:fld id="{9CBC79C8-AEB4-F249-8C01-E92E9B77561A}" type="datetimeFigureOut">
               <a:rPr lang="en-US" smtClean="0"/>
-              <a:t>11/3/25</a:t>
+              <a:t>11/6/25</a:t>
             </a:fld>
             <a:endParaRPr lang="en-US"/>
           </a:p>
@@ -1060,7 +1060,7 @@
     </p:spTree>
     <p:extLst>
       <p:ext uri="{BB962C8B-B14F-4D97-AF65-F5344CB8AC3E}">
-        <p14:creationId xmlns:p14="http://schemas.microsoft.com/office/powerpoint/2010/main" val="2153315516"/>
+        <p14:creationId xmlns:p14="http://schemas.microsoft.com/office/powerpoint/2010/main" val="4147470155"/>
       </p:ext>
     </p:extLst>
   </p:cSld>
@@ -1122,8 +1122,8 @@
         </p:nvSpPr>
         <p:spPr>
           <a:xfrm>
-            <a:off x="942975" y="6085417"/>
-            <a:ext cx="5829300" cy="14504460"/>
+            <a:off x="1571625" y="6085417"/>
+            <a:ext cx="9715500" cy="14504460"/>
           </a:xfrm>
         </p:spPr>
         <p:txBody>
@@ -1179,8 +1179,8 @@
         </p:nvSpPr>
         <p:spPr>
           <a:xfrm>
-            <a:off x="6943725" y="6085417"/>
-            <a:ext cx="5829300" cy="14504460"/>
+            <a:off x="11572875" y="6085417"/>
+            <a:ext cx="9715500" cy="14504460"/>
           </a:xfrm>
         </p:spPr>
         <p:txBody>
@@ -1241,7 +1241,7 @@
           <a:p>
             <a:fld id="{9CBC79C8-AEB4-F249-8C01-E92E9B77561A}" type="datetimeFigureOut">
               <a:rPr lang="en-US" smtClean="0"/>
-              <a:t>11/3/25</a:t>
+              <a:t>11/6/25</a:t>
             </a:fld>
             <a:endParaRPr lang="en-US"/>
           </a:p>
@@ -1292,7 +1292,7 @@
     </p:spTree>
     <p:extLst>
       <p:ext uri="{BB962C8B-B14F-4D97-AF65-F5344CB8AC3E}">
-        <p14:creationId xmlns:p14="http://schemas.microsoft.com/office/powerpoint/2010/main" val="212980210"/>
+        <p14:creationId xmlns:p14="http://schemas.microsoft.com/office/powerpoint/2010/main" val="556138386"/>
       </p:ext>
     </p:extLst>
   </p:cSld>
@@ -1331,8 +1331,8 @@
         </p:nvSpPr>
         <p:spPr>
           <a:xfrm>
-            <a:off x="944761" y="1217088"/>
-            <a:ext cx="11830050" cy="4418543"/>
+            <a:off x="1574602" y="1217088"/>
+            <a:ext cx="19716750" cy="4418543"/>
           </a:xfrm>
         </p:spPr>
         <p:txBody>
@@ -1359,8 +1359,8 @@
         </p:nvSpPr>
         <p:spPr>
           <a:xfrm>
-            <a:off x="944763" y="5603877"/>
-            <a:ext cx="5802510" cy="2746373"/>
+            <a:off x="1574605" y="5603877"/>
+            <a:ext cx="9670850" cy="2746373"/>
           </a:xfrm>
         </p:spPr>
         <p:txBody>
@@ -1368,39 +1368,39 @@
           <a:lstStyle>
             <a:lvl1pPr marL="0" indent="0">
               <a:buNone/>
-              <a:defRPr sz="3600" b="1"/>
+              <a:defRPr sz="6000" b="1"/>
             </a:lvl1pPr>
-            <a:lvl2pPr marL="685800" indent="0">
+            <a:lvl2pPr marL="1143000" indent="0">
               <a:buNone/>
-              <a:defRPr sz="3000" b="1"/>
+              <a:defRPr sz="5000" b="1"/>
             </a:lvl2pPr>
-            <a:lvl3pPr marL="1371600" indent="0">
+            <a:lvl3pPr marL="2286000" indent="0">
               <a:buNone/>
-              <a:defRPr sz="2700" b="1"/>
+              <a:defRPr sz="4500" b="1"/>
             </a:lvl3pPr>
-            <a:lvl4pPr marL="2057400" indent="0">
+            <a:lvl4pPr marL="3429000" indent="0">
               <a:buNone/>
-              <a:defRPr sz="2400" b="1"/>
+              <a:defRPr sz="4000" b="1"/>
             </a:lvl4pPr>
-            <a:lvl5pPr marL="2743200" indent="0">
+            <a:lvl5pPr marL="4572000" indent="0">
               <a:buNone/>
-              <a:defRPr sz="2400" b="1"/>
+              <a:defRPr sz="4000" b="1"/>
             </a:lvl5pPr>
-            <a:lvl6pPr marL="3429000" indent="0">
+            <a:lvl6pPr marL="5715000" indent="0">
               <a:buNone/>
-              <a:defRPr sz="2400" b="1"/>
+              <a:defRPr sz="4000" b="1"/>
             </a:lvl6pPr>
-            <a:lvl7pPr marL="4114800" indent="0">
+            <a:lvl7pPr marL="6858000" indent="0">
               <a:buNone/>
-              <a:defRPr sz="2400" b="1"/>
+              <a:defRPr sz="4000" b="1"/>
             </a:lvl7pPr>
-            <a:lvl8pPr marL="4800600" indent="0">
+            <a:lvl8pPr marL="8001000" indent="0">
               <a:buNone/>
-              <a:defRPr sz="2400" b="1"/>
+              <a:defRPr sz="4000" b="1"/>
             </a:lvl8pPr>
-            <a:lvl9pPr marL="5486400" indent="0">
+            <a:lvl9pPr marL="9144000" indent="0">
               <a:buNone/>
-              <a:defRPr sz="2400" b="1"/>
+              <a:defRPr sz="4000" b="1"/>
             </a:lvl9pPr>
           </a:lstStyle>
           <a:p>
@@ -1424,8 +1424,8 @@
         </p:nvSpPr>
         <p:spPr>
           <a:xfrm>
-            <a:off x="944763" y="8350250"/>
-            <a:ext cx="5802510" cy="12281960"/>
+            <a:off x="1574605" y="8350250"/>
+            <a:ext cx="9670850" cy="12281960"/>
           </a:xfrm>
         </p:spPr>
         <p:txBody>
@@ -1481,8 +1481,8 @@
         </p:nvSpPr>
         <p:spPr>
           <a:xfrm>
-            <a:off x="6943725" y="5603877"/>
-            <a:ext cx="5831087" cy="2746373"/>
+            <a:off x="11572876" y="5603877"/>
+            <a:ext cx="9718478" cy="2746373"/>
           </a:xfrm>
         </p:spPr>
         <p:txBody>
@@ -1490,39 +1490,39 @@
           <a:lstStyle>
             <a:lvl1pPr marL="0" indent="0">
               <a:buNone/>
-              <a:defRPr sz="3600" b="1"/>
+              <a:defRPr sz="6000" b="1"/>
             </a:lvl1pPr>
-            <a:lvl2pPr marL="685800" indent="0">
+            <a:lvl2pPr marL="1143000" indent="0">
               <a:buNone/>
-              <a:defRPr sz="3000" b="1"/>
+              <a:defRPr sz="5000" b="1"/>
             </a:lvl2pPr>
-            <a:lvl3pPr marL="1371600" indent="0">
+            <a:lvl3pPr marL="2286000" indent="0">
               <a:buNone/>
-              <a:defRPr sz="2700" b="1"/>
+              <a:defRPr sz="4500" b="1"/>
             </a:lvl3pPr>
-            <a:lvl4pPr marL="2057400" indent="0">
+            <a:lvl4pPr marL="3429000" indent="0">
               <a:buNone/>
-              <a:defRPr sz="2400" b="1"/>
+              <a:defRPr sz="4000" b="1"/>
             </a:lvl4pPr>
-            <a:lvl5pPr marL="2743200" indent="0">
+            <a:lvl5pPr marL="4572000" indent="0">
               <a:buNone/>
-              <a:defRPr sz="2400" b="1"/>
+              <a:defRPr sz="4000" b="1"/>
             </a:lvl5pPr>
-            <a:lvl6pPr marL="3429000" indent="0">
+            <a:lvl6pPr marL="5715000" indent="0">
               <a:buNone/>
-              <a:defRPr sz="2400" b="1"/>
+              <a:defRPr sz="4000" b="1"/>
             </a:lvl6pPr>
-            <a:lvl7pPr marL="4114800" indent="0">
+            <a:lvl7pPr marL="6858000" indent="0">
               <a:buNone/>
-              <a:defRPr sz="2400" b="1"/>
+              <a:defRPr sz="4000" b="1"/>
             </a:lvl7pPr>
-            <a:lvl8pPr marL="4800600" indent="0">
+            <a:lvl8pPr marL="8001000" indent="0">
               <a:buNone/>
-              <a:defRPr sz="2400" b="1"/>
+              <a:defRPr sz="4000" b="1"/>
             </a:lvl8pPr>
-            <a:lvl9pPr marL="5486400" indent="0">
+            <a:lvl9pPr marL="9144000" indent="0">
               <a:buNone/>
-              <a:defRPr sz="2400" b="1"/>
+              <a:defRPr sz="4000" b="1"/>
             </a:lvl9pPr>
           </a:lstStyle>
           <a:p>
@@ -1546,8 +1546,8 @@
         </p:nvSpPr>
         <p:spPr>
           <a:xfrm>
-            <a:off x="6943725" y="8350250"/>
-            <a:ext cx="5831087" cy="12281960"/>
+            <a:off x="11572876" y="8350250"/>
+            <a:ext cx="9718478" cy="12281960"/>
           </a:xfrm>
         </p:spPr>
         <p:txBody>
@@ -1608,7 +1608,7 @@
           <a:p>
             <a:fld id="{9CBC79C8-AEB4-F249-8C01-E92E9B77561A}" type="datetimeFigureOut">
               <a:rPr lang="en-US" smtClean="0"/>
-              <a:t>11/3/25</a:t>
+              <a:t>11/6/25</a:t>
             </a:fld>
             <a:endParaRPr lang="en-US"/>
           </a:p>
@@ -1659,7 +1659,7 @@
     </p:spTree>
     <p:extLst>
       <p:ext uri="{BB962C8B-B14F-4D97-AF65-F5344CB8AC3E}">
-        <p14:creationId xmlns:p14="http://schemas.microsoft.com/office/powerpoint/2010/main" val="467940655"/>
+        <p14:creationId xmlns:p14="http://schemas.microsoft.com/office/powerpoint/2010/main" val="4119090855"/>
       </p:ext>
     </p:extLst>
   </p:cSld>
@@ -1726,7 +1726,7 @@
           <a:p>
             <a:fld id="{9CBC79C8-AEB4-F249-8C01-E92E9B77561A}" type="datetimeFigureOut">
               <a:rPr lang="en-US" smtClean="0"/>
-              <a:t>11/3/25</a:t>
+              <a:t>11/6/25</a:t>
             </a:fld>
             <a:endParaRPr lang="en-US"/>
           </a:p>
@@ -1777,7 +1777,7 @@
     </p:spTree>
     <p:extLst>
       <p:ext uri="{BB962C8B-B14F-4D97-AF65-F5344CB8AC3E}">
-        <p14:creationId xmlns:p14="http://schemas.microsoft.com/office/powerpoint/2010/main" val="761411561"/>
+        <p14:creationId xmlns:p14="http://schemas.microsoft.com/office/powerpoint/2010/main" val="1147055991"/>
       </p:ext>
     </p:extLst>
   </p:cSld>
@@ -1821,7 +1821,7 @@
           <a:p>
             <a:fld id="{9CBC79C8-AEB4-F249-8C01-E92E9B77561A}" type="datetimeFigureOut">
               <a:rPr lang="en-US" smtClean="0"/>
-              <a:t>11/3/25</a:t>
+              <a:t>11/6/25</a:t>
             </a:fld>
             <a:endParaRPr lang="en-US"/>
           </a:p>
@@ -1872,7 +1872,7 @@
     </p:spTree>
     <p:extLst>
       <p:ext uri="{BB962C8B-B14F-4D97-AF65-F5344CB8AC3E}">
-        <p14:creationId xmlns:p14="http://schemas.microsoft.com/office/powerpoint/2010/main" val="538975831"/>
+        <p14:creationId xmlns:p14="http://schemas.microsoft.com/office/powerpoint/2010/main" val="4028472922"/>
       </p:ext>
     </p:extLst>
   </p:cSld>
@@ -1911,15 +1911,15 @@
         </p:nvSpPr>
         <p:spPr>
           <a:xfrm>
-            <a:off x="944762" y="1524000"/>
-            <a:ext cx="4423767" cy="5334000"/>
+            <a:off x="1574603" y="1524000"/>
+            <a:ext cx="7372945" cy="5334000"/>
           </a:xfrm>
         </p:spPr>
         <p:txBody>
           <a:bodyPr anchor="b"/>
           <a:lstStyle>
             <a:lvl1pPr>
-              <a:defRPr sz="4800"/>
+              <a:defRPr sz="8000"/>
             </a:lvl1pPr>
           </a:lstStyle>
           <a:p>
@@ -1943,39 +1943,39 @@
         </p:nvSpPr>
         <p:spPr>
           <a:xfrm>
-            <a:off x="5831086" y="3291421"/>
-            <a:ext cx="6943725" cy="16245417"/>
+            <a:off x="9718477" y="3291421"/>
+            <a:ext cx="11572875" cy="16245417"/>
           </a:xfrm>
         </p:spPr>
         <p:txBody>
           <a:bodyPr/>
           <a:lstStyle>
             <a:lvl1pPr>
-              <a:defRPr sz="4800"/>
+              <a:defRPr sz="8000"/>
             </a:lvl1pPr>
             <a:lvl2pPr>
-              <a:defRPr sz="4200"/>
+              <a:defRPr sz="7000"/>
             </a:lvl2pPr>
             <a:lvl3pPr>
-              <a:defRPr sz="3600"/>
+              <a:defRPr sz="6000"/>
             </a:lvl3pPr>
             <a:lvl4pPr>
-              <a:defRPr sz="3000"/>
+              <a:defRPr sz="5000"/>
             </a:lvl4pPr>
             <a:lvl5pPr>
-              <a:defRPr sz="3000"/>
+              <a:defRPr sz="5000"/>
             </a:lvl5pPr>
             <a:lvl6pPr>
-              <a:defRPr sz="3000"/>
+              <a:defRPr sz="5000"/>
             </a:lvl6pPr>
             <a:lvl7pPr>
-              <a:defRPr sz="3000"/>
+              <a:defRPr sz="5000"/>
             </a:lvl7pPr>
             <a:lvl8pPr>
-              <a:defRPr sz="3000"/>
+              <a:defRPr sz="5000"/>
             </a:lvl8pPr>
             <a:lvl9pPr>
-              <a:defRPr sz="3000"/>
+              <a:defRPr sz="5000"/>
             </a:lvl9pPr>
           </a:lstStyle>
           <a:p>
@@ -2028,8 +2028,8 @@
         </p:nvSpPr>
         <p:spPr>
           <a:xfrm>
-            <a:off x="944762" y="6858000"/>
-            <a:ext cx="4423767" cy="12705293"/>
+            <a:off x="1574603" y="6858000"/>
+            <a:ext cx="7372945" cy="12705293"/>
           </a:xfrm>
         </p:spPr>
         <p:txBody>
@@ -2037,39 +2037,39 @@
           <a:lstStyle>
             <a:lvl1pPr marL="0" indent="0">
               <a:buNone/>
-              <a:defRPr sz="2400"/>
+              <a:defRPr sz="4000"/>
             </a:lvl1pPr>
-            <a:lvl2pPr marL="685800" indent="0">
+            <a:lvl2pPr marL="1143000" indent="0">
               <a:buNone/>
-              <a:defRPr sz="2100"/>
+              <a:defRPr sz="3500"/>
             </a:lvl2pPr>
-            <a:lvl3pPr marL="1371600" indent="0">
+            <a:lvl3pPr marL="2286000" indent="0">
               <a:buNone/>
-              <a:defRPr sz="1800"/>
+              <a:defRPr sz="3000"/>
             </a:lvl3pPr>
-            <a:lvl4pPr marL="2057400" indent="0">
+            <a:lvl4pPr marL="3429000" indent="0">
               <a:buNone/>
-              <a:defRPr sz="1500"/>
+              <a:defRPr sz="2500"/>
             </a:lvl4pPr>
-            <a:lvl5pPr marL="2743200" indent="0">
+            <a:lvl5pPr marL="4572000" indent="0">
               <a:buNone/>
-              <a:defRPr sz="1500"/>
+              <a:defRPr sz="2500"/>
             </a:lvl5pPr>
-            <a:lvl6pPr marL="3429000" indent="0">
+            <a:lvl6pPr marL="5715000" indent="0">
               <a:buNone/>
-              <a:defRPr sz="1500"/>
+              <a:defRPr sz="2500"/>
             </a:lvl6pPr>
-            <a:lvl7pPr marL="4114800" indent="0">
+            <a:lvl7pPr marL="6858000" indent="0">
               <a:buNone/>
-              <a:defRPr sz="1500"/>
+              <a:defRPr sz="2500"/>
             </a:lvl7pPr>
-            <a:lvl8pPr marL="4800600" indent="0">
+            <a:lvl8pPr marL="8001000" indent="0">
               <a:buNone/>
-              <a:defRPr sz="1500"/>
+              <a:defRPr sz="2500"/>
             </a:lvl8pPr>
-            <a:lvl9pPr marL="5486400" indent="0">
+            <a:lvl9pPr marL="9144000" indent="0">
               <a:buNone/>
-              <a:defRPr sz="1500"/>
+              <a:defRPr sz="2500"/>
             </a:lvl9pPr>
           </a:lstStyle>
           <a:p>
@@ -2098,7 +2098,7 @@
           <a:p>
             <a:fld id="{9CBC79C8-AEB4-F249-8C01-E92E9B77561A}" type="datetimeFigureOut">
               <a:rPr lang="en-US" smtClean="0"/>
-              <a:t>11/3/25</a:t>
+              <a:t>11/6/25</a:t>
             </a:fld>
             <a:endParaRPr lang="en-US"/>
           </a:p>
@@ -2149,7 +2149,7 @@
     </p:spTree>
     <p:extLst>
       <p:ext uri="{BB962C8B-B14F-4D97-AF65-F5344CB8AC3E}">
-        <p14:creationId xmlns:p14="http://schemas.microsoft.com/office/powerpoint/2010/main" val="847309315"/>
+        <p14:creationId xmlns:p14="http://schemas.microsoft.com/office/powerpoint/2010/main" val="3367353816"/>
       </p:ext>
     </p:extLst>
   </p:cSld>
@@ -2188,15 +2188,15 @@
         </p:nvSpPr>
         <p:spPr>
           <a:xfrm>
-            <a:off x="944762" y="1524000"/>
-            <a:ext cx="4423767" cy="5334000"/>
+            <a:off x="1574603" y="1524000"/>
+            <a:ext cx="7372945" cy="5334000"/>
           </a:xfrm>
         </p:spPr>
         <p:txBody>
           <a:bodyPr anchor="b"/>
           <a:lstStyle>
             <a:lvl1pPr>
-              <a:defRPr sz="4800"/>
+              <a:defRPr sz="8000"/>
             </a:lvl1pPr>
           </a:lstStyle>
           <a:p>
@@ -2220,8 +2220,8 @@
         </p:nvSpPr>
         <p:spPr>
           <a:xfrm>
-            <a:off x="5831086" y="3291421"/>
-            <a:ext cx="6943725" cy="16245417"/>
+            <a:off x="9718477" y="3291421"/>
+            <a:ext cx="11572875" cy="16245417"/>
           </a:xfrm>
         </p:spPr>
         <p:txBody>
@@ -2229,39 +2229,39 @@
           <a:lstStyle>
             <a:lvl1pPr marL="0" indent="0">
               <a:buNone/>
-              <a:defRPr sz="4800"/>
+              <a:defRPr sz="8000"/>
             </a:lvl1pPr>
-            <a:lvl2pPr marL="685800" indent="0">
+            <a:lvl2pPr marL="1143000" indent="0">
               <a:buNone/>
-              <a:defRPr sz="4200"/>
+              <a:defRPr sz="7000"/>
             </a:lvl2pPr>
-            <a:lvl3pPr marL="1371600" indent="0">
+            <a:lvl3pPr marL="2286000" indent="0">
               <a:buNone/>
-              <a:defRPr sz="3600"/>
+              <a:defRPr sz="6000"/>
             </a:lvl3pPr>
-            <a:lvl4pPr marL="2057400" indent="0">
+            <a:lvl4pPr marL="3429000" indent="0">
               <a:buNone/>
-              <a:defRPr sz="3000"/>
+              <a:defRPr sz="5000"/>
             </a:lvl4pPr>
-            <a:lvl5pPr marL="2743200" indent="0">
+            <a:lvl5pPr marL="4572000" indent="0">
               <a:buNone/>
-              <a:defRPr sz="3000"/>
+              <a:defRPr sz="5000"/>
             </a:lvl5pPr>
-            <a:lvl6pPr marL="3429000" indent="0">
+            <a:lvl6pPr marL="5715000" indent="0">
               <a:buNone/>
-              <a:defRPr sz="3000"/>
+              <a:defRPr sz="5000"/>
             </a:lvl6pPr>
-            <a:lvl7pPr marL="4114800" indent="0">
+            <a:lvl7pPr marL="6858000" indent="0">
               <a:buNone/>
-              <a:defRPr sz="3000"/>
+              <a:defRPr sz="5000"/>
             </a:lvl7pPr>
-            <a:lvl8pPr marL="4800600" indent="0">
+            <a:lvl8pPr marL="8001000" indent="0">
               <a:buNone/>
-              <a:defRPr sz="3000"/>
+              <a:defRPr sz="5000"/>
             </a:lvl8pPr>
-            <a:lvl9pPr marL="5486400" indent="0">
+            <a:lvl9pPr marL="9144000" indent="0">
               <a:buNone/>
-              <a:defRPr sz="3000"/>
+              <a:defRPr sz="5000"/>
             </a:lvl9pPr>
           </a:lstStyle>
           <a:p>
@@ -2285,8 +2285,8 @@
         </p:nvSpPr>
         <p:spPr>
           <a:xfrm>
-            <a:off x="944762" y="6858000"/>
-            <a:ext cx="4423767" cy="12705293"/>
+            <a:off x="1574603" y="6858000"/>
+            <a:ext cx="7372945" cy="12705293"/>
           </a:xfrm>
         </p:spPr>
         <p:txBody>
@@ -2294,39 +2294,39 @@
           <a:lstStyle>
             <a:lvl1pPr marL="0" indent="0">
               <a:buNone/>
-              <a:defRPr sz="2400"/>
+              <a:defRPr sz="4000"/>
             </a:lvl1pPr>
-            <a:lvl2pPr marL="685800" indent="0">
+            <a:lvl2pPr marL="1143000" indent="0">
               <a:buNone/>
-              <a:defRPr sz="2100"/>
+              <a:defRPr sz="3500"/>
             </a:lvl2pPr>
-            <a:lvl3pPr marL="1371600" indent="0">
+            <a:lvl3pPr marL="2286000" indent="0">
               <a:buNone/>
-              <a:defRPr sz="1800"/>
+              <a:defRPr sz="3000"/>
             </a:lvl3pPr>
-            <a:lvl4pPr marL="2057400" indent="0">
+            <a:lvl4pPr marL="3429000" indent="0">
               <a:buNone/>
-              <a:defRPr sz="1500"/>
+              <a:defRPr sz="2500"/>
             </a:lvl4pPr>
-            <a:lvl5pPr marL="2743200" indent="0">
+            <a:lvl5pPr marL="4572000" indent="0">
               <a:buNone/>
-              <a:defRPr sz="1500"/>
+              <a:defRPr sz="2500"/>
             </a:lvl5pPr>
-            <a:lvl6pPr marL="3429000" indent="0">
+            <a:lvl6pPr marL="5715000" indent="0">
               <a:buNone/>
-              <a:defRPr sz="1500"/>
+              <a:defRPr sz="2500"/>
             </a:lvl6pPr>
-            <a:lvl7pPr marL="4114800" indent="0">
+            <a:lvl7pPr marL="6858000" indent="0">
               <a:buNone/>
-              <a:defRPr sz="1500"/>
+              <a:defRPr sz="2500"/>
             </a:lvl7pPr>
-            <a:lvl8pPr marL="4800600" indent="0">
+            <a:lvl8pPr marL="8001000" indent="0">
               <a:buNone/>
-              <a:defRPr sz="1500"/>
+              <a:defRPr sz="2500"/>
             </a:lvl8pPr>
-            <a:lvl9pPr marL="5486400" indent="0">
+            <a:lvl9pPr marL="9144000" indent="0">
               <a:buNone/>
-              <a:defRPr sz="1500"/>
+              <a:defRPr sz="2500"/>
             </a:lvl9pPr>
           </a:lstStyle>
           <a:p>
@@ -2355,7 +2355,7 @@
           <a:p>
             <a:fld id="{9CBC79C8-AEB4-F249-8C01-E92E9B77561A}" type="datetimeFigureOut">
               <a:rPr lang="en-US" smtClean="0"/>
-              <a:t>11/3/25</a:t>
+              <a:t>11/6/25</a:t>
             </a:fld>
             <a:endParaRPr lang="en-US"/>
           </a:p>
@@ -2406,7 +2406,7 @@
     </p:spTree>
     <p:extLst>
       <p:ext uri="{BB962C8B-B14F-4D97-AF65-F5344CB8AC3E}">
-        <p14:creationId xmlns:p14="http://schemas.microsoft.com/office/powerpoint/2010/main" val="473344442"/>
+        <p14:creationId xmlns:p14="http://schemas.microsoft.com/office/powerpoint/2010/main" val="3236270988"/>
       </p:ext>
     </p:extLst>
   </p:cSld>
@@ -2450,8 +2450,8 @@
         </p:nvSpPr>
         <p:spPr>
           <a:xfrm>
-            <a:off x="942975" y="1217088"/>
-            <a:ext cx="11830050" cy="4418543"/>
+            <a:off x="1571625" y="1217088"/>
+            <a:ext cx="19716750" cy="4418543"/>
           </a:xfrm>
           <a:prstGeom prst="rect">
             <a:avLst/>
@@ -2483,8 +2483,8 @@
         </p:nvSpPr>
         <p:spPr>
           <a:xfrm>
-            <a:off x="942975" y="6085417"/>
-            <a:ext cx="11830050" cy="14504460"/>
+            <a:off x="1571625" y="6085417"/>
+            <a:ext cx="19716750" cy="14504460"/>
           </a:xfrm>
           <a:prstGeom prst="rect">
             <a:avLst/>
@@ -2545,8 +2545,8 @@
         </p:nvSpPr>
         <p:spPr>
           <a:xfrm>
-            <a:off x="942975" y="21187839"/>
-            <a:ext cx="3086100" cy="1217083"/>
+            <a:off x="1571625" y="21187839"/>
+            <a:ext cx="5143500" cy="1217083"/>
           </a:xfrm>
           <a:prstGeom prst="rect">
             <a:avLst/>
@@ -2556,7 +2556,7 @@
           <a:bodyPr vert="horz" lIns="91440" tIns="45720" rIns="91440" bIns="45720" rtlCol="0" anchor="ctr"/>
           <a:lstStyle>
             <a:lvl1pPr algn="l">
-              <a:defRPr sz="1800">
+              <a:defRPr sz="3000">
                 <a:solidFill>
                   <a:schemeClr val="tx1">
                     <a:tint val="82000"/>
@@ -2568,7 +2568,7 @@
           <a:p>
             <a:fld id="{9CBC79C8-AEB4-F249-8C01-E92E9B77561A}" type="datetimeFigureOut">
               <a:rPr lang="en-US" smtClean="0"/>
-              <a:t>11/3/25</a:t>
+              <a:t>11/6/25</a:t>
             </a:fld>
             <a:endParaRPr lang="en-US"/>
           </a:p>
@@ -2586,8 +2586,8 @@
         </p:nvSpPr>
         <p:spPr>
           <a:xfrm>
-            <a:off x="4543425" y="21187839"/>
-            <a:ext cx="4629150" cy="1217083"/>
+            <a:off x="7572375" y="21187839"/>
+            <a:ext cx="7715250" cy="1217083"/>
           </a:xfrm>
           <a:prstGeom prst="rect">
             <a:avLst/>
@@ -2597,7 +2597,7 @@
           <a:bodyPr vert="horz" lIns="91440" tIns="45720" rIns="91440" bIns="45720" rtlCol="0" anchor="ctr"/>
           <a:lstStyle>
             <a:lvl1pPr algn="ctr">
-              <a:defRPr sz="1800">
+              <a:defRPr sz="3000">
                 <a:solidFill>
                   <a:schemeClr val="tx1">
                     <a:tint val="82000"/>
@@ -2623,8 +2623,8 @@
         </p:nvSpPr>
         <p:spPr>
           <a:xfrm>
-            <a:off x="9686925" y="21187839"/>
-            <a:ext cx="3086100" cy="1217083"/>
+            <a:off x="16144875" y="21187839"/>
+            <a:ext cx="5143500" cy="1217083"/>
           </a:xfrm>
           <a:prstGeom prst="rect">
             <a:avLst/>
@@ -2634,7 +2634,7 @@
           <a:bodyPr vert="horz" lIns="91440" tIns="45720" rIns="91440" bIns="45720" rtlCol="0" anchor="ctr"/>
           <a:lstStyle>
             <a:lvl1pPr algn="r">
-              <a:defRPr sz="1800">
+              <a:defRPr sz="3000">
                 <a:solidFill>
                   <a:schemeClr val="tx1">
                     <a:tint val="82000"/>
@@ -2655,27 +2655,27 @@
     </p:spTree>
     <p:extLst>
       <p:ext uri="{BB962C8B-B14F-4D97-AF65-F5344CB8AC3E}">
-        <p14:creationId xmlns:p14="http://schemas.microsoft.com/office/powerpoint/2010/main" val="1022546840"/>
+        <p14:creationId xmlns:p14="http://schemas.microsoft.com/office/powerpoint/2010/main" val="1864111405"/>
       </p:ext>
     </p:extLst>
   </p:cSld>
   <p:clrMap bg1="lt1" tx1="dk1" bg2="lt2" tx2="dk2" accent1="accent1" accent2="accent2" accent3="accent3" accent4="accent4" accent5="accent5" accent6="accent6" hlink="hlink" folHlink="folHlink"/>
   <p:sldLayoutIdLst>
-    <p:sldLayoutId id="2147483673" r:id="rId1"/>
-    <p:sldLayoutId id="2147483674" r:id="rId2"/>
-    <p:sldLayoutId id="2147483675" r:id="rId3"/>
-    <p:sldLayoutId id="2147483676" r:id="rId4"/>
-    <p:sldLayoutId id="2147483677" r:id="rId5"/>
-    <p:sldLayoutId id="2147483678" r:id="rId6"/>
-    <p:sldLayoutId id="2147483679" r:id="rId7"/>
-    <p:sldLayoutId id="2147483680" r:id="rId8"/>
-    <p:sldLayoutId id="2147483681" r:id="rId9"/>
-    <p:sldLayoutId id="2147483682" r:id="rId10"/>
-    <p:sldLayoutId id="2147483683" r:id="rId11"/>
+    <p:sldLayoutId id="2147483685" r:id="rId1"/>
+    <p:sldLayoutId id="2147483686" r:id="rId2"/>
+    <p:sldLayoutId id="2147483687" r:id="rId3"/>
+    <p:sldLayoutId id="2147483688" r:id="rId4"/>
+    <p:sldLayoutId id="2147483689" r:id="rId5"/>
+    <p:sldLayoutId id="2147483690" r:id="rId6"/>
+    <p:sldLayoutId id="2147483691" r:id="rId7"/>
+    <p:sldLayoutId id="2147483692" r:id="rId8"/>
+    <p:sldLayoutId id="2147483693" r:id="rId9"/>
+    <p:sldLayoutId id="2147483694" r:id="rId10"/>
+    <p:sldLayoutId id="2147483695" r:id="rId11"/>
   </p:sldLayoutIdLst>
   <p:txStyles>
     <p:titleStyle>
-      <a:lvl1pPr algn="l" defTabSz="1371600" rtl="0" eaLnBrk="1" latinLnBrk="0" hangingPunct="1">
+      <a:lvl1pPr algn="l" defTabSz="2286000" rtl="0" eaLnBrk="1" latinLnBrk="0" hangingPunct="1">
         <a:lnSpc>
           <a:spcPct val="90000"/>
         </a:lnSpc>
@@ -2683,7 +2683,7 @@
           <a:spcPct val="0"/>
         </a:spcBef>
         <a:buNone/>
-        <a:defRPr sz="6600" kern="1200">
+        <a:defRPr sz="11000" kern="1200">
           <a:solidFill>
             <a:schemeClr val="tx1"/>
           </a:solidFill>
@@ -2694,16 +2694,16 @@
       </a:lvl1pPr>
     </p:titleStyle>
     <p:bodyStyle>
-      <a:lvl1pPr marL="342900" indent="-342900" algn="l" defTabSz="1371600" rtl="0" eaLnBrk="1" latinLnBrk="0" hangingPunct="1">
+      <a:lvl1pPr marL="571500" indent="-571500" algn="l" defTabSz="2286000" rtl="0" eaLnBrk="1" latinLnBrk="0" hangingPunct="1">
         <a:lnSpc>
           <a:spcPct val="90000"/>
         </a:lnSpc>
         <a:spcBef>
-          <a:spcPts val="1500"/>
+          <a:spcPts val="2500"/>
         </a:spcBef>
         <a:buFont typeface="Arial" panose="020B0604020202020204" pitchFamily="34" charset="0"/>
         <a:buChar char="•"/>
-        <a:defRPr sz="4200" kern="1200">
+        <a:defRPr sz="7000" kern="1200">
           <a:solidFill>
             <a:schemeClr val="tx1"/>
           </a:solidFill>
@@ -2712,16 +2712,16 @@
           <a:cs typeface="+mn-cs"/>
         </a:defRPr>
       </a:lvl1pPr>
-      <a:lvl2pPr marL="1028700" indent="-342900" algn="l" defTabSz="1371600" rtl="0" eaLnBrk="1" latinLnBrk="0" hangingPunct="1">
+      <a:lvl2pPr marL="1714500" indent="-571500" algn="l" defTabSz="2286000" rtl="0" eaLnBrk="1" latinLnBrk="0" hangingPunct="1">
         <a:lnSpc>
           <a:spcPct val="90000"/>
         </a:lnSpc>
         <a:spcBef>
-          <a:spcPts val="750"/>
+          <a:spcPts val="1250"/>
         </a:spcBef>
         <a:buFont typeface="Arial" panose="020B0604020202020204" pitchFamily="34" charset="0"/>
         <a:buChar char="•"/>
-        <a:defRPr sz="3600" kern="1200">
+        <a:defRPr sz="6000" kern="1200">
           <a:solidFill>
             <a:schemeClr val="tx1"/>
           </a:solidFill>
@@ -2730,16 +2730,16 @@
           <a:cs typeface="+mn-cs"/>
         </a:defRPr>
       </a:lvl2pPr>
-      <a:lvl3pPr marL="1714500" indent="-342900" algn="l" defTabSz="1371600" rtl="0" eaLnBrk="1" latinLnBrk="0" hangingPunct="1">
+      <a:lvl3pPr marL="2857500" indent="-571500" algn="l" defTabSz="2286000" rtl="0" eaLnBrk="1" latinLnBrk="0" hangingPunct="1">
         <a:lnSpc>
           <a:spcPct val="90000"/>
         </a:lnSpc>
         <a:spcBef>
-          <a:spcPts val="750"/>
+          <a:spcPts val="1250"/>
         </a:spcBef>
         <a:buFont typeface="Arial" panose="020B0604020202020204" pitchFamily="34" charset="0"/>
         <a:buChar char="•"/>
-        <a:defRPr sz="3000" kern="1200">
+        <a:defRPr sz="5000" kern="1200">
           <a:solidFill>
             <a:schemeClr val="tx1"/>
           </a:solidFill>
@@ -2748,16 +2748,16 @@
           <a:cs typeface="+mn-cs"/>
         </a:defRPr>
       </a:lvl3pPr>
-      <a:lvl4pPr marL="2400300" indent="-342900" algn="l" defTabSz="1371600" rtl="0" eaLnBrk="1" latinLnBrk="0" hangingPunct="1">
+      <a:lvl4pPr marL="4000500" indent="-571500" algn="l" defTabSz="2286000" rtl="0" eaLnBrk="1" latinLnBrk="0" hangingPunct="1">
         <a:lnSpc>
           <a:spcPct val="90000"/>
         </a:lnSpc>
         <a:spcBef>
-          <a:spcPts val="750"/>
+          <a:spcPts val="1250"/>
         </a:spcBef>
         <a:buFont typeface="Arial" panose="020B0604020202020204" pitchFamily="34" charset="0"/>
         <a:buChar char="•"/>
-        <a:defRPr sz="2700" kern="1200">
+        <a:defRPr sz="4500" kern="1200">
           <a:solidFill>
             <a:schemeClr val="tx1"/>
           </a:solidFill>
@@ -2766,16 +2766,16 @@
           <a:cs typeface="+mn-cs"/>
         </a:defRPr>
       </a:lvl4pPr>
-      <a:lvl5pPr marL="3086100" indent="-342900" algn="l" defTabSz="1371600" rtl="0" eaLnBrk="1" latinLnBrk="0" hangingPunct="1">
+      <a:lvl5pPr marL="5143500" indent="-571500" algn="l" defTabSz="2286000" rtl="0" eaLnBrk="1" latinLnBrk="0" hangingPunct="1">
         <a:lnSpc>
           <a:spcPct val="90000"/>
         </a:lnSpc>
         <a:spcBef>
-          <a:spcPts val="750"/>
+          <a:spcPts val="1250"/>
         </a:spcBef>
         <a:buFont typeface="Arial" panose="020B0604020202020204" pitchFamily="34" charset="0"/>
         <a:buChar char="•"/>
-        <a:defRPr sz="2700" kern="1200">
+        <a:defRPr sz="4500" kern="1200">
           <a:solidFill>
             <a:schemeClr val="tx1"/>
           </a:solidFill>
@@ -2784,16 +2784,16 @@
           <a:cs typeface="+mn-cs"/>
         </a:defRPr>
       </a:lvl5pPr>
-      <a:lvl6pPr marL="3771900" indent="-342900" algn="l" defTabSz="1371600" rtl="0" eaLnBrk="1" latinLnBrk="0" hangingPunct="1">
+      <a:lvl6pPr marL="6286500" indent="-571500" algn="l" defTabSz="2286000" rtl="0" eaLnBrk="1" latinLnBrk="0" hangingPunct="1">
         <a:lnSpc>
           <a:spcPct val="90000"/>
         </a:lnSpc>
         <a:spcBef>
-          <a:spcPts val="750"/>
+          <a:spcPts val="1250"/>
         </a:spcBef>
         <a:buFont typeface="Arial" panose="020B0604020202020204" pitchFamily="34" charset="0"/>
         <a:buChar char="•"/>
-        <a:defRPr sz="2700" kern="1200">
+        <a:defRPr sz="4500" kern="1200">
           <a:solidFill>
             <a:schemeClr val="tx1"/>
           </a:solidFill>
@@ -2802,16 +2802,16 @@
           <a:cs typeface="+mn-cs"/>
         </a:defRPr>
       </a:lvl6pPr>
-      <a:lvl7pPr marL="4457700" indent="-342900" algn="l" defTabSz="1371600" rtl="0" eaLnBrk="1" latinLnBrk="0" hangingPunct="1">
+      <a:lvl7pPr marL="7429500" indent="-571500" algn="l" defTabSz="2286000" rtl="0" eaLnBrk="1" latinLnBrk="0" hangingPunct="1">
         <a:lnSpc>
           <a:spcPct val="90000"/>
         </a:lnSpc>
         <a:spcBef>
-          <a:spcPts val="750"/>
+          <a:spcPts val="1250"/>
         </a:spcBef>
         <a:buFont typeface="Arial" panose="020B0604020202020204" pitchFamily="34" charset="0"/>
         <a:buChar char="•"/>
-        <a:defRPr sz="2700" kern="1200">
+        <a:defRPr sz="4500" kern="1200">
           <a:solidFill>
             <a:schemeClr val="tx1"/>
           </a:solidFill>
@@ -2820,16 +2820,16 @@
           <a:cs typeface="+mn-cs"/>
         </a:defRPr>
       </a:lvl7pPr>
-      <a:lvl8pPr marL="5143500" indent="-342900" algn="l" defTabSz="1371600" rtl="0" eaLnBrk="1" latinLnBrk="0" hangingPunct="1">
+      <a:lvl8pPr marL="8572500" indent="-571500" algn="l" defTabSz="2286000" rtl="0" eaLnBrk="1" latinLnBrk="0" hangingPunct="1">
         <a:lnSpc>
           <a:spcPct val="90000"/>
         </a:lnSpc>
         <a:spcBef>
-          <a:spcPts val="750"/>
+          <a:spcPts val="1250"/>
         </a:spcBef>
         <a:buFont typeface="Arial" panose="020B0604020202020204" pitchFamily="34" charset="0"/>
         <a:buChar char="•"/>
-        <a:defRPr sz="2700" kern="1200">
+        <a:defRPr sz="4500" kern="1200">
           <a:solidFill>
             <a:schemeClr val="tx1"/>
           </a:solidFill>
@@ -2838,16 +2838,16 @@
           <a:cs typeface="+mn-cs"/>
         </a:defRPr>
       </a:lvl8pPr>
-      <a:lvl9pPr marL="5829300" indent="-342900" algn="l" defTabSz="1371600" rtl="0" eaLnBrk="1" latinLnBrk="0" hangingPunct="1">
+      <a:lvl9pPr marL="9715500" indent="-571500" algn="l" defTabSz="2286000" rtl="0" eaLnBrk="1" latinLnBrk="0" hangingPunct="1">
         <a:lnSpc>
           <a:spcPct val="90000"/>
         </a:lnSpc>
         <a:spcBef>
-          <a:spcPts val="750"/>
+          <a:spcPts val="1250"/>
         </a:spcBef>
         <a:buFont typeface="Arial" panose="020B0604020202020204" pitchFamily="34" charset="0"/>
         <a:buChar char="•"/>
-        <a:defRPr sz="2700" kern="1200">
+        <a:defRPr sz="4500" kern="1200">
           <a:solidFill>
             <a:schemeClr val="tx1"/>
           </a:solidFill>
@@ -2861,8 +2861,8 @@
       <a:defPPr>
         <a:defRPr lang="en-US"/>
       </a:defPPr>
-      <a:lvl1pPr marL="0" algn="l" defTabSz="1371600" rtl="0" eaLnBrk="1" latinLnBrk="0" hangingPunct="1">
-        <a:defRPr sz="2700" kern="1200">
+      <a:lvl1pPr marL="0" algn="l" defTabSz="2286000" rtl="0" eaLnBrk="1" latinLnBrk="0" hangingPunct="1">
+        <a:defRPr sz="4500" kern="1200">
           <a:solidFill>
             <a:schemeClr val="tx1"/>
           </a:solidFill>
@@ -2871,8 +2871,8 @@
           <a:cs typeface="+mn-cs"/>
         </a:defRPr>
       </a:lvl1pPr>
-      <a:lvl2pPr marL="685800" algn="l" defTabSz="1371600" rtl="0" eaLnBrk="1" latinLnBrk="0" hangingPunct="1">
-        <a:defRPr sz="2700" kern="1200">
+      <a:lvl2pPr marL="1143000" algn="l" defTabSz="2286000" rtl="0" eaLnBrk="1" latinLnBrk="0" hangingPunct="1">
+        <a:defRPr sz="4500" kern="1200">
           <a:solidFill>
             <a:schemeClr val="tx1"/>
           </a:solidFill>
@@ -2881,8 +2881,8 @@
           <a:cs typeface="+mn-cs"/>
         </a:defRPr>
       </a:lvl2pPr>
-      <a:lvl3pPr marL="1371600" algn="l" defTabSz="1371600" rtl="0" eaLnBrk="1" latinLnBrk="0" hangingPunct="1">
-        <a:defRPr sz="2700" kern="1200">
+      <a:lvl3pPr marL="2286000" algn="l" defTabSz="2286000" rtl="0" eaLnBrk="1" latinLnBrk="0" hangingPunct="1">
+        <a:defRPr sz="4500" kern="1200">
           <a:solidFill>
             <a:schemeClr val="tx1"/>
           </a:solidFill>
@@ -2891,8 +2891,8 @@
           <a:cs typeface="+mn-cs"/>
         </a:defRPr>
       </a:lvl3pPr>
-      <a:lvl4pPr marL="2057400" algn="l" defTabSz="1371600" rtl="0" eaLnBrk="1" latinLnBrk="0" hangingPunct="1">
-        <a:defRPr sz="2700" kern="1200">
+      <a:lvl4pPr marL="3429000" algn="l" defTabSz="2286000" rtl="0" eaLnBrk="1" latinLnBrk="0" hangingPunct="1">
+        <a:defRPr sz="4500" kern="1200">
           <a:solidFill>
             <a:schemeClr val="tx1"/>
           </a:solidFill>
@@ -2901,8 +2901,8 @@
           <a:cs typeface="+mn-cs"/>
         </a:defRPr>
       </a:lvl4pPr>
-      <a:lvl5pPr marL="2743200" algn="l" defTabSz="1371600" rtl="0" eaLnBrk="1" latinLnBrk="0" hangingPunct="1">
-        <a:defRPr sz="2700" kern="1200">
+      <a:lvl5pPr marL="4572000" algn="l" defTabSz="2286000" rtl="0" eaLnBrk="1" latinLnBrk="0" hangingPunct="1">
+        <a:defRPr sz="4500" kern="1200">
           <a:solidFill>
             <a:schemeClr val="tx1"/>
           </a:solidFill>
@@ -2911,8 +2911,8 @@
           <a:cs typeface="+mn-cs"/>
         </a:defRPr>
       </a:lvl5pPr>
-      <a:lvl6pPr marL="3429000" algn="l" defTabSz="1371600" rtl="0" eaLnBrk="1" latinLnBrk="0" hangingPunct="1">
-        <a:defRPr sz="2700" kern="1200">
+      <a:lvl6pPr marL="5715000" algn="l" defTabSz="2286000" rtl="0" eaLnBrk="1" latinLnBrk="0" hangingPunct="1">
+        <a:defRPr sz="4500" kern="1200">
           <a:solidFill>
             <a:schemeClr val="tx1"/>
           </a:solidFill>
@@ -2921,8 +2921,8 @@
           <a:cs typeface="+mn-cs"/>
         </a:defRPr>
       </a:lvl6pPr>
-      <a:lvl7pPr marL="4114800" algn="l" defTabSz="1371600" rtl="0" eaLnBrk="1" latinLnBrk="0" hangingPunct="1">
-        <a:defRPr sz="2700" kern="1200">
+      <a:lvl7pPr marL="6858000" algn="l" defTabSz="2286000" rtl="0" eaLnBrk="1" latinLnBrk="0" hangingPunct="1">
+        <a:defRPr sz="4500" kern="1200">
           <a:solidFill>
             <a:schemeClr val="tx1"/>
           </a:solidFill>
@@ -2931,8 +2931,8 @@
           <a:cs typeface="+mn-cs"/>
         </a:defRPr>
       </a:lvl7pPr>
-      <a:lvl8pPr marL="4800600" algn="l" defTabSz="1371600" rtl="0" eaLnBrk="1" latinLnBrk="0" hangingPunct="1">
-        <a:defRPr sz="2700" kern="1200">
+      <a:lvl8pPr marL="8001000" algn="l" defTabSz="2286000" rtl="0" eaLnBrk="1" latinLnBrk="0" hangingPunct="1">
+        <a:defRPr sz="4500" kern="1200">
           <a:solidFill>
             <a:schemeClr val="tx1"/>
           </a:solidFill>
@@ -2941,8 +2941,8 @@
           <a:cs typeface="+mn-cs"/>
         </a:defRPr>
       </a:lvl8pPr>
-      <a:lvl9pPr marL="5486400" algn="l" defTabSz="1371600" rtl="0" eaLnBrk="1" latinLnBrk="0" hangingPunct="1">
-        <a:defRPr sz="2700" kern="1200">
+      <a:lvl9pPr marL="9144000" algn="l" defTabSz="2286000" rtl="0" eaLnBrk="1" latinLnBrk="0" hangingPunct="1">
+        <a:defRPr sz="4500" kern="1200">
           <a:solidFill>
             <a:schemeClr val="tx1"/>
           </a:solidFill>
@@ -2975,10 +2975,87 @@
       </p:grpSpPr>
       <p:sp>
         <p:nvSpPr>
-          <p:cNvPr id="11" name="Terminator 10">
+          <p:cNvPr id="4" name="TextBox 3">
             <a:extLst>
               <a:ext uri="{FF2B5EF4-FFF2-40B4-BE49-F238E27FC236}">
-                <a16:creationId xmlns:a16="http://schemas.microsoft.com/office/drawing/2014/main" id="{7EBC263F-6138-2824-A86C-7ED5DB62D9ED}"/>
+                <a16:creationId xmlns:a16="http://schemas.microsoft.com/office/drawing/2014/main" id="{6C41727B-FEF8-44B3-37B7-3FF4765D230B}"/>
+              </a:ext>
+            </a:extLst>
+          </p:cNvPr>
+          <p:cNvSpPr txBox="1"/>
+          <p:nvPr/>
+        </p:nvSpPr>
+        <p:spPr>
+          <a:xfrm>
+            <a:off x="712161" y="788432"/>
+            <a:ext cx="1601336" cy="430887"/>
+          </a:xfrm>
+          <a:prstGeom prst="rect">
+            <a:avLst/>
+          </a:prstGeom>
+          <a:noFill/>
+        </p:spPr>
+        <p:txBody>
+          <a:bodyPr wrap="none" rtlCol="0">
+            <a:spAutoFit/>
+          </a:bodyPr>
+          <a:lstStyle/>
+          <a:p>
+            <a:r>
+              <a:rPr lang="pl-PL" sz="2200" dirty="0">
+                <a:solidFill>
+                  <a:schemeClr val="tx1">
+                    <a:lumMod val="65000"/>
+                    <a:lumOff val="35000"/>
+                  </a:schemeClr>
+                </a:solidFill>
+              </a:rPr>
+              <a:t>Zadanie 1.1</a:t>
+            </a:r>
+          </a:p>
+        </p:txBody>
+      </p:sp>
+      <p:sp>
+        <p:nvSpPr>
+          <p:cNvPr id="5" name="TextBox 4">
+            <a:extLst>
+              <a:ext uri="{FF2B5EF4-FFF2-40B4-BE49-F238E27FC236}">
+                <a16:creationId xmlns:a16="http://schemas.microsoft.com/office/drawing/2014/main" id="{4A008E97-840D-F703-3F7B-50A11CE6F3E5}"/>
+              </a:ext>
+            </a:extLst>
+          </p:cNvPr>
+          <p:cNvSpPr txBox="1"/>
+          <p:nvPr/>
+        </p:nvSpPr>
+        <p:spPr>
+          <a:xfrm>
+            <a:off x="712162" y="1242125"/>
+            <a:ext cx="8665129" cy="646331"/>
+          </a:xfrm>
+          <a:prstGeom prst="rect">
+            <a:avLst/>
+          </a:prstGeom>
+          <a:noFill/>
+        </p:spPr>
+        <p:txBody>
+          <a:bodyPr wrap="none" rtlCol="0">
+            <a:spAutoFit/>
+          </a:bodyPr>
+          <a:lstStyle/>
+          <a:p>
+            <a:r>
+              <a:rPr lang="pl-PL" sz="3600" dirty="0"/>
+              <a:t>Wyszukiwanie największej liczby w zbiorze.</a:t>
+            </a:r>
+          </a:p>
+        </p:txBody>
+      </p:sp>
+      <p:sp>
+        <p:nvSpPr>
+          <p:cNvPr id="6" name="Terminator 5">
+            <a:extLst>
+              <a:ext uri="{FF2B5EF4-FFF2-40B4-BE49-F238E27FC236}">
+                <a16:creationId xmlns:a16="http://schemas.microsoft.com/office/drawing/2014/main" id="{E402C046-98F0-65EE-8D76-B5C679C100EC}"/>
               </a:ext>
             </a:extLst>
           </p:cNvPr>
@@ -2987,7 +3064,7 @@
         </p:nvSpPr>
         <p:spPr>
           <a:xfrm>
-            <a:off x="5994354" y="1002215"/>
+            <a:off x="7803715" y="2904124"/>
             <a:ext cx="914400" cy="301752"/>
           </a:xfrm>
           <a:prstGeom prst="flowChartTerminator">
@@ -3022,10 +3099,10 @@
       </p:sp>
       <p:sp>
         <p:nvSpPr>
-          <p:cNvPr id="12" name="Data 11">
+          <p:cNvPr id="7" name="Data 6">
             <a:extLst>
               <a:ext uri="{FF2B5EF4-FFF2-40B4-BE49-F238E27FC236}">
-                <a16:creationId xmlns:a16="http://schemas.microsoft.com/office/drawing/2014/main" id="{67FDCB31-5577-4A12-EE38-1D41ADBB773E}"/>
+                <a16:creationId xmlns:a16="http://schemas.microsoft.com/office/drawing/2014/main" id="{B8A4C49B-7550-489B-FB16-6D52D32C7784}"/>
               </a:ext>
             </a:extLst>
           </p:cNvPr>
@@ -3034,8 +3111,8 @@
         </p:nvSpPr>
         <p:spPr>
           <a:xfrm>
-            <a:off x="4342640" y="1490560"/>
-            <a:ext cx="4217831" cy="301752"/>
+            <a:off x="6758575" y="3394722"/>
+            <a:ext cx="3004681" cy="301752"/>
           </a:xfrm>
           <a:prstGeom prst="flowChartInputOutput">
             <a:avLst/>
@@ -3077,19 +3154,19 @@
               <a:t> </a:t>
             </a:r>
             <a:r>
-              <a:rPr lang="en-US" sz="1200" dirty="0" err="1"/>
+              <a:rPr lang="en-US" sz="1200" i="1" dirty="0" err="1"/>
               <a:t>input_text</a:t>
             </a:r>
-            <a:endParaRPr lang="en-US" sz="1200" dirty="0"/>
-          </a:p>
-        </p:txBody>
-      </p:sp>
-      <p:sp>
-        <p:nvSpPr>
-          <p:cNvPr id="13" name="Process 12">
+            <a:endParaRPr lang="en-US" sz="1200" i="1" dirty="0"/>
+          </a:p>
+        </p:txBody>
+      </p:sp>
+      <p:sp>
+        <p:nvSpPr>
+          <p:cNvPr id="8" name="Process 7">
             <a:extLst>
               <a:ext uri="{FF2B5EF4-FFF2-40B4-BE49-F238E27FC236}">
-                <a16:creationId xmlns:a16="http://schemas.microsoft.com/office/drawing/2014/main" id="{767FEDF7-D742-AA56-8988-27AB33E023F1}"/>
+                <a16:creationId xmlns:a16="http://schemas.microsoft.com/office/drawing/2014/main" id="{F0E108A4-981A-8CF6-C113-5475A0B5A739}"/>
               </a:ext>
             </a:extLst>
           </p:cNvPr>
@@ -3098,8 +3175,8 @@
         </p:nvSpPr>
         <p:spPr>
           <a:xfrm>
-            <a:off x="4943116" y="1978905"/>
-            <a:ext cx="3016876" cy="992043"/>
+            <a:off x="6752477" y="3885320"/>
+            <a:ext cx="3016876" cy="1243119"/>
           </a:xfrm>
           <a:prstGeom prst="flowChartProcess">
             <a:avLst/>
@@ -3125,6 +3202,26 @@
           <a:p>
             <a:pPr algn="ctr"/>
             <a:r>
+              <a:rPr lang="en-US" sz="1200" i="1" dirty="0" err="1"/>
+              <a:t>input_text</a:t>
+            </a:r>
+            <a:r>
+              <a:rPr lang="en-US" sz="1200" dirty="0"/>
+              <a:t> ← </a:t>
+            </a:r>
+            <a:r>
+              <a:rPr lang="en-US" sz="1200" i="1" dirty="0" err="1"/>
+              <a:t>input_text</a:t>
+            </a:r>
+            <a:r>
+              <a:rPr lang="en-US" sz="1200" dirty="0"/>
+              <a:t> + ”;”</a:t>
+            </a:r>
+            <a:endParaRPr lang="en-US" sz="1200" i="1" dirty="0"/>
+          </a:p>
+          <a:p>
+            <a:pPr algn="ctr"/>
+            <a:r>
               <a:rPr lang="en-US" sz="1200" dirty="0" err="1"/>
               <a:t>max_number</a:t>
             </a:r>
@@ -3137,18 +3234,29 @@
             <a:pPr algn="ctr"/>
             <a:r>
               <a:rPr lang="en-US" sz="1200" dirty="0" err="1"/>
-              <a:t>partial_number</a:t>
+              <a:t>current_number</a:t>
             </a:r>
             <a:r>
               <a:rPr lang="en-US" sz="1200" dirty="0"/>
-              <a:t> ← “”</a:t>
+              <a:t> ← 0.0</a:t>
             </a:r>
           </a:p>
           <a:p>
             <a:pPr algn="ctr"/>
             <a:r>
               <a:rPr lang="en-US" sz="1200" dirty="0" err="1"/>
-              <a:t>input_text</a:t>
+              <a:t>decimal_numerator</a:t>
+            </a:r>
+            <a:r>
+              <a:rPr lang="en-US" sz="1200" dirty="0"/>
+              <a:t> ← 0</a:t>
+            </a:r>
+          </a:p>
+          <a:p>
+            <a:pPr algn="ctr"/>
+            <a:r>
+              <a:rPr lang="en-US" sz="1200" i="1" dirty="0" err="1"/>
+              <a:t>is_negative</a:t>
             </a:r>
             <a:r>
               <a:rPr lang="en-US" sz="1200" dirty="0"/>
@@ -3156,18 +3264,15 @@
             </a:r>
             <a:r>
               <a:rPr lang="en-US" sz="1200" dirty="0" err="1"/>
-              <a:t>input_text</a:t>
-            </a:r>
-            <a:r>
-              <a:rPr lang="en-US" sz="1200" dirty="0"/>
-              <a:t> + ”;”</a:t>
-            </a:r>
+              <a:t>fałsz</a:t>
+            </a:r>
+            <a:endParaRPr lang="en-US" sz="1200" dirty="0"/>
           </a:p>
           <a:p>
             <a:pPr algn="ctr"/>
             <a:r>
-              <a:rPr lang="en-US" sz="1200" dirty="0" err="1"/>
-              <a:t>i</a:t>
+              <a:rPr lang="en-US" sz="1200" i="1" dirty="0" err="1"/>
+              <a:t>char_index</a:t>
             </a:r>
             <a:r>
               <a:rPr lang="en-US" sz="1200" dirty="0"/>
@@ -3178,10 +3283,10 @@
       </p:sp>
       <p:sp>
         <p:nvSpPr>
-          <p:cNvPr id="14" name="Decision 13">
+          <p:cNvPr id="9" name="Decision 8">
             <a:extLst>
               <a:ext uri="{FF2B5EF4-FFF2-40B4-BE49-F238E27FC236}">
-                <a16:creationId xmlns:a16="http://schemas.microsoft.com/office/drawing/2014/main" id="{1B0AA1F7-A938-954E-75F5-969253DA04B5}"/>
+                <a16:creationId xmlns:a16="http://schemas.microsoft.com/office/drawing/2014/main" id="{47B8BB14-9E94-6D6E-DC30-6120EDC22D33}"/>
               </a:ext>
             </a:extLst>
           </p:cNvPr>
@@ -3190,8 +3295,8 @@
         </p:nvSpPr>
         <p:spPr>
           <a:xfrm>
-            <a:off x="4772066" y="3147875"/>
-            <a:ext cx="3366093" cy="670999"/>
+            <a:off x="6808928" y="5430191"/>
+            <a:ext cx="2903974" cy="633047"/>
           </a:xfrm>
           <a:prstGeom prst="flowChartDecision">
             <a:avLst/>
@@ -3217,27 +3322,19 @@
           <a:p>
             <a:pPr algn="ctr"/>
             <a:r>
-              <a:rPr lang="en-US" sz="1200" dirty="0" err="1"/>
-              <a:t>i</a:t>
-            </a:r>
-            <a:r>
-              <a:rPr lang="en-US" sz="1200" dirty="0"/>
-              <a:t> &gt; </a:t>
-            </a:r>
-            <a:r>
-              <a:rPr lang="en-US" sz="1200" dirty="0" err="1"/>
-              <a:t>długość</a:t>
-            </a:r>
-            <a:r>
-              <a:rPr lang="en-US" sz="1200" dirty="0"/>
-              <a:t>(</a:t>
-            </a:r>
-            <a:r>
-              <a:rPr lang="en-US" sz="1200" dirty="0" err="1"/>
+              <a:rPr lang="pl-PL" sz="1200" i="1" dirty="0" err="1"/>
+              <a:t>char_index</a:t>
+            </a:r>
+            <a:r>
+              <a:rPr lang="pl-PL" sz="1200" dirty="0"/>
+              <a:t> &lt;= długość(</a:t>
+            </a:r>
+            <a:r>
+              <a:rPr lang="pl-PL" sz="1200" i="1" dirty="0" err="1"/>
               <a:t>input_text</a:t>
             </a:r>
             <a:r>
-              <a:rPr lang="en-US" sz="1200" dirty="0"/>
+              <a:rPr lang="pl-PL" sz="1200" dirty="0"/>
               <a:t>)</a:t>
             </a:r>
           </a:p>
@@ -3245,10 +3342,10 @@
       </p:sp>
       <p:sp>
         <p:nvSpPr>
-          <p:cNvPr id="15" name="Process 14">
+          <p:cNvPr id="10" name="Process 9">
             <a:extLst>
               <a:ext uri="{FF2B5EF4-FFF2-40B4-BE49-F238E27FC236}">
-                <a16:creationId xmlns:a16="http://schemas.microsoft.com/office/drawing/2014/main" id="{EEEA6D32-426F-3615-41A4-E0F037E72FC3}"/>
+                <a16:creationId xmlns:a16="http://schemas.microsoft.com/office/drawing/2014/main" id="{47F4FFC9-F597-02E5-253F-DB119ECF4D90}"/>
               </a:ext>
             </a:extLst>
           </p:cNvPr>
@@ -3257,8 +3354,8 @@
         </p:nvSpPr>
         <p:spPr>
           <a:xfrm>
-            <a:off x="3021975" y="4142613"/>
-            <a:ext cx="2098852" cy="301752"/>
+            <a:off x="6919475" y="6455187"/>
+            <a:ext cx="2682880" cy="281754"/>
           </a:xfrm>
           <a:prstGeom prst="flowChartProcess">
             <a:avLst/>
@@ -3284,7 +3381,7 @@
           <a:p>
             <a:pPr algn="ctr"/>
             <a:r>
-              <a:rPr lang="en-US" sz="1200" dirty="0" err="1"/>
+              <a:rPr lang="en-US" sz="1200" i="1" dirty="0" err="1"/>
               <a:t>current_char</a:t>
             </a:r>
             <a:r>
@@ -3292,7 +3389,7 @@
               <a:t> ← </a:t>
             </a:r>
             <a:r>
-              <a:rPr lang="en-US" sz="1200" dirty="0" err="1"/>
+              <a:rPr lang="en-US" sz="1200" i="1" dirty="0" err="1"/>
               <a:t>input_text</a:t>
             </a:r>
             <a:r>
@@ -3300,8 +3397,8 @@
               <a:t>[</a:t>
             </a:r>
             <a:r>
-              <a:rPr lang="en-US" sz="1200" dirty="0" err="1"/>
-              <a:t>i</a:t>
+              <a:rPr lang="en-US" sz="1200" i="1" dirty="0" err="1"/>
+              <a:t>char_index</a:t>
             </a:r>
             <a:r>
               <a:rPr lang="en-US" sz="1200" dirty="0"/>
@@ -3312,10 +3409,10 @@
       </p:sp>
       <p:sp>
         <p:nvSpPr>
-          <p:cNvPr id="16" name="Decision 15">
+          <p:cNvPr id="11" name="Decision 10">
             <a:extLst>
               <a:ext uri="{FF2B5EF4-FFF2-40B4-BE49-F238E27FC236}">
-                <a16:creationId xmlns:a16="http://schemas.microsoft.com/office/drawing/2014/main" id="{4BBFE75C-B229-EE25-F482-992CB5276577}"/>
+                <a16:creationId xmlns:a16="http://schemas.microsoft.com/office/drawing/2014/main" id="{445D374B-0589-0C04-9654-0F4F81AFCDAE}"/>
               </a:ext>
             </a:extLst>
           </p:cNvPr>
@@ -3324,8 +3421,8 @@
         </p:nvSpPr>
         <p:spPr>
           <a:xfrm>
-            <a:off x="2561037" y="4634675"/>
-            <a:ext cx="3020728" cy="670999"/>
+            <a:off x="6375752" y="6921972"/>
+            <a:ext cx="3770327" cy="633047"/>
           </a:xfrm>
           <a:prstGeom prst="flowChartDecision">
             <a:avLst/>
@@ -3351,22 +3448,22 @@
           <a:p>
             <a:pPr algn="ctr"/>
             <a:r>
-              <a:rPr lang="en-US" sz="1200" dirty="0" err="1"/>
+              <a:rPr lang="pl-PL" sz="1200" i="1" dirty="0" err="1"/>
               <a:t>current_char</a:t>
             </a:r>
             <a:r>
-              <a:rPr lang="en-US" sz="1200" dirty="0"/>
-              <a:t> &lt;&gt; “;”</a:t>
-            </a:r>
-          </a:p>
-        </p:txBody>
-      </p:sp>
-      <p:sp>
-        <p:nvSpPr>
-          <p:cNvPr id="17" name="Process 16">
+              <a:rPr lang="pl-PL" sz="1200" dirty="0"/>
+              <a:t> jest liczbą?</a:t>
+            </a:r>
+          </a:p>
+        </p:txBody>
+      </p:sp>
+      <p:sp>
+        <p:nvSpPr>
+          <p:cNvPr id="12" name="Decision 11">
             <a:extLst>
               <a:ext uri="{FF2B5EF4-FFF2-40B4-BE49-F238E27FC236}">
-                <a16:creationId xmlns:a16="http://schemas.microsoft.com/office/drawing/2014/main" id="{197E9AB8-53A7-95B6-103E-A16EB4E9A63D}"/>
+                <a16:creationId xmlns:a16="http://schemas.microsoft.com/office/drawing/2014/main" id="{A25EAAF4-D286-C3D8-6080-1008EA5F9C64}"/>
               </a:ext>
             </a:extLst>
           </p:cNvPr>
@@ -3375,10 +3472,10 @@
         </p:nvSpPr>
         <p:spPr>
           <a:xfrm>
-            <a:off x="4307706" y="5568847"/>
-            <a:ext cx="3546103" cy="301752"/>
-          </a:xfrm>
-          <a:prstGeom prst="flowChartProcess">
+            <a:off x="12201455" y="7555019"/>
+            <a:ext cx="3425007" cy="633047"/>
+          </a:xfrm>
+          <a:prstGeom prst="flowChartDecision">
             <a:avLst/>
           </a:prstGeom>
         </p:spPr>
@@ -3402,35 +3499,22 @@
           <a:p>
             <a:pPr algn="ctr"/>
             <a:r>
-              <a:rPr lang="en-US" sz="1200" dirty="0" err="1"/>
-              <a:t>partial_number</a:t>
-            </a:r>
-            <a:r>
-              <a:rPr lang="en-US" sz="1200" dirty="0"/>
-              <a:t> ← </a:t>
-            </a:r>
-            <a:r>
-              <a:rPr lang="en-US" sz="1200" dirty="0" err="1"/>
-              <a:t>partial_number</a:t>
-            </a:r>
-            <a:r>
-              <a:rPr lang="en-US" sz="1200" dirty="0"/>
-              <a:t> + </a:t>
-            </a:r>
-            <a:r>
-              <a:rPr lang="en-US" sz="1200" dirty="0" err="1"/>
-              <a:t>current_char</a:t>
-            </a:r>
-            <a:endParaRPr lang="en-US" sz="1200" dirty="0"/>
-          </a:p>
-        </p:txBody>
-      </p:sp>
-      <p:sp>
-        <p:nvSpPr>
-          <p:cNvPr id="18" name="Decision 17">
+              <a:rPr lang="pl-PL" sz="1200" i="1" dirty="0" err="1"/>
+              <a:t>decimal_numerator</a:t>
+            </a:r>
+            <a:r>
+              <a:rPr lang="pl-PL" sz="1200" dirty="0"/>
+              <a:t> &gt; 0</a:t>
+            </a:r>
+          </a:p>
+        </p:txBody>
+      </p:sp>
+      <p:sp>
+        <p:nvSpPr>
+          <p:cNvPr id="13" name="Process 12">
             <a:extLst>
               <a:ext uri="{FF2B5EF4-FFF2-40B4-BE49-F238E27FC236}">
-                <a16:creationId xmlns:a16="http://schemas.microsoft.com/office/drawing/2014/main" id="{086B0474-B20B-0E51-D851-17458C0F0928}"/>
+                <a16:creationId xmlns:a16="http://schemas.microsoft.com/office/drawing/2014/main" id="{5175C83D-8C87-A72E-9703-11DCC3D5D792}"/>
               </a:ext>
             </a:extLst>
           </p:cNvPr>
@@ -3439,10 +3523,10 @@
         </p:nvSpPr>
         <p:spPr>
           <a:xfrm>
-            <a:off x="2423339" y="7166480"/>
-            <a:ext cx="3296124" cy="670999"/>
-          </a:xfrm>
-          <a:prstGeom prst="flowChartDecision">
+            <a:off x="14262832" y="8372209"/>
+            <a:ext cx="5556709" cy="633048"/>
+          </a:xfrm>
+          <a:prstGeom prst="flowChartProcess">
             <a:avLst/>
           </a:prstGeom>
         </p:spPr>
@@ -3466,22 +3550,65 @@
           <a:p>
             <a:pPr algn="ctr"/>
             <a:r>
-              <a:rPr lang="en-US" sz="1200" dirty="0" err="1"/>
-              <a:t>partial_number</a:t>
+              <a:rPr lang="en-US" sz="1200" i="1" dirty="0" err="1"/>
+              <a:t>current_number</a:t>
             </a:r>
             <a:r>
               <a:rPr lang="en-US" sz="1200" dirty="0"/>
-              <a:t> = “”</a:t>
-            </a:r>
-          </a:p>
-        </p:txBody>
-      </p:sp>
-      <p:sp>
-        <p:nvSpPr>
-          <p:cNvPr id="19" name="Process 18">
+              <a:t> ← </a:t>
+            </a:r>
+            <a:r>
+              <a:rPr lang="en-US" sz="1200" i="1" dirty="0" err="1"/>
+              <a:t>current_number</a:t>
+            </a:r>
+            <a:r>
+              <a:rPr lang="en-US" sz="1200" dirty="0"/>
+              <a:t> + int(</a:t>
+            </a:r>
+            <a:r>
+              <a:rPr lang="en-US" sz="1200" i="1" dirty="0" err="1"/>
+              <a:t>current_char</a:t>
+            </a:r>
+            <a:r>
+              <a:rPr lang="en-US" sz="1200" dirty="0"/>
+              <a:t>) * 10^(-</a:t>
+            </a:r>
+            <a:r>
+              <a:rPr lang="en-US" sz="1200" i="1" dirty="0" err="1"/>
+              <a:t>decimal_numerator</a:t>
+            </a:r>
+            <a:r>
+              <a:rPr lang="en-US" sz="1200" dirty="0"/>
+              <a:t>)</a:t>
+            </a:r>
+          </a:p>
+          <a:p>
+            <a:pPr algn="ctr"/>
+            <a:r>
+              <a:rPr lang="en-US" sz="1200" i="1" dirty="0" err="1"/>
+              <a:t>decimal_numerator</a:t>
+            </a:r>
+            <a:r>
+              <a:rPr lang="en-US" sz="1200" dirty="0"/>
+              <a:t> ← </a:t>
+            </a:r>
+            <a:r>
+              <a:rPr lang="en-US" sz="1200" i="1" dirty="0" err="1"/>
+              <a:t>decimal_numerator</a:t>
+            </a:r>
+            <a:r>
+              <a:rPr lang="en-US" sz="1200" dirty="0"/>
+              <a:t> + 1</a:t>
+            </a:r>
+          </a:p>
+        </p:txBody>
+      </p:sp>
+      <p:sp>
+        <p:nvSpPr>
+          <p:cNvPr id="14" name="Process 13">
             <a:extLst>
               <a:ext uri="{FF2B5EF4-FFF2-40B4-BE49-F238E27FC236}">
-                <a16:creationId xmlns:a16="http://schemas.microsoft.com/office/drawing/2014/main" id="{715555B6-E023-7C24-1E6C-0E77E8378DEE}"/>
+                <a16:creationId xmlns:a16="http://schemas.microsoft.com/office/drawing/2014/main" id="{C876657B-7A56-22AE-D5C2-E09425DC020D}"/>
               </a:ext>
             </a:extLst>
           </p:cNvPr>
@@ -3490,8 +3617,8 @@
         </p:nvSpPr>
         <p:spPr>
           <a:xfrm>
-            <a:off x="2298349" y="8876378"/>
-            <a:ext cx="3546103" cy="655753"/>
+            <a:off x="9465367" y="8372210"/>
+            <a:ext cx="4115650" cy="316524"/>
           </a:xfrm>
           <a:prstGeom prst="flowChartProcess">
             <a:avLst/>
@@ -3517,7 +3644,7 @@
           <a:p>
             <a:pPr algn="ctr"/>
             <a:r>
-              <a:rPr lang="en-US" sz="1200" dirty="0" err="1"/>
+              <a:rPr lang="en-US" sz="1200" i="1" dirty="0" err="1"/>
               <a:t>current_number</a:t>
             </a:r>
             <a:r>
@@ -3525,51 +3652,428 @@
               <a:t> ← </a:t>
             </a:r>
             <a:r>
-              <a:rPr lang="en-US" sz="1200" dirty="0" err="1"/>
-              <a:t>przekonwertuj</a:t>
+              <a:rPr lang="en-US" sz="1200" i="1" dirty="0" err="1"/>
+              <a:t>current_number</a:t>
+            </a:r>
+            <a:r>
+              <a:rPr lang="en-US" sz="1200" i="1" dirty="0"/>
+              <a:t> </a:t>
             </a:r>
             <a:r>
               <a:rPr lang="en-US" sz="1200" dirty="0"/>
-              <a:t> </a:t>
-            </a:r>
-            <a:r>
-              <a:rPr lang="en-US" sz="1200" dirty="0" err="1"/>
-              <a:t>partial_number</a:t>
+              <a:t>* 10 + int(</a:t>
+            </a:r>
+            <a:r>
+              <a:rPr lang="en-US" sz="1200" i="1" dirty="0" err="1"/>
+              <a:t>current_char</a:t>
             </a:r>
             <a:r>
               <a:rPr lang="en-US" sz="1200" dirty="0"/>
-              <a:t> </a:t>
-            </a:r>
-            <a:r>
-              <a:rPr lang="en-US" sz="1200" dirty="0" err="1"/>
-              <a:t>na</a:t>
-            </a:r>
-            <a:r>
-              <a:rPr lang="en-US" sz="1200" dirty="0"/>
-              <a:t> </a:t>
-            </a:r>
-            <a:r>
-              <a:rPr lang="en-US" sz="1200" dirty="0" err="1"/>
-              <a:t>liczbę</a:t>
-            </a:r>
-            <a:r>
-              <a:rPr lang="en-US" sz="1200" dirty="0"/>
-              <a:t> </a:t>
-            </a:r>
-            <a:r>
-              <a:rPr lang="en-US" sz="1200" dirty="0" err="1"/>
-              <a:t>zmiennoprzecinkową</a:t>
-            </a:r>
-            <a:endParaRPr lang="en-US" sz="1200" dirty="0"/>
-          </a:p>
-        </p:txBody>
-      </p:sp>
-      <p:sp>
-        <p:nvSpPr>
-          <p:cNvPr id="20" name="Decision 19">
+              <a:t>)</a:t>
+            </a:r>
+          </a:p>
+        </p:txBody>
+      </p:sp>
+      <p:cxnSp>
+        <p:nvCxnSpPr>
+          <p:cNvPr id="16" name="Straight Arrow Connector 15">
             <a:extLst>
               <a:ext uri="{FF2B5EF4-FFF2-40B4-BE49-F238E27FC236}">
-                <a16:creationId xmlns:a16="http://schemas.microsoft.com/office/drawing/2014/main" id="{8FB16CB4-C321-5F7E-FDE9-3AC28B26A612}"/>
+                <a16:creationId xmlns:a16="http://schemas.microsoft.com/office/drawing/2014/main" id="{DC5FCC3E-99C3-0F26-73C2-38A0EA2C0B3B}"/>
+              </a:ext>
+            </a:extLst>
+          </p:cNvPr>
+          <p:cNvCxnSpPr>
+            <a:stCxn id="6" idx="2"/>
+            <a:endCxn id="7" idx="1"/>
+          </p:cNvCxnSpPr>
+          <p:nvPr/>
+        </p:nvCxnSpPr>
+        <p:spPr>
+          <a:xfrm>
+            <a:off x="8260915" y="3205876"/>
+            <a:ext cx="1" cy="188846"/>
+          </a:xfrm>
+          <a:prstGeom prst="straightConnector1">
+            <a:avLst/>
+          </a:prstGeom>
+          <a:ln>
+            <a:tailEnd type="triangle"/>
+          </a:ln>
+        </p:spPr>
+        <p:style>
+          <a:lnRef idx="2">
+            <a:schemeClr val="dk1"/>
+          </a:lnRef>
+          <a:fillRef idx="1">
+            <a:schemeClr val="lt1"/>
+          </a:fillRef>
+          <a:effectRef idx="0">
+            <a:schemeClr val="dk1"/>
+          </a:effectRef>
+          <a:fontRef idx="minor">
+            <a:schemeClr val="dk1"/>
+          </a:fontRef>
+        </p:style>
+      </p:cxnSp>
+      <p:cxnSp>
+        <p:nvCxnSpPr>
+          <p:cNvPr id="18" name="Straight Arrow Connector 17">
+            <a:extLst>
+              <a:ext uri="{FF2B5EF4-FFF2-40B4-BE49-F238E27FC236}">
+                <a16:creationId xmlns:a16="http://schemas.microsoft.com/office/drawing/2014/main" id="{25F47271-9051-9124-19C7-79C9634B1D1A}"/>
+              </a:ext>
+            </a:extLst>
+          </p:cNvPr>
+          <p:cNvCxnSpPr>
+            <a:cxnSpLocks/>
+            <a:stCxn id="7" idx="4"/>
+            <a:endCxn id="8" idx="0"/>
+          </p:cNvCxnSpPr>
+          <p:nvPr/>
+        </p:nvCxnSpPr>
+        <p:spPr>
+          <a:xfrm flipH="1">
+            <a:off x="8260915" y="3696474"/>
+            <a:ext cx="1" cy="188846"/>
+          </a:xfrm>
+          <a:prstGeom prst="straightConnector1">
+            <a:avLst/>
+          </a:prstGeom>
+          <a:ln>
+            <a:tailEnd type="triangle"/>
+          </a:ln>
+        </p:spPr>
+        <p:style>
+          <a:lnRef idx="2">
+            <a:schemeClr val="dk1"/>
+          </a:lnRef>
+          <a:fillRef idx="1">
+            <a:schemeClr val="lt1"/>
+          </a:fillRef>
+          <a:effectRef idx="0">
+            <a:schemeClr val="dk1"/>
+          </a:effectRef>
+          <a:fontRef idx="minor">
+            <a:schemeClr val="dk1"/>
+          </a:fontRef>
+        </p:style>
+      </p:cxnSp>
+      <p:cxnSp>
+        <p:nvCxnSpPr>
+          <p:cNvPr id="20" name="Straight Arrow Connector 19">
+            <a:extLst>
+              <a:ext uri="{FF2B5EF4-FFF2-40B4-BE49-F238E27FC236}">
+                <a16:creationId xmlns:a16="http://schemas.microsoft.com/office/drawing/2014/main" id="{7DF54E22-4CA3-F2FB-C73F-7F83AA859256}"/>
+              </a:ext>
+            </a:extLst>
+          </p:cNvPr>
+          <p:cNvCxnSpPr>
+            <a:cxnSpLocks/>
+            <a:stCxn id="8" idx="2"/>
+            <a:endCxn id="9" idx="0"/>
+          </p:cNvCxnSpPr>
+          <p:nvPr/>
+        </p:nvCxnSpPr>
+        <p:spPr>
+          <a:xfrm>
+            <a:off x="8260915" y="5128439"/>
+            <a:ext cx="0" cy="301752"/>
+          </a:xfrm>
+          <a:prstGeom prst="straightConnector1">
+            <a:avLst/>
+          </a:prstGeom>
+          <a:ln>
+            <a:tailEnd type="triangle"/>
+          </a:ln>
+        </p:spPr>
+        <p:style>
+          <a:lnRef idx="2">
+            <a:schemeClr val="dk1"/>
+          </a:lnRef>
+          <a:fillRef idx="1">
+            <a:schemeClr val="lt1"/>
+          </a:fillRef>
+          <a:effectRef idx="0">
+            <a:schemeClr val="dk1"/>
+          </a:effectRef>
+          <a:fontRef idx="minor">
+            <a:schemeClr val="dk1"/>
+          </a:fontRef>
+        </p:style>
+      </p:cxnSp>
+      <p:cxnSp>
+        <p:nvCxnSpPr>
+          <p:cNvPr id="23" name="Straight Arrow Connector 22">
+            <a:extLst>
+              <a:ext uri="{FF2B5EF4-FFF2-40B4-BE49-F238E27FC236}">
+                <a16:creationId xmlns:a16="http://schemas.microsoft.com/office/drawing/2014/main" id="{7E71C5FC-463B-1F38-5710-87DB46BAE8B8}"/>
+              </a:ext>
+            </a:extLst>
+          </p:cNvPr>
+          <p:cNvCxnSpPr>
+            <a:stCxn id="10" idx="2"/>
+            <a:endCxn id="11" idx="0"/>
+          </p:cNvCxnSpPr>
+          <p:nvPr/>
+        </p:nvCxnSpPr>
+        <p:spPr>
+          <a:xfrm>
+            <a:off x="8260915" y="6736941"/>
+            <a:ext cx="1" cy="185031"/>
+          </a:xfrm>
+          <a:prstGeom prst="straightConnector1">
+            <a:avLst/>
+          </a:prstGeom>
+          <a:ln>
+            <a:tailEnd type="triangle"/>
+          </a:ln>
+        </p:spPr>
+        <p:style>
+          <a:lnRef idx="2">
+            <a:schemeClr val="dk1"/>
+          </a:lnRef>
+          <a:fillRef idx="1">
+            <a:schemeClr val="lt1"/>
+          </a:fillRef>
+          <a:effectRef idx="0">
+            <a:schemeClr val="dk1"/>
+          </a:effectRef>
+          <a:fontRef idx="minor">
+            <a:schemeClr val="dk1"/>
+          </a:fontRef>
+        </p:style>
+      </p:cxnSp>
+      <p:cxnSp>
+        <p:nvCxnSpPr>
+          <p:cNvPr id="27" name="Elbow Connector 26">
+            <a:extLst>
+              <a:ext uri="{FF2B5EF4-FFF2-40B4-BE49-F238E27FC236}">
+                <a16:creationId xmlns:a16="http://schemas.microsoft.com/office/drawing/2014/main" id="{FE569CE7-30BF-87A5-B96B-AB1D23547208}"/>
+              </a:ext>
+            </a:extLst>
+          </p:cNvPr>
+          <p:cNvCxnSpPr>
+            <a:cxnSpLocks/>
+            <a:stCxn id="12" idx="3"/>
+            <a:endCxn id="13" idx="0"/>
+          </p:cNvCxnSpPr>
+          <p:nvPr/>
+        </p:nvCxnSpPr>
+        <p:spPr>
+          <a:xfrm>
+            <a:off x="15626462" y="7871543"/>
+            <a:ext cx="1414725" cy="500666"/>
+          </a:xfrm>
+          <a:prstGeom prst="bentConnector2">
+            <a:avLst/>
+          </a:prstGeom>
+          <a:ln>
+            <a:tailEnd type="triangle"/>
+          </a:ln>
+        </p:spPr>
+        <p:style>
+          <a:lnRef idx="2">
+            <a:schemeClr val="dk1"/>
+          </a:lnRef>
+          <a:fillRef idx="1">
+            <a:schemeClr val="lt1"/>
+          </a:fillRef>
+          <a:effectRef idx="0">
+            <a:schemeClr val="dk1"/>
+          </a:effectRef>
+          <a:fontRef idx="minor">
+            <a:schemeClr val="dk1"/>
+          </a:fontRef>
+        </p:style>
+      </p:cxnSp>
+      <p:cxnSp>
+        <p:nvCxnSpPr>
+          <p:cNvPr id="32" name="Elbow Connector 31">
+            <a:extLst>
+              <a:ext uri="{FF2B5EF4-FFF2-40B4-BE49-F238E27FC236}">
+                <a16:creationId xmlns:a16="http://schemas.microsoft.com/office/drawing/2014/main" id="{1FAA7090-8577-018D-7930-A76C8B26A0FB}"/>
+              </a:ext>
+            </a:extLst>
+          </p:cNvPr>
+          <p:cNvCxnSpPr>
+            <a:cxnSpLocks/>
+            <a:stCxn id="12" idx="1"/>
+            <a:endCxn id="14" idx="0"/>
+          </p:cNvCxnSpPr>
+          <p:nvPr/>
+        </p:nvCxnSpPr>
+        <p:spPr>
+          <a:xfrm rot="10800000" flipV="1">
+            <a:off x="11523193" y="7871542"/>
+            <a:ext cx="678263" cy="500667"/>
+          </a:xfrm>
+          <a:prstGeom prst="bentConnector2">
+            <a:avLst/>
+          </a:prstGeom>
+          <a:ln>
+            <a:tailEnd type="triangle"/>
+          </a:ln>
+        </p:spPr>
+        <p:style>
+          <a:lnRef idx="2">
+            <a:schemeClr val="dk1"/>
+          </a:lnRef>
+          <a:fillRef idx="1">
+            <a:schemeClr val="lt1"/>
+          </a:fillRef>
+          <a:effectRef idx="0">
+            <a:schemeClr val="dk1"/>
+          </a:effectRef>
+          <a:fontRef idx="minor">
+            <a:schemeClr val="dk1"/>
+          </a:fontRef>
+        </p:style>
+      </p:cxnSp>
+      <p:sp>
+        <p:nvSpPr>
+          <p:cNvPr id="43" name="TextBox 42">
+            <a:extLst>
+              <a:ext uri="{FF2B5EF4-FFF2-40B4-BE49-F238E27FC236}">
+                <a16:creationId xmlns:a16="http://schemas.microsoft.com/office/drawing/2014/main" id="{98843F29-1D6F-C361-B14A-9E3E02FBC6CF}"/>
+              </a:ext>
+            </a:extLst>
+          </p:cNvPr>
+          <p:cNvSpPr txBox="1"/>
+          <p:nvPr/>
+        </p:nvSpPr>
+        <p:spPr>
+          <a:xfrm>
+            <a:off x="10160785" y="6858334"/>
+            <a:ext cx="494751" cy="369332"/>
+          </a:xfrm>
+          <a:prstGeom prst="rect">
+            <a:avLst/>
+          </a:prstGeom>
+        </p:spPr>
+        <p:style>
+          <a:lnRef idx="2">
+            <a:schemeClr val="dk1"/>
+          </a:lnRef>
+          <a:fillRef idx="1">
+            <a:schemeClr val="lt1"/>
+          </a:fillRef>
+          <a:effectRef idx="0">
+            <a:schemeClr val="dk1"/>
+          </a:effectRef>
+          <a:fontRef idx="minor">
+            <a:schemeClr val="dk1"/>
+          </a:fontRef>
+        </p:style>
+        <p:txBody>
+          <a:bodyPr wrap="none" rtlCol="0">
+            <a:spAutoFit/>
+          </a:bodyPr>
+          <a:lstStyle/>
+          <a:p>
+            <a:r>
+              <a:rPr lang="pl-PL" dirty="0"/>
+              <a:t>tak</a:t>
+            </a:r>
+          </a:p>
+        </p:txBody>
+      </p:sp>
+      <p:cxnSp>
+        <p:nvCxnSpPr>
+          <p:cNvPr id="45" name="Straight Arrow Connector 44">
+            <a:extLst>
+              <a:ext uri="{FF2B5EF4-FFF2-40B4-BE49-F238E27FC236}">
+                <a16:creationId xmlns:a16="http://schemas.microsoft.com/office/drawing/2014/main" id="{6150720E-41D4-AD33-68D6-405FED9EDD99}"/>
+              </a:ext>
+            </a:extLst>
+          </p:cNvPr>
+          <p:cNvCxnSpPr>
+            <a:stCxn id="9" idx="2"/>
+            <a:endCxn id="10" idx="0"/>
+          </p:cNvCxnSpPr>
+          <p:nvPr/>
+        </p:nvCxnSpPr>
+        <p:spPr>
+          <a:xfrm>
+            <a:off x="8260915" y="6063238"/>
+            <a:ext cx="0" cy="391949"/>
+          </a:xfrm>
+          <a:prstGeom prst="straightConnector1">
+            <a:avLst/>
+          </a:prstGeom>
+          <a:ln>
+            <a:tailEnd type="triangle"/>
+          </a:ln>
+        </p:spPr>
+        <p:style>
+          <a:lnRef idx="2">
+            <a:schemeClr val="dk1"/>
+          </a:lnRef>
+          <a:fillRef idx="1">
+            <a:schemeClr val="lt1"/>
+          </a:fillRef>
+          <a:effectRef idx="0">
+            <a:schemeClr val="dk1"/>
+          </a:effectRef>
+          <a:fontRef idx="minor">
+            <a:schemeClr val="dk1"/>
+          </a:fontRef>
+        </p:style>
+      </p:cxnSp>
+      <p:sp>
+        <p:nvSpPr>
+          <p:cNvPr id="46" name="TextBox 45">
+            <a:extLst>
+              <a:ext uri="{FF2B5EF4-FFF2-40B4-BE49-F238E27FC236}">
+                <a16:creationId xmlns:a16="http://schemas.microsoft.com/office/drawing/2014/main" id="{BC82D346-5DB7-06E5-50D7-A37A9E219B97}"/>
+              </a:ext>
+            </a:extLst>
+          </p:cNvPr>
+          <p:cNvSpPr txBox="1"/>
+          <p:nvPr/>
+        </p:nvSpPr>
+        <p:spPr>
+          <a:xfrm>
+            <a:off x="8280540" y="6062042"/>
+            <a:ext cx="494751" cy="369332"/>
+          </a:xfrm>
+          <a:prstGeom prst="rect">
+            <a:avLst/>
+          </a:prstGeom>
+        </p:spPr>
+        <p:style>
+          <a:lnRef idx="2">
+            <a:schemeClr val="dk1"/>
+          </a:lnRef>
+          <a:fillRef idx="1">
+            <a:schemeClr val="lt1"/>
+          </a:fillRef>
+          <a:effectRef idx="0">
+            <a:schemeClr val="dk1"/>
+          </a:effectRef>
+          <a:fontRef idx="minor">
+            <a:schemeClr val="dk1"/>
+          </a:fontRef>
+        </p:style>
+        <p:txBody>
+          <a:bodyPr wrap="none" rtlCol="0">
+            <a:spAutoFit/>
+          </a:bodyPr>
+          <a:lstStyle/>
+          <a:p>
+            <a:r>
+              <a:rPr lang="pl-PL" dirty="0"/>
+              <a:t>tak</a:t>
+            </a:r>
+          </a:p>
+        </p:txBody>
+      </p:sp>
+      <p:sp>
+        <p:nvSpPr>
+          <p:cNvPr id="48" name="Decision 47">
+            <a:extLst>
+              <a:ext uri="{FF2B5EF4-FFF2-40B4-BE49-F238E27FC236}">
+                <a16:creationId xmlns:a16="http://schemas.microsoft.com/office/drawing/2014/main" id="{F89EE211-1523-B3C6-6826-CBB19A0003BA}"/>
               </a:ext>
             </a:extLst>
           </p:cNvPr>
@@ -3578,8 +4082,8 @@
         </p:nvSpPr>
         <p:spPr>
           <a:xfrm>
-            <a:off x="1748310" y="9790751"/>
-            <a:ext cx="4646179" cy="1161930"/>
+            <a:off x="6808928" y="9005257"/>
+            <a:ext cx="2903974" cy="633047"/>
           </a:xfrm>
           <a:prstGeom prst="flowChartDecision">
             <a:avLst/>
@@ -3605,46 +4109,70 @@
           <a:p>
             <a:pPr algn="ctr"/>
             <a:r>
-              <a:rPr lang="en-US" sz="1200" dirty="0" err="1"/>
-              <a:t>max_number</a:t>
-            </a:r>
-            <a:r>
-              <a:rPr lang="en-US" sz="1200" dirty="0"/>
-              <a:t> = BRAK</a:t>
-            </a:r>
-          </a:p>
-          <a:p>
-            <a:pPr algn="ctr"/>
-            <a:r>
-              <a:rPr lang="en-US" sz="1200" dirty="0" err="1"/>
-              <a:t>lub</a:t>
-            </a:r>
-            <a:endParaRPr lang="en-US" sz="1200" dirty="0"/>
-          </a:p>
-          <a:p>
-            <a:pPr algn="ctr"/>
-            <a:r>
-              <a:rPr lang="en-US" sz="1200" dirty="0" err="1"/>
-              <a:t>current_number</a:t>
-            </a:r>
-            <a:r>
-              <a:rPr lang="en-US" sz="1200" dirty="0"/>
-              <a:t> &gt; </a:t>
-            </a:r>
-            <a:r>
-              <a:rPr lang="en-US" sz="1200" dirty="0" err="1"/>
-              <a:t>max_number</a:t>
-            </a:r>
-            <a:endParaRPr lang="en-US" sz="1200" dirty="0"/>
-          </a:p>
-        </p:txBody>
-      </p:sp>
-      <p:sp>
-        <p:nvSpPr>
-          <p:cNvPr id="21" name="Process 20">
+              <a:rPr lang="pl-PL" sz="1200" i="1" dirty="0" err="1"/>
+              <a:t>current_char</a:t>
+            </a:r>
+            <a:r>
+              <a:rPr lang="pl-PL" sz="1200" dirty="0"/>
+              <a:t> = „.”</a:t>
+            </a:r>
+          </a:p>
+        </p:txBody>
+      </p:sp>
+      <p:sp>
+        <p:nvSpPr>
+          <p:cNvPr id="51" name="TextBox 50">
             <a:extLst>
               <a:ext uri="{FF2B5EF4-FFF2-40B4-BE49-F238E27FC236}">
-                <a16:creationId xmlns:a16="http://schemas.microsoft.com/office/drawing/2014/main" id="{F8510BCD-8A91-0CC0-B63D-79C85CAB56FC}"/>
+                <a16:creationId xmlns:a16="http://schemas.microsoft.com/office/drawing/2014/main" id="{694DB0A7-1709-72B3-D3C2-B341B7491E15}"/>
+              </a:ext>
+            </a:extLst>
+          </p:cNvPr>
+          <p:cNvSpPr txBox="1"/>
+          <p:nvPr/>
+        </p:nvSpPr>
+        <p:spPr>
+          <a:xfrm>
+            <a:off x="7610552" y="7597176"/>
+            <a:ext cx="487634" cy="369332"/>
+          </a:xfrm>
+          <a:prstGeom prst="rect">
+            <a:avLst/>
+          </a:prstGeom>
+        </p:spPr>
+        <p:style>
+          <a:lnRef idx="2">
+            <a:schemeClr val="dk1"/>
+          </a:lnRef>
+          <a:fillRef idx="1">
+            <a:schemeClr val="lt1"/>
+          </a:fillRef>
+          <a:effectRef idx="0">
+            <a:schemeClr val="dk1"/>
+          </a:effectRef>
+          <a:fontRef idx="minor">
+            <a:schemeClr val="dk1"/>
+          </a:fontRef>
+        </p:style>
+        <p:txBody>
+          <a:bodyPr wrap="none" rtlCol="0">
+            <a:spAutoFit/>
+          </a:bodyPr>
+          <a:lstStyle/>
+          <a:p>
+            <a:r>
+              <a:rPr lang="pl-PL" dirty="0"/>
+              <a:t>nie</a:t>
+            </a:r>
+          </a:p>
+        </p:txBody>
+      </p:sp>
+      <p:sp>
+        <p:nvSpPr>
+          <p:cNvPr id="55" name="Process 54">
+            <a:extLst>
+              <a:ext uri="{FF2B5EF4-FFF2-40B4-BE49-F238E27FC236}">
+                <a16:creationId xmlns:a16="http://schemas.microsoft.com/office/drawing/2014/main" id="{0D4AC466-6C86-766E-492D-203BD249367B}"/>
               </a:ext>
             </a:extLst>
           </p:cNvPr>
@@ -3653,8 +4181,8 @@
         </p:nvSpPr>
         <p:spPr>
           <a:xfrm>
-            <a:off x="5252609" y="11165491"/>
-            <a:ext cx="2422673" cy="409902"/>
+            <a:off x="9465367" y="9822449"/>
+            <a:ext cx="2682880" cy="316523"/>
           </a:xfrm>
           <a:prstGeom prst="flowChartProcess">
             <a:avLst/>
@@ -3680,27 +4208,196 @@
           <a:p>
             <a:pPr algn="ctr"/>
             <a:r>
-              <a:rPr lang="en-US" sz="1200" dirty="0" err="1"/>
-              <a:t>max_number</a:t>
+              <a:rPr lang="en-US" sz="1200" i="1" dirty="0" err="1"/>
+              <a:t>decimal_numerator</a:t>
             </a:r>
             <a:r>
               <a:rPr lang="en-US" sz="1200" dirty="0"/>
-              <a:t> ← </a:t>
-            </a:r>
-            <a:r>
-              <a:rPr lang="en-US" sz="1200" dirty="0" err="1"/>
-              <a:t>current_number</a:t>
-            </a:r>
-            <a:endParaRPr lang="en-US" sz="1200" dirty="0"/>
-          </a:p>
-        </p:txBody>
-      </p:sp>
-      <p:sp>
-        <p:nvSpPr>
-          <p:cNvPr id="22" name="Process 21">
+              <a:t> ← 1</a:t>
+            </a:r>
+          </a:p>
+        </p:txBody>
+      </p:sp>
+      <p:cxnSp>
+        <p:nvCxnSpPr>
+          <p:cNvPr id="61" name="Elbow Connector 60">
             <a:extLst>
               <a:ext uri="{FF2B5EF4-FFF2-40B4-BE49-F238E27FC236}">
-                <a16:creationId xmlns:a16="http://schemas.microsoft.com/office/drawing/2014/main" id="{96A3DACE-16BA-573B-8F8B-B0506441F0FB}"/>
+                <a16:creationId xmlns:a16="http://schemas.microsoft.com/office/drawing/2014/main" id="{2F1028FA-CB59-1727-97CD-4F5F7477B792}"/>
+              </a:ext>
+            </a:extLst>
+          </p:cNvPr>
+          <p:cNvCxnSpPr>
+            <a:stCxn id="11" idx="3"/>
+            <a:endCxn id="12" idx="0"/>
+          </p:cNvCxnSpPr>
+          <p:nvPr/>
+        </p:nvCxnSpPr>
+        <p:spPr>
+          <a:xfrm>
+            <a:off x="10146079" y="7238496"/>
+            <a:ext cx="3767880" cy="316523"/>
+          </a:xfrm>
+          <a:prstGeom prst="bentConnector2">
+            <a:avLst/>
+          </a:prstGeom>
+          <a:ln>
+            <a:tailEnd type="triangle"/>
+          </a:ln>
+        </p:spPr>
+        <p:style>
+          <a:lnRef idx="2">
+            <a:schemeClr val="dk1"/>
+          </a:lnRef>
+          <a:fillRef idx="1">
+            <a:schemeClr val="lt1"/>
+          </a:fillRef>
+          <a:effectRef idx="0">
+            <a:schemeClr val="dk1"/>
+          </a:effectRef>
+          <a:fontRef idx="minor">
+            <a:schemeClr val="dk1"/>
+          </a:fontRef>
+        </p:style>
+      </p:cxnSp>
+      <p:cxnSp>
+        <p:nvCxnSpPr>
+          <p:cNvPr id="63" name="Straight Arrow Connector 62">
+            <a:extLst>
+              <a:ext uri="{FF2B5EF4-FFF2-40B4-BE49-F238E27FC236}">
+                <a16:creationId xmlns:a16="http://schemas.microsoft.com/office/drawing/2014/main" id="{F3EEA98B-0CB9-8DC3-3270-84F3B6FC208D}"/>
+              </a:ext>
+            </a:extLst>
+          </p:cNvPr>
+          <p:cNvCxnSpPr>
+            <a:stCxn id="11" idx="2"/>
+            <a:endCxn id="48" idx="0"/>
+          </p:cNvCxnSpPr>
+          <p:nvPr/>
+        </p:nvCxnSpPr>
+        <p:spPr>
+          <a:xfrm flipH="1">
+            <a:off x="8260915" y="7555019"/>
+            <a:ext cx="1" cy="1450238"/>
+          </a:xfrm>
+          <a:prstGeom prst="straightConnector1">
+            <a:avLst/>
+          </a:prstGeom>
+          <a:ln>
+            <a:tailEnd type="triangle"/>
+          </a:ln>
+        </p:spPr>
+        <p:style>
+          <a:lnRef idx="2">
+            <a:schemeClr val="dk1"/>
+          </a:lnRef>
+          <a:fillRef idx="1">
+            <a:schemeClr val="lt1"/>
+          </a:fillRef>
+          <a:effectRef idx="0">
+            <a:schemeClr val="dk1"/>
+          </a:effectRef>
+          <a:fontRef idx="minor">
+            <a:schemeClr val="dk1"/>
+          </a:fontRef>
+        </p:style>
+      </p:cxnSp>
+      <p:cxnSp>
+        <p:nvCxnSpPr>
+          <p:cNvPr id="72" name="Elbow Connector 71">
+            <a:extLst>
+              <a:ext uri="{FF2B5EF4-FFF2-40B4-BE49-F238E27FC236}">
+                <a16:creationId xmlns:a16="http://schemas.microsoft.com/office/drawing/2014/main" id="{0B2A3444-7AC5-42F7-1114-A13736EC6908}"/>
+              </a:ext>
+            </a:extLst>
+          </p:cNvPr>
+          <p:cNvCxnSpPr>
+            <a:stCxn id="48" idx="3"/>
+            <a:endCxn id="55" idx="0"/>
+          </p:cNvCxnSpPr>
+          <p:nvPr/>
+        </p:nvCxnSpPr>
+        <p:spPr>
+          <a:xfrm>
+            <a:off x="9712902" y="9321781"/>
+            <a:ext cx="1093905" cy="500668"/>
+          </a:xfrm>
+          <a:prstGeom prst="bentConnector2">
+            <a:avLst/>
+          </a:prstGeom>
+          <a:ln>
+            <a:tailEnd type="triangle"/>
+          </a:ln>
+        </p:spPr>
+        <p:style>
+          <a:lnRef idx="2">
+            <a:schemeClr val="dk1"/>
+          </a:lnRef>
+          <a:fillRef idx="1">
+            <a:schemeClr val="lt1"/>
+          </a:fillRef>
+          <a:effectRef idx="0">
+            <a:schemeClr val="dk1"/>
+          </a:effectRef>
+          <a:fontRef idx="minor">
+            <a:schemeClr val="dk1"/>
+          </a:fontRef>
+        </p:style>
+      </p:cxnSp>
+      <p:sp>
+        <p:nvSpPr>
+          <p:cNvPr id="73" name="TextBox 72">
+            <a:extLst>
+              <a:ext uri="{FF2B5EF4-FFF2-40B4-BE49-F238E27FC236}">
+                <a16:creationId xmlns:a16="http://schemas.microsoft.com/office/drawing/2014/main" id="{AB18F40F-F97A-55CE-59E1-DB409D9C0D70}"/>
+              </a:ext>
+            </a:extLst>
+          </p:cNvPr>
+          <p:cNvSpPr txBox="1"/>
+          <p:nvPr/>
+        </p:nvSpPr>
+        <p:spPr>
+          <a:xfrm>
+            <a:off x="9686646" y="8945639"/>
+            <a:ext cx="494751" cy="369332"/>
+          </a:xfrm>
+          <a:prstGeom prst="rect">
+            <a:avLst/>
+          </a:prstGeom>
+        </p:spPr>
+        <p:style>
+          <a:lnRef idx="2">
+            <a:schemeClr val="dk1"/>
+          </a:lnRef>
+          <a:fillRef idx="1">
+            <a:schemeClr val="lt1"/>
+          </a:fillRef>
+          <a:effectRef idx="0">
+            <a:schemeClr val="dk1"/>
+          </a:effectRef>
+          <a:fontRef idx="minor">
+            <a:schemeClr val="dk1"/>
+          </a:fontRef>
+        </p:style>
+        <p:txBody>
+          <a:bodyPr wrap="none" rtlCol="0">
+            <a:spAutoFit/>
+          </a:bodyPr>
+          <a:lstStyle/>
+          <a:p>
+            <a:r>
+              <a:rPr lang="pl-PL" dirty="0"/>
+              <a:t>tak</a:t>
+            </a:r>
+          </a:p>
+        </p:txBody>
+      </p:sp>
+      <p:sp>
+        <p:nvSpPr>
+          <p:cNvPr id="77" name="Decision 76">
+            <a:extLst>
+              <a:ext uri="{FF2B5EF4-FFF2-40B4-BE49-F238E27FC236}">
+                <a16:creationId xmlns:a16="http://schemas.microsoft.com/office/drawing/2014/main" id="{8FE8CC94-1B00-1EC1-EBF5-DD8FDF276382}"/>
               </a:ext>
             </a:extLst>
           </p:cNvPr>
@@ -3709,10 +4406,10 @@
         </p:nvSpPr>
         <p:spPr>
           <a:xfrm>
-            <a:off x="3184873" y="11995789"/>
-            <a:ext cx="1773053" cy="409902"/>
-          </a:xfrm>
-          <a:prstGeom prst="flowChartProcess">
+            <a:off x="6808928" y="10455495"/>
+            <a:ext cx="2903974" cy="633047"/>
+          </a:xfrm>
+          <a:prstGeom prst="flowChartDecision">
             <a:avLst/>
           </a:prstGeom>
         </p:spPr>
@@ -3736,19 +4433,149 @@
           <a:p>
             <a:pPr algn="ctr"/>
             <a:r>
-              <a:rPr lang="en-US" sz="1200" dirty="0" err="1"/>
-              <a:t>partial_number</a:t>
-            </a:r>
-            <a:r>
-              <a:rPr lang="en-US" sz="1200" dirty="0"/>
-              <a:t> ← ””</a:t>
-            </a:r>
-            <a:br>
-              <a:rPr lang="en-US" sz="1200" dirty="0"/>
-            </a:br>
-            <a:r>
-              <a:rPr lang="en-US" sz="1200" dirty="0" err="1"/>
-              <a:t>i</a:t>
+              <a:rPr lang="pl-PL" sz="1200" i="1" dirty="0" err="1"/>
+              <a:t>current_char</a:t>
+            </a:r>
+            <a:r>
+              <a:rPr lang="pl-PL" sz="1200" dirty="0"/>
+              <a:t> = „-”</a:t>
+            </a:r>
+          </a:p>
+        </p:txBody>
+      </p:sp>
+      <p:cxnSp>
+        <p:nvCxnSpPr>
+          <p:cNvPr id="79" name="Straight Arrow Connector 78">
+            <a:extLst>
+              <a:ext uri="{FF2B5EF4-FFF2-40B4-BE49-F238E27FC236}">
+                <a16:creationId xmlns:a16="http://schemas.microsoft.com/office/drawing/2014/main" id="{66C4E1EC-7003-810D-D173-DF37D409DA2A}"/>
+              </a:ext>
+            </a:extLst>
+          </p:cNvPr>
+          <p:cNvCxnSpPr>
+            <a:stCxn id="48" idx="2"/>
+            <a:endCxn id="77" idx="0"/>
+          </p:cNvCxnSpPr>
+          <p:nvPr/>
+        </p:nvCxnSpPr>
+        <p:spPr>
+          <a:xfrm>
+            <a:off x="8260915" y="9638304"/>
+            <a:ext cx="0" cy="817191"/>
+          </a:xfrm>
+          <a:prstGeom prst="straightConnector1">
+            <a:avLst/>
+          </a:prstGeom>
+          <a:ln>
+            <a:tailEnd type="triangle"/>
+          </a:ln>
+        </p:spPr>
+        <p:style>
+          <a:lnRef idx="2">
+            <a:schemeClr val="dk1"/>
+          </a:lnRef>
+          <a:fillRef idx="1">
+            <a:schemeClr val="lt1"/>
+          </a:fillRef>
+          <a:effectRef idx="0">
+            <a:schemeClr val="dk1"/>
+          </a:effectRef>
+          <a:fontRef idx="minor">
+            <a:schemeClr val="dk1"/>
+          </a:fontRef>
+        </p:style>
+      </p:cxnSp>
+      <p:sp>
+        <p:nvSpPr>
+          <p:cNvPr id="86" name="TextBox 85">
+            <a:extLst>
+              <a:ext uri="{FF2B5EF4-FFF2-40B4-BE49-F238E27FC236}">
+                <a16:creationId xmlns:a16="http://schemas.microsoft.com/office/drawing/2014/main" id="{A96E74BD-CE9C-3F93-F8FD-3334766846A6}"/>
+              </a:ext>
+            </a:extLst>
+          </p:cNvPr>
+          <p:cNvSpPr txBox="1"/>
+          <p:nvPr/>
+        </p:nvSpPr>
+        <p:spPr>
+          <a:xfrm>
+            <a:off x="7610552" y="9743610"/>
+            <a:ext cx="487634" cy="369332"/>
+          </a:xfrm>
+          <a:prstGeom prst="rect">
+            <a:avLst/>
+          </a:prstGeom>
+        </p:spPr>
+        <p:style>
+          <a:lnRef idx="2">
+            <a:schemeClr val="dk1"/>
+          </a:lnRef>
+          <a:fillRef idx="1">
+            <a:schemeClr val="lt1"/>
+          </a:fillRef>
+          <a:effectRef idx="0">
+            <a:schemeClr val="dk1"/>
+          </a:effectRef>
+          <a:fontRef idx="minor">
+            <a:schemeClr val="dk1"/>
+          </a:fontRef>
+        </p:style>
+        <p:txBody>
+          <a:bodyPr wrap="none" rtlCol="0">
+            <a:spAutoFit/>
+          </a:bodyPr>
+          <a:lstStyle/>
+          <a:p>
+            <a:r>
+              <a:rPr lang="pl-PL" dirty="0"/>
+              <a:t>nie</a:t>
+            </a:r>
+          </a:p>
+        </p:txBody>
+      </p:sp>
+      <p:sp>
+        <p:nvSpPr>
+          <p:cNvPr id="88" name="Process 87">
+            <a:extLst>
+              <a:ext uri="{FF2B5EF4-FFF2-40B4-BE49-F238E27FC236}">
+                <a16:creationId xmlns:a16="http://schemas.microsoft.com/office/drawing/2014/main" id="{0828E2DA-1EE0-D35A-EA5C-69901C5E934B}"/>
+              </a:ext>
+            </a:extLst>
+          </p:cNvPr>
+          <p:cNvSpPr/>
+          <p:nvPr/>
+        </p:nvSpPr>
+        <p:spPr>
+          <a:xfrm>
+            <a:off x="9465367" y="11343241"/>
+            <a:ext cx="2682880" cy="316523"/>
+          </a:xfrm>
+          <a:prstGeom prst="flowChartProcess">
+            <a:avLst/>
+          </a:prstGeom>
+        </p:spPr>
+        <p:style>
+          <a:lnRef idx="2">
+            <a:schemeClr val="dk1"/>
+          </a:lnRef>
+          <a:fillRef idx="1">
+            <a:schemeClr val="lt1"/>
+          </a:fillRef>
+          <a:effectRef idx="0">
+            <a:schemeClr val="dk1"/>
+          </a:effectRef>
+          <a:fontRef idx="minor">
+            <a:schemeClr val="dk1"/>
+          </a:fontRef>
+        </p:style>
+        <p:txBody>
+          <a:bodyPr rtlCol="0" anchor="ctr"/>
+          <a:lstStyle/>
+          <a:p>
+            <a:pPr algn="ctr"/>
+            <a:r>
+              <a:rPr lang="en-US" sz="1200" i="1" dirty="0" err="1"/>
+              <a:t>is_negative</a:t>
             </a:r>
             <a:r>
               <a:rPr lang="en-US" sz="1200" dirty="0"/>
@@ -3756,37 +4583,272 @@
             </a:r>
             <a:r>
               <a:rPr lang="en-US" sz="1200" dirty="0" err="1"/>
-              <a:t>i</a:t>
-            </a:r>
-            <a:r>
-              <a:rPr lang="en-US" sz="1200" dirty="0"/>
-              <a:t> + 1</a:t>
-            </a:r>
+              <a:t>prawda</a:t>
+            </a:r>
+            <a:endParaRPr lang="en-US" sz="1200" dirty="0"/>
           </a:p>
         </p:txBody>
       </p:sp>
       <p:cxnSp>
         <p:nvCxnSpPr>
-          <p:cNvPr id="28" name="Straight Arrow Connector 27">
+          <p:cNvPr id="90" name="Elbow Connector 89">
             <a:extLst>
               <a:ext uri="{FF2B5EF4-FFF2-40B4-BE49-F238E27FC236}">
-                <a16:creationId xmlns:a16="http://schemas.microsoft.com/office/drawing/2014/main" id="{0AA48CF3-4E40-68C7-22EA-7380D4742409}"/>
+                <a16:creationId xmlns:a16="http://schemas.microsoft.com/office/drawing/2014/main" id="{1B98CBD8-3EE2-34DF-8FBC-5F715018E055}"/>
+              </a:ext>
+            </a:extLst>
+          </p:cNvPr>
+          <p:cNvCxnSpPr>
+            <a:endCxn id="88" idx="0"/>
+          </p:cNvCxnSpPr>
+          <p:nvPr/>
+        </p:nvCxnSpPr>
+        <p:spPr>
+          <a:xfrm>
+            <a:off x="9712902" y="10772018"/>
+            <a:ext cx="1093905" cy="571223"/>
+          </a:xfrm>
+          <a:prstGeom prst="bentConnector2">
+            <a:avLst/>
+          </a:prstGeom>
+          <a:ln>
+            <a:tailEnd type="triangle"/>
+          </a:ln>
+        </p:spPr>
+        <p:style>
+          <a:lnRef idx="2">
+            <a:schemeClr val="dk1"/>
+          </a:lnRef>
+          <a:fillRef idx="1">
+            <a:schemeClr val="lt1"/>
+          </a:fillRef>
+          <a:effectRef idx="0">
+            <a:schemeClr val="dk1"/>
+          </a:effectRef>
+          <a:fontRef idx="minor">
+            <a:schemeClr val="dk1"/>
+          </a:fontRef>
+        </p:style>
+      </p:cxnSp>
+      <p:sp>
+        <p:nvSpPr>
+          <p:cNvPr id="91" name="TextBox 90">
+            <a:extLst>
+              <a:ext uri="{FF2B5EF4-FFF2-40B4-BE49-F238E27FC236}">
+                <a16:creationId xmlns:a16="http://schemas.microsoft.com/office/drawing/2014/main" id="{57177F77-C34F-80AB-EF29-A63B5908710A}"/>
+              </a:ext>
+            </a:extLst>
+          </p:cNvPr>
+          <p:cNvSpPr txBox="1"/>
+          <p:nvPr/>
+        </p:nvSpPr>
+        <p:spPr>
+          <a:xfrm>
+            <a:off x="9668979" y="10411185"/>
+            <a:ext cx="494751" cy="369332"/>
+          </a:xfrm>
+          <a:prstGeom prst="rect">
+            <a:avLst/>
+          </a:prstGeom>
+        </p:spPr>
+        <p:style>
+          <a:lnRef idx="2">
+            <a:schemeClr val="dk1"/>
+          </a:lnRef>
+          <a:fillRef idx="1">
+            <a:schemeClr val="lt1"/>
+          </a:fillRef>
+          <a:effectRef idx="0">
+            <a:schemeClr val="dk1"/>
+          </a:effectRef>
+          <a:fontRef idx="minor">
+            <a:schemeClr val="dk1"/>
+          </a:fontRef>
+        </p:style>
+        <p:txBody>
+          <a:bodyPr wrap="none" rtlCol="0">
+            <a:spAutoFit/>
+          </a:bodyPr>
+          <a:lstStyle/>
+          <a:p>
+            <a:r>
+              <a:rPr lang="pl-PL" dirty="0"/>
+              <a:t>tak</a:t>
+            </a:r>
+          </a:p>
+        </p:txBody>
+      </p:sp>
+      <p:sp>
+        <p:nvSpPr>
+          <p:cNvPr id="93" name="Decision 92">
+            <a:extLst>
+              <a:ext uri="{FF2B5EF4-FFF2-40B4-BE49-F238E27FC236}">
+                <a16:creationId xmlns:a16="http://schemas.microsoft.com/office/drawing/2014/main" id="{64C119A1-7467-F11B-91EF-D9D589CE6635}"/>
+              </a:ext>
+            </a:extLst>
+          </p:cNvPr>
+          <p:cNvSpPr/>
+          <p:nvPr/>
+        </p:nvSpPr>
+        <p:spPr>
+          <a:xfrm>
+            <a:off x="6808928" y="12130291"/>
+            <a:ext cx="2903974" cy="633047"/>
+          </a:xfrm>
+          <a:prstGeom prst="flowChartDecision">
+            <a:avLst/>
+          </a:prstGeom>
+        </p:spPr>
+        <p:style>
+          <a:lnRef idx="2">
+            <a:schemeClr val="dk1"/>
+          </a:lnRef>
+          <a:fillRef idx="1">
+            <a:schemeClr val="lt1"/>
+          </a:fillRef>
+          <a:effectRef idx="0">
+            <a:schemeClr val="dk1"/>
+          </a:effectRef>
+          <a:fontRef idx="minor">
+            <a:schemeClr val="dk1"/>
+          </a:fontRef>
+        </p:style>
+        <p:txBody>
+          <a:bodyPr rtlCol="0" anchor="ctr"/>
+          <a:lstStyle/>
+          <a:p>
+            <a:pPr algn="ctr"/>
+            <a:r>
+              <a:rPr lang="pl-PL" sz="1200" i="1" dirty="0" err="1"/>
+              <a:t>is_negative</a:t>
+            </a:r>
+            <a:endParaRPr lang="pl-PL" sz="1200" dirty="0"/>
+          </a:p>
+        </p:txBody>
+      </p:sp>
+      <p:cxnSp>
+        <p:nvCxnSpPr>
+          <p:cNvPr id="97" name="Straight Arrow Connector 96">
+            <a:extLst>
+              <a:ext uri="{FF2B5EF4-FFF2-40B4-BE49-F238E27FC236}">
+                <a16:creationId xmlns:a16="http://schemas.microsoft.com/office/drawing/2014/main" id="{DB70E33A-14D1-29AA-DF5D-6FD30964D593}"/>
+              </a:ext>
+            </a:extLst>
+          </p:cNvPr>
+          <p:cNvCxnSpPr>
+            <a:stCxn id="77" idx="2"/>
+            <a:endCxn id="93" idx="0"/>
+          </p:cNvCxnSpPr>
+          <p:nvPr/>
+        </p:nvCxnSpPr>
+        <p:spPr>
+          <a:xfrm>
+            <a:off x="8260915" y="11088542"/>
+            <a:ext cx="0" cy="1041749"/>
+          </a:xfrm>
+          <a:prstGeom prst="straightConnector1">
+            <a:avLst/>
+          </a:prstGeom>
+          <a:ln>
+            <a:tailEnd type="triangle"/>
+          </a:ln>
+        </p:spPr>
+        <p:style>
+          <a:lnRef idx="2">
+            <a:schemeClr val="dk1"/>
+          </a:lnRef>
+          <a:fillRef idx="1">
+            <a:schemeClr val="lt1"/>
+          </a:fillRef>
+          <a:effectRef idx="0">
+            <a:schemeClr val="dk1"/>
+          </a:effectRef>
+          <a:fontRef idx="minor">
+            <a:schemeClr val="dk1"/>
+          </a:fontRef>
+        </p:style>
+      </p:cxnSp>
+      <p:sp>
+        <p:nvSpPr>
+          <p:cNvPr id="98" name="Process 97">
+            <a:extLst>
+              <a:ext uri="{FF2B5EF4-FFF2-40B4-BE49-F238E27FC236}">
+                <a16:creationId xmlns:a16="http://schemas.microsoft.com/office/drawing/2014/main" id="{05F6A175-50AE-FE0B-81B7-8D671918EFDB}"/>
+              </a:ext>
+            </a:extLst>
+          </p:cNvPr>
+          <p:cNvSpPr/>
+          <p:nvPr/>
+        </p:nvSpPr>
+        <p:spPr>
+          <a:xfrm>
+            <a:off x="9465366" y="13075603"/>
+            <a:ext cx="2981355" cy="316523"/>
+          </a:xfrm>
+          <a:prstGeom prst="flowChartProcess">
+            <a:avLst/>
+          </a:prstGeom>
+        </p:spPr>
+        <p:style>
+          <a:lnRef idx="2">
+            <a:schemeClr val="dk1"/>
+          </a:lnRef>
+          <a:fillRef idx="1">
+            <a:schemeClr val="lt1"/>
+          </a:fillRef>
+          <a:effectRef idx="0">
+            <a:schemeClr val="dk1"/>
+          </a:effectRef>
+          <a:fontRef idx="minor">
+            <a:schemeClr val="dk1"/>
+          </a:fontRef>
+        </p:style>
+        <p:txBody>
+          <a:bodyPr rtlCol="0" anchor="ctr"/>
+          <a:lstStyle/>
+          <a:p>
+            <a:pPr algn="ctr"/>
+            <a:r>
+              <a:rPr lang="en-US" sz="1200" i="1" dirty="0" err="1"/>
+              <a:t>current_number</a:t>
+            </a:r>
+            <a:r>
+              <a:rPr lang="en-US" sz="1200" dirty="0"/>
+              <a:t> ← </a:t>
+            </a:r>
+            <a:r>
+              <a:rPr lang="en-US" sz="1200" i="1" dirty="0" err="1"/>
+              <a:t>current_number</a:t>
+            </a:r>
+            <a:r>
+              <a:rPr lang="en-US" sz="1200" dirty="0"/>
+              <a:t> * -1</a:t>
+            </a:r>
+          </a:p>
+        </p:txBody>
+      </p:sp>
+      <p:cxnSp>
+        <p:nvCxnSpPr>
+          <p:cNvPr id="100" name="Elbow Connector 99">
+            <a:extLst>
+              <a:ext uri="{FF2B5EF4-FFF2-40B4-BE49-F238E27FC236}">
+                <a16:creationId xmlns:a16="http://schemas.microsoft.com/office/drawing/2014/main" id="{461385D1-17B9-9D80-048B-7FAC0ECB9D83}"/>
               </a:ext>
             </a:extLst>
           </p:cNvPr>
           <p:cNvCxnSpPr>
             <a:cxnSpLocks/>
-            <a:stCxn id="13" idx="2"/>
-            <a:endCxn id="14" idx="0"/>
+            <a:stCxn id="93" idx="3"/>
+            <a:endCxn id="98" idx="0"/>
           </p:cNvCxnSpPr>
           <p:nvPr/>
         </p:nvCxnSpPr>
         <p:spPr>
           <a:xfrm>
-            <a:off x="6451554" y="2970948"/>
-            <a:ext cx="3559" cy="176927"/>
-          </a:xfrm>
-          <a:prstGeom prst="straightConnector1">
+            <a:off x="9712902" y="12446815"/>
+            <a:ext cx="1243142" cy="628788"/>
+          </a:xfrm>
+          <a:prstGeom prst="bentConnector2">
             <a:avLst/>
           </a:prstGeom>
           <a:ln>
@@ -3795,41 +4857,447 @@
         </p:spPr>
         <p:style>
           <a:lnRef idx="2">
-            <a:schemeClr val="accent1"/>
+            <a:schemeClr val="dk1"/>
           </a:lnRef>
-          <a:fillRef idx="0">
-            <a:schemeClr val="accent1"/>
+          <a:fillRef idx="1">
+            <a:schemeClr val="lt1"/>
           </a:fillRef>
-          <a:effectRef idx="1">
-            <a:schemeClr val="accent1"/>
+          <a:effectRef idx="0">
+            <a:schemeClr val="dk1"/>
           </a:effectRef>
           <a:fontRef idx="minor">
-            <a:schemeClr val="tx1"/>
+            <a:schemeClr val="dk1"/>
+          </a:fontRef>
+        </p:style>
+      </p:cxnSp>
+      <p:sp>
+        <p:nvSpPr>
+          <p:cNvPr id="101" name="TextBox 100">
+            <a:extLst>
+              <a:ext uri="{FF2B5EF4-FFF2-40B4-BE49-F238E27FC236}">
+                <a16:creationId xmlns:a16="http://schemas.microsoft.com/office/drawing/2014/main" id="{013CE0EB-79D3-6B05-9234-B2A5BE79C91E}"/>
+              </a:ext>
+            </a:extLst>
+          </p:cNvPr>
+          <p:cNvSpPr txBox="1"/>
+          <p:nvPr/>
+        </p:nvSpPr>
+        <p:spPr>
+          <a:xfrm>
+            <a:off x="9696768" y="12070200"/>
+            <a:ext cx="494751" cy="369332"/>
+          </a:xfrm>
+          <a:prstGeom prst="rect">
+            <a:avLst/>
+          </a:prstGeom>
+        </p:spPr>
+        <p:style>
+          <a:lnRef idx="2">
+            <a:schemeClr val="dk1"/>
+          </a:lnRef>
+          <a:fillRef idx="1">
+            <a:schemeClr val="lt1"/>
+          </a:fillRef>
+          <a:effectRef idx="0">
+            <a:schemeClr val="dk1"/>
+          </a:effectRef>
+          <a:fontRef idx="minor">
+            <a:schemeClr val="dk1"/>
+          </a:fontRef>
+        </p:style>
+        <p:txBody>
+          <a:bodyPr wrap="none" rtlCol="0">
+            <a:spAutoFit/>
+          </a:bodyPr>
+          <a:lstStyle/>
+          <a:p>
+            <a:r>
+              <a:rPr lang="pl-PL" dirty="0"/>
+              <a:t>tak</a:t>
+            </a:r>
+          </a:p>
+        </p:txBody>
+      </p:sp>
+      <p:sp>
+        <p:nvSpPr>
+          <p:cNvPr id="104" name="Decision 103">
+            <a:extLst>
+              <a:ext uri="{FF2B5EF4-FFF2-40B4-BE49-F238E27FC236}">
+                <a16:creationId xmlns:a16="http://schemas.microsoft.com/office/drawing/2014/main" id="{B3249CDC-C943-700F-6CF0-705DF216258F}"/>
+              </a:ext>
+            </a:extLst>
+          </p:cNvPr>
+          <p:cNvSpPr/>
+          <p:nvPr/>
+        </p:nvSpPr>
+        <p:spPr>
+          <a:xfrm>
+            <a:off x="5903783" y="13862838"/>
+            <a:ext cx="4714264" cy="945127"/>
+          </a:xfrm>
+          <a:prstGeom prst="flowChartDecision">
+            <a:avLst/>
+          </a:prstGeom>
+        </p:spPr>
+        <p:style>
+          <a:lnRef idx="2">
+            <a:schemeClr val="dk1"/>
+          </a:lnRef>
+          <a:fillRef idx="1">
+            <a:schemeClr val="lt1"/>
+          </a:fillRef>
+          <a:effectRef idx="0">
+            <a:schemeClr val="dk1"/>
+          </a:effectRef>
+          <a:fontRef idx="minor">
+            <a:schemeClr val="dk1"/>
+          </a:fontRef>
+        </p:style>
+        <p:txBody>
+          <a:bodyPr rtlCol="0" anchor="ctr"/>
+          <a:lstStyle/>
+          <a:p>
+            <a:pPr algn="ctr"/>
+            <a:r>
+              <a:rPr lang="pl-PL" sz="1200" i="1" dirty="0" err="1"/>
+              <a:t>max_number</a:t>
+            </a:r>
+            <a:r>
+              <a:rPr lang="pl-PL" sz="1200" i="1" dirty="0"/>
+              <a:t> = BRAK</a:t>
+            </a:r>
+          </a:p>
+          <a:p>
+            <a:pPr algn="ctr"/>
+            <a:r>
+              <a:rPr lang="pl-PL" sz="1200" i="1" dirty="0"/>
+              <a:t>||</a:t>
+            </a:r>
+          </a:p>
+          <a:p>
+            <a:pPr algn="ctr"/>
+            <a:r>
+              <a:rPr lang="pl-PL" sz="1200" i="1" dirty="0" err="1"/>
+              <a:t>current_number</a:t>
+            </a:r>
+            <a:r>
+              <a:rPr lang="pl-PL" sz="1200" i="1" dirty="0"/>
+              <a:t> &gt; </a:t>
+            </a:r>
+            <a:r>
+              <a:rPr lang="pl-PL" sz="1200" i="1" dirty="0" err="1"/>
+              <a:t>max_number</a:t>
+            </a:r>
+            <a:endParaRPr lang="pl-PL" sz="1200" dirty="0"/>
+          </a:p>
+        </p:txBody>
+      </p:sp>
+      <p:sp>
+        <p:nvSpPr>
+          <p:cNvPr id="106" name="Process 105">
+            <a:extLst>
+              <a:ext uri="{FF2B5EF4-FFF2-40B4-BE49-F238E27FC236}">
+                <a16:creationId xmlns:a16="http://schemas.microsoft.com/office/drawing/2014/main" id="{AE9DC621-C894-F35B-CC83-795C9A7947CC}"/>
+              </a:ext>
+            </a:extLst>
+          </p:cNvPr>
+          <p:cNvSpPr/>
+          <p:nvPr/>
+        </p:nvSpPr>
+        <p:spPr>
+          <a:xfrm>
+            <a:off x="9465367" y="15120415"/>
+            <a:ext cx="2682880" cy="316523"/>
+          </a:xfrm>
+          <a:prstGeom prst="flowChartProcess">
+            <a:avLst/>
+          </a:prstGeom>
+        </p:spPr>
+        <p:style>
+          <a:lnRef idx="2">
+            <a:schemeClr val="dk1"/>
+          </a:lnRef>
+          <a:fillRef idx="1">
+            <a:schemeClr val="lt1"/>
+          </a:fillRef>
+          <a:effectRef idx="0">
+            <a:schemeClr val="dk1"/>
+          </a:effectRef>
+          <a:fontRef idx="minor">
+            <a:schemeClr val="dk1"/>
+          </a:fontRef>
+        </p:style>
+        <p:txBody>
+          <a:bodyPr rtlCol="0" anchor="ctr"/>
+          <a:lstStyle/>
+          <a:p>
+            <a:pPr algn="ctr"/>
+            <a:r>
+              <a:rPr lang="en-US" sz="1200" i="1" dirty="0" err="1"/>
+              <a:t>max_number</a:t>
+            </a:r>
+            <a:r>
+              <a:rPr lang="en-US" sz="1200" dirty="0"/>
+              <a:t> ← </a:t>
+            </a:r>
+            <a:r>
+              <a:rPr lang="en-US" sz="1200" i="1" dirty="0" err="1"/>
+              <a:t>current_number</a:t>
+            </a:r>
+            <a:endParaRPr lang="en-US" sz="1200" i="1" dirty="0"/>
+          </a:p>
+        </p:txBody>
+      </p:sp>
+      <p:cxnSp>
+        <p:nvCxnSpPr>
+          <p:cNvPr id="110" name="Straight Arrow Connector 109">
+            <a:extLst>
+              <a:ext uri="{FF2B5EF4-FFF2-40B4-BE49-F238E27FC236}">
+                <a16:creationId xmlns:a16="http://schemas.microsoft.com/office/drawing/2014/main" id="{AE0C4D6E-7D13-7EDC-4E13-1DFAC4959966}"/>
+              </a:ext>
+            </a:extLst>
+          </p:cNvPr>
+          <p:cNvCxnSpPr>
+            <a:stCxn id="93" idx="2"/>
+            <a:endCxn id="104" idx="0"/>
+          </p:cNvCxnSpPr>
+          <p:nvPr/>
+        </p:nvCxnSpPr>
+        <p:spPr>
+          <a:xfrm>
+            <a:off x="8260915" y="12763338"/>
+            <a:ext cx="0" cy="1099500"/>
+          </a:xfrm>
+          <a:prstGeom prst="straightConnector1">
+            <a:avLst/>
+          </a:prstGeom>
+          <a:ln>
+            <a:tailEnd type="triangle"/>
+          </a:ln>
+        </p:spPr>
+        <p:style>
+          <a:lnRef idx="2">
+            <a:schemeClr val="dk1"/>
+          </a:lnRef>
+          <a:fillRef idx="1">
+            <a:schemeClr val="lt1"/>
+          </a:fillRef>
+          <a:effectRef idx="0">
+            <a:schemeClr val="dk1"/>
+          </a:effectRef>
+          <a:fontRef idx="minor">
+            <a:schemeClr val="dk1"/>
           </a:fontRef>
         </p:style>
       </p:cxnSp>
       <p:cxnSp>
         <p:nvCxnSpPr>
-          <p:cNvPr id="34" name="Elbow Connector 33">
+          <p:cNvPr id="112" name="Elbow Connector 111">
             <a:extLst>
               <a:ext uri="{FF2B5EF4-FFF2-40B4-BE49-F238E27FC236}">
-                <a16:creationId xmlns:a16="http://schemas.microsoft.com/office/drawing/2014/main" id="{D1FA001B-6669-C168-2C02-9D8506B7CFBA}"/>
+                <a16:creationId xmlns:a16="http://schemas.microsoft.com/office/drawing/2014/main" id="{946B0F00-D918-0167-5E9A-68F9C2B0FB19}"/>
+              </a:ext>
+            </a:extLst>
+          </p:cNvPr>
+          <p:cNvCxnSpPr>
+            <a:stCxn id="104" idx="3"/>
+            <a:endCxn id="106" idx="0"/>
+          </p:cNvCxnSpPr>
+          <p:nvPr/>
+        </p:nvCxnSpPr>
+        <p:spPr>
+          <a:xfrm>
+            <a:off x="10618047" y="14335402"/>
+            <a:ext cx="188760" cy="785013"/>
+          </a:xfrm>
+          <a:prstGeom prst="bentConnector2">
+            <a:avLst/>
+          </a:prstGeom>
+          <a:ln>
+            <a:tailEnd type="triangle"/>
+          </a:ln>
+        </p:spPr>
+        <p:style>
+          <a:lnRef idx="2">
+            <a:schemeClr val="dk1"/>
+          </a:lnRef>
+          <a:fillRef idx="1">
+            <a:schemeClr val="lt1"/>
+          </a:fillRef>
+          <a:effectRef idx="0">
+            <a:schemeClr val="dk1"/>
+          </a:effectRef>
+          <a:fontRef idx="minor">
+            <a:schemeClr val="dk1"/>
+          </a:fontRef>
+        </p:style>
+      </p:cxnSp>
+      <p:sp>
+        <p:nvSpPr>
+          <p:cNvPr id="113" name="TextBox 112">
+            <a:extLst>
+              <a:ext uri="{FF2B5EF4-FFF2-40B4-BE49-F238E27FC236}">
+                <a16:creationId xmlns:a16="http://schemas.microsoft.com/office/drawing/2014/main" id="{4427D2E7-7058-6AB0-DC52-8FA8C842589F}"/>
+              </a:ext>
+            </a:extLst>
+          </p:cNvPr>
+          <p:cNvSpPr txBox="1"/>
+          <p:nvPr/>
+        </p:nvSpPr>
+        <p:spPr>
+          <a:xfrm>
+            <a:off x="10559431" y="13966069"/>
+            <a:ext cx="494751" cy="369332"/>
+          </a:xfrm>
+          <a:prstGeom prst="rect">
+            <a:avLst/>
+          </a:prstGeom>
+        </p:spPr>
+        <p:style>
+          <a:lnRef idx="2">
+            <a:schemeClr val="dk1"/>
+          </a:lnRef>
+          <a:fillRef idx="1">
+            <a:schemeClr val="lt1"/>
+          </a:fillRef>
+          <a:effectRef idx="0">
+            <a:schemeClr val="dk1"/>
+          </a:effectRef>
+          <a:fontRef idx="minor">
+            <a:schemeClr val="dk1"/>
+          </a:fontRef>
+        </p:style>
+        <p:txBody>
+          <a:bodyPr wrap="none" rtlCol="0">
+            <a:spAutoFit/>
+          </a:bodyPr>
+          <a:lstStyle/>
+          <a:p>
+            <a:r>
+              <a:rPr lang="pl-PL" dirty="0"/>
+              <a:t>tak</a:t>
+            </a:r>
+          </a:p>
+        </p:txBody>
+      </p:sp>
+      <p:sp>
+        <p:nvSpPr>
+          <p:cNvPr id="114" name="TextBox 113">
+            <a:extLst>
+              <a:ext uri="{FF2B5EF4-FFF2-40B4-BE49-F238E27FC236}">
+                <a16:creationId xmlns:a16="http://schemas.microsoft.com/office/drawing/2014/main" id="{D801BB5D-D320-829E-48B9-E12AD40C14BE}"/>
+              </a:ext>
+            </a:extLst>
+          </p:cNvPr>
+          <p:cNvSpPr txBox="1"/>
+          <p:nvPr/>
+        </p:nvSpPr>
+        <p:spPr>
+          <a:xfrm>
+            <a:off x="7649514" y="11189737"/>
+            <a:ext cx="487634" cy="369332"/>
+          </a:xfrm>
+          <a:prstGeom prst="rect">
+            <a:avLst/>
+          </a:prstGeom>
+        </p:spPr>
+        <p:style>
+          <a:lnRef idx="2">
+            <a:schemeClr val="dk1"/>
+          </a:lnRef>
+          <a:fillRef idx="1">
+            <a:schemeClr val="lt1"/>
+          </a:fillRef>
+          <a:effectRef idx="0">
+            <a:schemeClr val="dk1"/>
+          </a:effectRef>
+          <a:fontRef idx="minor">
+            <a:schemeClr val="dk1"/>
+          </a:fontRef>
+        </p:style>
+        <p:txBody>
+          <a:bodyPr wrap="none" rtlCol="0">
+            <a:spAutoFit/>
+          </a:bodyPr>
+          <a:lstStyle/>
+          <a:p>
+            <a:r>
+              <a:rPr lang="pl-PL" dirty="0"/>
+              <a:t>nie</a:t>
+            </a:r>
+          </a:p>
+        </p:txBody>
+      </p:sp>
+      <p:sp>
+        <p:nvSpPr>
+          <p:cNvPr id="115" name="TextBox 114">
+            <a:extLst>
+              <a:ext uri="{FF2B5EF4-FFF2-40B4-BE49-F238E27FC236}">
+                <a16:creationId xmlns:a16="http://schemas.microsoft.com/office/drawing/2014/main" id="{C1CC1A33-5D56-C8DE-5EDA-72BC87498787}"/>
+              </a:ext>
+            </a:extLst>
+          </p:cNvPr>
+          <p:cNvSpPr txBox="1"/>
+          <p:nvPr/>
+        </p:nvSpPr>
+        <p:spPr>
+          <a:xfrm>
+            <a:off x="7649514" y="12860094"/>
+            <a:ext cx="487634" cy="369332"/>
+          </a:xfrm>
+          <a:prstGeom prst="rect">
+            <a:avLst/>
+          </a:prstGeom>
+        </p:spPr>
+        <p:style>
+          <a:lnRef idx="2">
+            <a:schemeClr val="dk1"/>
+          </a:lnRef>
+          <a:fillRef idx="1">
+            <a:schemeClr val="lt1"/>
+          </a:fillRef>
+          <a:effectRef idx="0">
+            <a:schemeClr val="dk1"/>
+          </a:effectRef>
+          <a:fontRef idx="minor">
+            <a:schemeClr val="dk1"/>
+          </a:fontRef>
+        </p:style>
+        <p:txBody>
+          <a:bodyPr wrap="none" rtlCol="0">
+            <a:spAutoFit/>
+          </a:bodyPr>
+          <a:lstStyle/>
+          <a:p>
+            <a:r>
+              <a:rPr lang="pl-PL" dirty="0"/>
+              <a:t>nie</a:t>
+            </a:r>
+          </a:p>
+        </p:txBody>
+      </p:sp>
+      <p:cxnSp>
+        <p:nvCxnSpPr>
+          <p:cNvPr id="117" name="Elbow Connector 116">
+            <a:extLst>
+              <a:ext uri="{FF2B5EF4-FFF2-40B4-BE49-F238E27FC236}">
+                <a16:creationId xmlns:a16="http://schemas.microsoft.com/office/drawing/2014/main" id="{0C0A2682-90E5-CC3B-F116-16D0A698D13D}"/>
               </a:ext>
             </a:extLst>
           </p:cNvPr>
           <p:cNvCxnSpPr>
             <a:cxnSpLocks/>
-            <a:stCxn id="14" idx="1"/>
-            <a:endCxn id="15" idx="0"/>
+            <a:stCxn id="98" idx="2"/>
+            <a:endCxn id="104" idx="0"/>
           </p:cNvCxnSpPr>
           <p:nvPr/>
         </p:nvCxnSpPr>
         <p:spPr>
-          <a:xfrm rot="10800000" flipV="1">
-            <a:off x="4071402" y="3483375"/>
-            <a:ext cx="700665" cy="659238"/>
-          </a:xfrm>
-          <a:prstGeom prst="bentConnector2">
+          <a:xfrm rot="5400000">
+            <a:off x="9373124" y="12279918"/>
+            <a:ext cx="470712" cy="2695129"/>
+          </a:xfrm>
+          <a:prstGeom prst="bentConnector3">
             <a:avLst/>
           </a:prstGeom>
           <a:ln>
@@ -3838,25 +5306,195 @@
         </p:spPr>
         <p:style>
           <a:lnRef idx="2">
-            <a:schemeClr val="accent1"/>
+            <a:schemeClr val="dk1"/>
           </a:lnRef>
-          <a:fillRef idx="0">
-            <a:schemeClr val="accent1"/>
+          <a:fillRef idx="1">
+            <a:schemeClr val="lt1"/>
           </a:fillRef>
-          <a:effectRef idx="1">
-            <a:schemeClr val="accent1"/>
+          <a:effectRef idx="0">
+            <a:schemeClr val="dk1"/>
           </a:effectRef>
           <a:fontRef idx="minor">
-            <a:schemeClr val="tx1"/>
+            <a:schemeClr val="dk1"/>
           </a:fontRef>
         </p:style>
       </p:cxnSp>
       <p:sp>
         <p:nvSpPr>
-          <p:cNvPr id="35" name="TextBox 34">
+          <p:cNvPr id="119" name="Process 118">
             <a:extLst>
               <a:ext uri="{FF2B5EF4-FFF2-40B4-BE49-F238E27FC236}">
-                <a16:creationId xmlns:a16="http://schemas.microsoft.com/office/drawing/2014/main" id="{967BDAF1-BDBF-778E-8AA1-7E3DA17F5702}"/>
+                <a16:creationId xmlns:a16="http://schemas.microsoft.com/office/drawing/2014/main" id="{12B7BBA4-EE22-AC11-31CA-76F724B4849A}"/>
+              </a:ext>
+            </a:extLst>
+          </p:cNvPr>
+          <p:cNvSpPr/>
+          <p:nvPr/>
+        </p:nvSpPr>
+        <p:spPr>
+          <a:xfrm>
+            <a:off x="7005193" y="16003722"/>
+            <a:ext cx="2550694" cy="631730"/>
+          </a:xfrm>
+          <a:prstGeom prst="flowChartProcess">
+            <a:avLst/>
+          </a:prstGeom>
+        </p:spPr>
+        <p:style>
+          <a:lnRef idx="2">
+            <a:schemeClr val="dk1"/>
+          </a:lnRef>
+          <a:fillRef idx="1">
+            <a:schemeClr val="lt1"/>
+          </a:fillRef>
+          <a:effectRef idx="0">
+            <a:schemeClr val="dk1"/>
+          </a:effectRef>
+          <a:fontRef idx="minor">
+            <a:schemeClr val="dk1"/>
+          </a:fontRef>
+        </p:style>
+        <p:txBody>
+          <a:bodyPr rtlCol="0" anchor="ctr"/>
+          <a:lstStyle/>
+          <a:p>
+            <a:pPr algn="ctr"/>
+            <a:r>
+              <a:rPr lang="en-US" sz="1200" i="1" dirty="0" err="1"/>
+              <a:t>current_number</a:t>
+            </a:r>
+            <a:r>
+              <a:rPr lang="en-US" sz="1200" dirty="0"/>
+              <a:t> ← </a:t>
+            </a:r>
+            <a:r>
+              <a:rPr lang="en-US" sz="1200" i="1" dirty="0"/>
+              <a:t>0.0</a:t>
+            </a:r>
+          </a:p>
+          <a:p>
+            <a:pPr algn="ctr"/>
+            <a:r>
+              <a:rPr lang="en-US" sz="1200" i="1" dirty="0" err="1"/>
+              <a:t>decimal_number</a:t>
+            </a:r>
+            <a:r>
+              <a:rPr lang="en-US" sz="1200" dirty="0"/>
+              <a:t> ← </a:t>
+            </a:r>
+            <a:r>
+              <a:rPr lang="en-US" sz="1200" i="1" dirty="0"/>
+              <a:t>0</a:t>
+            </a:r>
+          </a:p>
+          <a:p>
+            <a:pPr algn="ctr"/>
+            <a:r>
+              <a:rPr lang="en-US" sz="1200" i="1" dirty="0" err="1"/>
+              <a:t>is_negative</a:t>
+            </a:r>
+            <a:r>
+              <a:rPr lang="en-US" sz="1200" dirty="0"/>
+              <a:t> ← </a:t>
+            </a:r>
+            <a:r>
+              <a:rPr lang="en-US" sz="1200" i="1" dirty="0" err="1"/>
+              <a:t>fałsz</a:t>
+            </a:r>
+            <a:endParaRPr lang="en-US" sz="1200" i="1" dirty="0"/>
+          </a:p>
+        </p:txBody>
+      </p:sp>
+      <p:cxnSp>
+        <p:nvCxnSpPr>
+          <p:cNvPr id="122" name="Elbow Connector 121">
+            <a:extLst>
+              <a:ext uri="{FF2B5EF4-FFF2-40B4-BE49-F238E27FC236}">
+                <a16:creationId xmlns:a16="http://schemas.microsoft.com/office/drawing/2014/main" id="{E113E2A5-B464-6DEE-E2EC-6D03708ED774}"/>
+              </a:ext>
+            </a:extLst>
+          </p:cNvPr>
+          <p:cNvCxnSpPr>
+            <a:stCxn id="106" idx="2"/>
+            <a:endCxn id="119" idx="0"/>
+          </p:cNvCxnSpPr>
+          <p:nvPr/>
+        </p:nvCxnSpPr>
+        <p:spPr>
+          <a:xfrm rot="5400000">
+            <a:off x="9260282" y="14457197"/>
+            <a:ext cx="566784" cy="2526267"/>
+          </a:xfrm>
+          <a:prstGeom prst="bentConnector3">
+            <a:avLst/>
+          </a:prstGeom>
+          <a:ln>
+            <a:tailEnd type="triangle"/>
+          </a:ln>
+        </p:spPr>
+        <p:style>
+          <a:lnRef idx="2">
+            <a:schemeClr val="dk1"/>
+          </a:lnRef>
+          <a:fillRef idx="1">
+            <a:schemeClr val="lt1"/>
+          </a:fillRef>
+          <a:effectRef idx="0">
+            <a:schemeClr val="dk1"/>
+          </a:effectRef>
+          <a:fontRef idx="minor">
+            <a:schemeClr val="dk1"/>
+          </a:fontRef>
+        </p:style>
+      </p:cxnSp>
+      <p:cxnSp>
+        <p:nvCxnSpPr>
+          <p:cNvPr id="124" name="Straight Arrow Connector 123">
+            <a:extLst>
+              <a:ext uri="{FF2B5EF4-FFF2-40B4-BE49-F238E27FC236}">
+                <a16:creationId xmlns:a16="http://schemas.microsoft.com/office/drawing/2014/main" id="{5A8BEF5B-A471-1E09-2BFC-D8A079B1AACD}"/>
+              </a:ext>
+            </a:extLst>
+          </p:cNvPr>
+          <p:cNvCxnSpPr>
+            <a:stCxn id="104" idx="2"/>
+            <a:endCxn id="119" idx="0"/>
+          </p:cNvCxnSpPr>
+          <p:nvPr/>
+        </p:nvCxnSpPr>
+        <p:spPr>
+          <a:xfrm>
+            <a:off x="8260915" y="14807965"/>
+            <a:ext cx="19625" cy="1195757"/>
+          </a:xfrm>
+          <a:prstGeom prst="straightConnector1">
+            <a:avLst/>
+          </a:prstGeom>
+          <a:ln>
+            <a:tailEnd type="triangle"/>
+          </a:ln>
+        </p:spPr>
+        <p:style>
+          <a:lnRef idx="2">
+            <a:schemeClr val="dk1"/>
+          </a:lnRef>
+          <a:fillRef idx="1">
+            <a:schemeClr val="lt1"/>
+          </a:fillRef>
+          <a:effectRef idx="0">
+            <a:schemeClr val="dk1"/>
+          </a:effectRef>
+          <a:fontRef idx="minor">
+            <a:schemeClr val="dk1"/>
+          </a:fontRef>
+        </p:style>
+      </p:cxnSp>
+      <p:sp>
+        <p:nvSpPr>
+          <p:cNvPr id="125" name="TextBox 124">
+            <a:extLst>
+              <a:ext uri="{FF2B5EF4-FFF2-40B4-BE49-F238E27FC236}">
+                <a16:creationId xmlns:a16="http://schemas.microsoft.com/office/drawing/2014/main" id="{25B2E881-5453-E1DF-DA8F-5214ED6166EB}"/>
               </a:ext>
             </a:extLst>
           </p:cNvPr>
@@ -3865,34 +5503,565 @@
         </p:nvSpPr>
         <p:spPr>
           <a:xfrm>
-            <a:off x="4342640" y="3168222"/>
-            <a:ext cx="522684" cy="369332"/>
+            <a:off x="7672777" y="14899001"/>
+            <a:ext cx="487634" cy="369332"/>
           </a:xfrm>
           <a:prstGeom prst="rect">
             <a:avLst/>
           </a:prstGeom>
-          <a:noFill/>
-        </p:spPr>
-        <p:txBody>
-          <a:bodyPr wrap="square" rtlCol="0">
+        </p:spPr>
+        <p:style>
+          <a:lnRef idx="2">
+            <a:schemeClr val="dk1"/>
+          </a:lnRef>
+          <a:fillRef idx="1">
+            <a:schemeClr val="lt1"/>
+          </a:fillRef>
+          <a:effectRef idx="0">
+            <a:schemeClr val="dk1"/>
+          </a:effectRef>
+          <a:fontRef idx="minor">
+            <a:schemeClr val="dk1"/>
+          </a:fontRef>
+        </p:style>
+        <p:txBody>
+          <a:bodyPr wrap="none" rtlCol="0">
             <a:spAutoFit/>
           </a:bodyPr>
           <a:lstStyle/>
           <a:p>
             <a:r>
-              <a:rPr lang="en-US" dirty="0" err="1"/>
+              <a:rPr lang="pl-PL" dirty="0"/>
               <a:t>nie</a:t>
             </a:r>
-            <a:endParaRPr lang="en-US" dirty="0"/>
-          </a:p>
-        </p:txBody>
-      </p:sp>
-      <p:sp>
-        <p:nvSpPr>
-          <p:cNvPr id="36" name="TextBox 35">
+          </a:p>
+        </p:txBody>
+      </p:sp>
+      <p:sp>
+        <p:nvSpPr>
+          <p:cNvPr id="126" name="Process 125">
             <a:extLst>
               <a:ext uri="{FF2B5EF4-FFF2-40B4-BE49-F238E27FC236}">
-                <a16:creationId xmlns:a16="http://schemas.microsoft.com/office/drawing/2014/main" id="{037D22EB-C4A9-9709-22C6-ADECEA8CDB5C}"/>
+                <a16:creationId xmlns:a16="http://schemas.microsoft.com/office/drawing/2014/main" id="{F36F4D63-F3BD-828C-FF56-D0D72C2C4A8C}"/>
+              </a:ext>
+            </a:extLst>
+          </p:cNvPr>
+          <p:cNvSpPr/>
+          <p:nvPr/>
+        </p:nvSpPr>
+        <p:spPr>
+          <a:xfrm>
+            <a:off x="11523192" y="17089087"/>
+            <a:ext cx="2682880" cy="281754"/>
+          </a:xfrm>
+          <a:prstGeom prst="flowChartProcess">
+            <a:avLst/>
+          </a:prstGeom>
+        </p:spPr>
+        <p:style>
+          <a:lnRef idx="2">
+            <a:schemeClr val="dk1"/>
+          </a:lnRef>
+          <a:fillRef idx="1">
+            <a:schemeClr val="lt1"/>
+          </a:fillRef>
+          <a:effectRef idx="0">
+            <a:schemeClr val="dk1"/>
+          </a:effectRef>
+          <a:fontRef idx="minor">
+            <a:schemeClr val="dk1"/>
+          </a:fontRef>
+        </p:style>
+        <p:txBody>
+          <a:bodyPr rtlCol="0" anchor="ctr"/>
+          <a:lstStyle/>
+          <a:p>
+            <a:pPr algn="ctr"/>
+            <a:r>
+              <a:rPr lang="en-US" sz="1200" i="1" dirty="0" err="1"/>
+              <a:t>char_index</a:t>
+            </a:r>
+            <a:r>
+              <a:rPr lang="en-US" sz="1200" dirty="0"/>
+              <a:t> ← </a:t>
+            </a:r>
+            <a:r>
+              <a:rPr lang="en-US" sz="1200" i="1" dirty="0" err="1"/>
+              <a:t>char_index</a:t>
+            </a:r>
+            <a:r>
+              <a:rPr lang="en-US" sz="1200" dirty="0"/>
+              <a:t> + 1</a:t>
+            </a:r>
+          </a:p>
+        </p:txBody>
+      </p:sp>
+      <p:cxnSp>
+        <p:nvCxnSpPr>
+          <p:cNvPr id="131" name="Elbow Connector 130">
+            <a:extLst>
+              <a:ext uri="{FF2B5EF4-FFF2-40B4-BE49-F238E27FC236}">
+                <a16:creationId xmlns:a16="http://schemas.microsoft.com/office/drawing/2014/main" id="{A122DAF5-10DB-4599-6359-CBD180E99692}"/>
+              </a:ext>
+            </a:extLst>
+          </p:cNvPr>
+          <p:cNvCxnSpPr>
+            <a:stCxn id="119" idx="2"/>
+            <a:endCxn id="126" idx="0"/>
+          </p:cNvCxnSpPr>
+          <p:nvPr/>
+        </p:nvCxnSpPr>
+        <p:spPr>
+          <a:xfrm rot="16200000" flipH="1">
+            <a:off x="10345769" y="14570223"/>
+            <a:ext cx="453635" cy="4584092"/>
+          </a:xfrm>
+          <a:prstGeom prst="bentConnector3">
+            <a:avLst/>
+          </a:prstGeom>
+          <a:ln>
+            <a:tailEnd type="triangle"/>
+          </a:ln>
+        </p:spPr>
+        <p:style>
+          <a:lnRef idx="2">
+            <a:schemeClr val="dk1"/>
+          </a:lnRef>
+          <a:fillRef idx="1">
+            <a:schemeClr val="lt1"/>
+          </a:fillRef>
+          <a:effectRef idx="0">
+            <a:schemeClr val="dk1"/>
+          </a:effectRef>
+          <a:fontRef idx="minor">
+            <a:schemeClr val="dk1"/>
+          </a:fontRef>
+        </p:style>
+      </p:cxnSp>
+      <p:cxnSp>
+        <p:nvCxnSpPr>
+          <p:cNvPr id="133" name="Elbow Connector 132">
+            <a:extLst>
+              <a:ext uri="{FF2B5EF4-FFF2-40B4-BE49-F238E27FC236}">
+                <a16:creationId xmlns:a16="http://schemas.microsoft.com/office/drawing/2014/main" id="{77EA0DC6-42D8-4795-1FAC-131F0B7F5D7D}"/>
+              </a:ext>
+            </a:extLst>
+          </p:cNvPr>
+          <p:cNvCxnSpPr>
+            <a:stCxn id="14" idx="2"/>
+            <a:endCxn id="126" idx="0"/>
+          </p:cNvCxnSpPr>
+          <p:nvPr/>
+        </p:nvCxnSpPr>
+        <p:spPr>
+          <a:xfrm rot="16200000" flipH="1">
+            <a:off x="7993736" y="12218190"/>
+            <a:ext cx="8400353" cy="1341440"/>
+          </a:xfrm>
+          <a:prstGeom prst="bentConnector3">
+            <a:avLst>
+              <a:gd name="adj1" fmla="val 6610"/>
+            </a:avLst>
+          </a:prstGeom>
+          <a:ln>
+            <a:tailEnd type="triangle"/>
+          </a:ln>
+        </p:spPr>
+        <p:style>
+          <a:lnRef idx="2">
+            <a:schemeClr val="dk1"/>
+          </a:lnRef>
+          <a:fillRef idx="1">
+            <a:schemeClr val="lt1"/>
+          </a:fillRef>
+          <a:effectRef idx="0">
+            <a:schemeClr val="dk1"/>
+          </a:effectRef>
+          <a:fontRef idx="minor">
+            <a:schemeClr val="dk1"/>
+          </a:fontRef>
+        </p:style>
+      </p:cxnSp>
+      <p:cxnSp>
+        <p:nvCxnSpPr>
+          <p:cNvPr id="136" name="Elbow Connector 135">
+            <a:extLst>
+              <a:ext uri="{FF2B5EF4-FFF2-40B4-BE49-F238E27FC236}">
+                <a16:creationId xmlns:a16="http://schemas.microsoft.com/office/drawing/2014/main" id="{33DE5228-8FE5-EB92-FDB7-7E6FE5234458}"/>
+              </a:ext>
+            </a:extLst>
+          </p:cNvPr>
+          <p:cNvCxnSpPr>
+            <a:stCxn id="13" idx="2"/>
+            <a:endCxn id="126" idx="0"/>
+          </p:cNvCxnSpPr>
+          <p:nvPr/>
+        </p:nvCxnSpPr>
+        <p:spPr>
+          <a:xfrm rot="5400000">
+            <a:off x="10910995" y="10958895"/>
+            <a:ext cx="8083830" cy="4176555"/>
+          </a:xfrm>
+          <a:prstGeom prst="bentConnector3">
+            <a:avLst>
+              <a:gd name="adj1" fmla="val 11981"/>
+            </a:avLst>
+          </a:prstGeom>
+          <a:ln>
+            <a:tailEnd type="triangle"/>
+          </a:ln>
+        </p:spPr>
+        <p:style>
+          <a:lnRef idx="2">
+            <a:schemeClr val="dk1"/>
+          </a:lnRef>
+          <a:fillRef idx="1">
+            <a:schemeClr val="lt1"/>
+          </a:fillRef>
+          <a:effectRef idx="0">
+            <a:schemeClr val="dk1"/>
+          </a:effectRef>
+          <a:fontRef idx="minor">
+            <a:schemeClr val="dk1"/>
+          </a:fontRef>
+        </p:style>
+      </p:cxnSp>
+      <p:cxnSp>
+        <p:nvCxnSpPr>
+          <p:cNvPr id="138" name="Elbow Connector 137">
+            <a:extLst>
+              <a:ext uri="{FF2B5EF4-FFF2-40B4-BE49-F238E27FC236}">
+                <a16:creationId xmlns:a16="http://schemas.microsoft.com/office/drawing/2014/main" id="{3C30BF42-683D-4970-470F-36B1390339D9}"/>
+              </a:ext>
+            </a:extLst>
+          </p:cNvPr>
+          <p:cNvCxnSpPr>
+            <a:stCxn id="55" idx="2"/>
+            <a:endCxn id="126" idx="0"/>
+          </p:cNvCxnSpPr>
+          <p:nvPr/>
+        </p:nvCxnSpPr>
+        <p:spPr>
+          <a:xfrm rot="16200000" flipH="1">
+            <a:off x="8360662" y="12585116"/>
+            <a:ext cx="6950115" cy="2057825"/>
+          </a:xfrm>
+          <a:prstGeom prst="bentConnector3">
+            <a:avLst>
+              <a:gd name="adj1" fmla="val 4866"/>
+            </a:avLst>
+          </a:prstGeom>
+          <a:ln>
+            <a:tailEnd type="triangle"/>
+          </a:ln>
+        </p:spPr>
+        <p:style>
+          <a:lnRef idx="2">
+            <a:schemeClr val="dk1"/>
+          </a:lnRef>
+          <a:fillRef idx="1">
+            <a:schemeClr val="lt1"/>
+          </a:fillRef>
+          <a:effectRef idx="0">
+            <a:schemeClr val="dk1"/>
+          </a:effectRef>
+          <a:fontRef idx="minor">
+            <a:schemeClr val="dk1"/>
+          </a:fontRef>
+        </p:style>
+      </p:cxnSp>
+      <p:cxnSp>
+        <p:nvCxnSpPr>
+          <p:cNvPr id="141" name="Elbow Connector 140">
+            <a:extLst>
+              <a:ext uri="{FF2B5EF4-FFF2-40B4-BE49-F238E27FC236}">
+                <a16:creationId xmlns:a16="http://schemas.microsoft.com/office/drawing/2014/main" id="{3B8B96BF-BD3F-93CF-C107-6D8F21FDF0E0}"/>
+              </a:ext>
+            </a:extLst>
+          </p:cNvPr>
+          <p:cNvCxnSpPr>
+            <a:stCxn id="88" idx="2"/>
+            <a:endCxn id="126" idx="0"/>
+          </p:cNvCxnSpPr>
+          <p:nvPr/>
+        </p:nvCxnSpPr>
+        <p:spPr>
+          <a:xfrm rot="16200000" flipH="1">
+            <a:off x="9121058" y="13345512"/>
+            <a:ext cx="5429323" cy="2057825"/>
+          </a:xfrm>
+          <a:prstGeom prst="bentConnector3">
+            <a:avLst>
+              <a:gd name="adj1" fmla="val 8597"/>
+            </a:avLst>
+          </a:prstGeom>
+          <a:ln>
+            <a:tailEnd type="triangle"/>
+          </a:ln>
+        </p:spPr>
+        <p:style>
+          <a:lnRef idx="2">
+            <a:schemeClr val="dk1"/>
+          </a:lnRef>
+          <a:fillRef idx="1">
+            <a:schemeClr val="lt1"/>
+          </a:fillRef>
+          <a:effectRef idx="0">
+            <a:schemeClr val="dk1"/>
+          </a:effectRef>
+          <a:fontRef idx="minor">
+            <a:schemeClr val="dk1"/>
+          </a:fontRef>
+        </p:style>
+      </p:cxnSp>
+      <p:cxnSp>
+        <p:nvCxnSpPr>
+          <p:cNvPr id="145" name="Elbow Connector 144">
+            <a:extLst>
+              <a:ext uri="{FF2B5EF4-FFF2-40B4-BE49-F238E27FC236}">
+                <a16:creationId xmlns:a16="http://schemas.microsoft.com/office/drawing/2014/main" id="{046A989C-63DD-401E-7A75-1564653F60D0}"/>
+              </a:ext>
+            </a:extLst>
+          </p:cNvPr>
+          <p:cNvCxnSpPr>
+            <a:stCxn id="126" idx="2"/>
+            <a:endCxn id="9" idx="0"/>
+          </p:cNvCxnSpPr>
+          <p:nvPr/>
+        </p:nvCxnSpPr>
+        <p:spPr>
+          <a:xfrm rot="5400000" flipH="1">
+            <a:off x="4592449" y="9098658"/>
+            <a:ext cx="11940650" cy="4603717"/>
+          </a:xfrm>
+          <a:prstGeom prst="bentConnector5">
+            <a:avLst>
+              <a:gd name="adj1" fmla="val -1914"/>
+              <a:gd name="adj2" fmla="val -158099"/>
+              <a:gd name="adj3" fmla="val 101489"/>
+            </a:avLst>
+          </a:prstGeom>
+          <a:ln>
+            <a:tailEnd type="triangle"/>
+          </a:ln>
+        </p:spPr>
+        <p:style>
+          <a:lnRef idx="2">
+            <a:schemeClr val="dk1"/>
+          </a:lnRef>
+          <a:fillRef idx="1">
+            <a:schemeClr val="lt1"/>
+          </a:fillRef>
+          <a:effectRef idx="0">
+            <a:schemeClr val="dk1"/>
+          </a:effectRef>
+          <a:fontRef idx="minor">
+            <a:schemeClr val="dk1"/>
+          </a:fontRef>
+        </p:style>
+      </p:cxnSp>
+      <p:sp>
+        <p:nvSpPr>
+          <p:cNvPr id="150" name="Data 149">
+            <a:extLst>
+              <a:ext uri="{FF2B5EF4-FFF2-40B4-BE49-F238E27FC236}">
+                <a16:creationId xmlns:a16="http://schemas.microsoft.com/office/drawing/2014/main" id="{9945BF3F-6F29-8107-60E9-4AB3721B4D2A}"/>
+              </a:ext>
+            </a:extLst>
+          </p:cNvPr>
+          <p:cNvSpPr/>
+          <p:nvPr/>
+        </p:nvSpPr>
+        <p:spPr>
+          <a:xfrm>
+            <a:off x="2199197" y="6455187"/>
+            <a:ext cx="3690069" cy="301752"/>
+          </a:xfrm>
+          <a:prstGeom prst="flowChartInputOutput">
+            <a:avLst/>
+          </a:prstGeom>
+        </p:spPr>
+        <p:style>
+          <a:lnRef idx="2">
+            <a:schemeClr val="dk1"/>
+          </a:lnRef>
+          <a:fillRef idx="1">
+            <a:schemeClr val="lt1"/>
+          </a:fillRef>
+          <a:effectRef idx="0">
+            <a:schemeClr val="dk1"/>
+          </a:effectRef>
+          <a:fontRef idx="minor">
+            <a:schemeClr val="dk1"/>
+          </a:fontRef>
+        </p:style>
+        <p:txBody>
+          <a:bodyPr rtlCol="0" anchor="ctr"/>
+          <a:lstStyle/>
+          <a:p>
+            <a:pPr algn="ctr"/>
+            <a:r>
+              <a:rPr lang="en-US" sz="1200" dirty="0" err="1"/>
+              <a:t>Wypisz</a:t>
+            </a:r>
+            <a:r>
+              <a:rPr lang="en-US" sz="1200" dirty="0"/>
+              <a:t> </a:t>
+            </a:r>
+            <a:r>
+              <a:rPr lang="en-US" sz="1200" dirty="0" err="1"/>
+              <a:t>wartość</a:t>
+            </a:r>
+            <a:r>
+              <a:rPr lang="en-US" sz="1200" dirty="0"/>
+              <a:t> </a:t>
+            </a:r>
+            <a:r>
+              <a:rPr lang="en-US" sz="1200" dirty="0" err="1"/>
+              <a:t>max_number</a:t>
+            </a:r>
+            <a:endParaRPr lang="en-US" sz="1200" i="1" dirty="0"/>
+          </a:p>
+        </p:txBody>
+      </p:sp>
+      <p:sp>
+        <p:nvSpPr>
+          <p:cNvPr id="151" name="Terminator 150">
+            <a:extLst>
+              <a:ext uri="{FF2B5EF4-FFF2-40B4-BE49-F238E27FC236}">
+                <a16:creationId xmlns:a16="http://schemas.microsoft.com/office/drawing/2014/main" id="{E5AE90F2-DF53-F71F-8E9F-69C26E86E96A}"/>
+              </a:ext>
+            </a:extLst>
+          </p:cNvPr>
+          <p:cNvSpPr/>
+          <p:nvPr/>
+        </p:nvSpPr>
+        <p:spPr>
+          <a:xfrm>
+            <a:off x="3587031" y="6958227"/>
+            <a:ext cx="914400" cy="301752"/>
+          </a:xfrm>
+          <a:prstGeom prst="flowChartTerminator">
+            <a:avLst/>
+          </a:prstGeom>
+        </p:spPr>
+        <p:style>
+          <a:lnRef idx="2">
+            <a:schemeClr val="dk1"/>
+          </a:lnRef>
+          <a:fillRef idx="1">
+            <a:schemeClr val="lt1"/>
+          </a:fillRef>
+          <a:effectRef idx="0">
+            <a:schemeClr val="dk1"/>
+          </a:effectRef>
+          <a:fontRef idx="minor">
+            <a:schemeClr val="dk1"/>
+          </a:fontRef>
+        </p:style>
+        <p:txBody>
+          <a:bodyPr rtlCol="0" anchor="ctr"/>
+          <a:lstStyle/>
+          <a:p>
+            <a:pPr algn="ctr"/>
+            <a:r>
+              <a:rPr lang="en-US" sz="1200" dirty="0" err="1"/>
+              <a:t>Koniec</a:t>
+            </a:r>
+            <a:endParaRPr lang="en-US" sz="1200" dirty="0"/>
+          </a:p>
+        </p:txBody>
+      </p:sp>
+      <p:cxnSp>
+        <p:nvCxnSpPr>
+          <p:cNvPr id="153" name="Straight Arrow Connector 152">
+            <a:extLst>
+              <a:ext uri="{FF2B5EF4-FFF2-40B4-BE49-F238E27FC236}">
+                <a16:creationId xmlns:a16="http://schemas.microsoft.com/office/drawing/2014/main" id="{F578FC61-8C72-6FC8-37C3-E79DD4BC3AE8}"/>
+              </a:ext>
+            </a:extLst>
+          </p:cNvPr>
+          <p:cNvCxnSpPr>
+            <a:stCxn id="150" idx="4"/>
+            <a:endCxn id="151" idx="0"/>
+          </p:cNvCxnSpPr>
+          <p:nvPr/>
+        </p:nvCxnSpPr>
+        <p:spPr>
+          <a:xfrm flipH="1">
+            <a:off x="4044231" y="6756939"/>
+            <a:ext cx="1" cy="201288"/>
+          </a:xfrm>
+          <a:prstGeom prst="straightConnector1">
+            <a:avLst/>
+          </a:prstGeom>
+          <a:ln>
+            <a:tailEnd type="triangle"/>
+          </a:ln>
+        </p:spPr>
+        <p:style>
+          <a:lnRef idx="2">
+            <a:schemeClr val="dk1"/>
+          </a:lnRef>
+          <a:fillRef idx="1">
+            <a:schemeClr val="lt1"/>
+          </a:fillRef>
+          <a:effectRef idx="0">
+            <a:schemeClr val="dk1"/>
+          </a:effectRef>
+          <a:fontRef idx="minor">
+            <a:schemeClr val="dk1"/>
+          </a:fontRef>
+        </p:style>
+      </p:cxnSp>
+      <p:cxnSp>
+        <p:nvCxnSpPr>
+          <p:cNvPr id="155" name="Elbow Connector 154">
+            <a:extLst>
+              <a:ext uri="{FF2B5EF4-FFF2-40B4-BE49-F238E27FC236}">
+                <a16:creationId xmlns:a16="http://schemas.microsoft.com/office/drawing/2014/main" id="{26CE7175-E0E0-F139-9EEF-F8D17D7F2DEB}"/>
+              </a:ext>
+            </a:extLst>
+          </p:cNvPr>
+          <p:cNvCxnSpPr>
+            <a:stCxn id="9" idx="1"/>
+            <a:endCxn id="150" idx="1"/>
+          </p:cNvCxnSpPr>
+          <p:nvPr/>
+        </p:nvCxnSpPr>
+        <p:spPr>
+          <a:xfrm rot="10800000" flipV="1">
+            <a:off x="4044232" y="5746715"/>
+            <a:ext cx="2764696" cy="708472"/>
+          </a:xfrm>
+          <a:prstGeom prst="bentConnector2">
+            <a:avLst/>
+          </a:prstGeom>
+          <a:ln>
+            <a:tailEnd type="triangle"/>
+          </a:ln>
+        </p:spPr>
+        <p:style>
+          <a:lnRef idx="2">
+            <a:schemeClr val="dk1"/>
+          </a:lnRef>
+          <a:fillRef idx="1">
+            <a:schemeClr val="lt1"/>
+          </a:fillRef>
+          <a:effectRef idx="0">
+            <a:schemeClr val="dk1"/>
+          </a:effectRef>
+          <a:fontRef idx="minor">
+            <a:schemeClr val="dk1"/>
+          </a:fontRef>
+        </p:style>
+      </p:cxnSp>
+      <p:sp>
+        <p:nvSpPr>
+          <p:cNvPr id="156" name="TextBox 155">
+            <a:extLst>
+              <a:ext uri="{FF2B5EF4-FFF2-40B4-BE49-F238E27FC236}">
+                <a16:creationId xmlns:a16="http://schemas.microsoft.com/office/drawing/2014/main" id="{8A309D65-1FBE-2F96-D155-191D9BF03D3A}"/>
               </a:ext>
             </a:extLst>
           </p:cNvPr>
@@ -3901,783 +6070,10 @@
         </p:nvSpPr>
         <p:spPr>
           <a:xfrm>
-            <a:off x="5559297" y="4616789"/>
-            <a:ext cx="777649" cy="624145"/>
+            <a:off x="6268446" y="5377382"/>
+            <a:ext cx="487634" cy="369332"/>
           </a:xfrm>
           <a:prstGeom prst="rect">
-            <a:avLst/>
-          </a:prstGeom>
-          <a:noFill/>
-        </p:spPr>
-        <p:txBody>
-          <a:bodyPr wrap="none" rtlCol="0">
-            <a:spAutoFit/>
-          </a:bodyPr>
-          <a:lstStyle/>
-          <a:p>
-            <a:r>
-              <a:rPr lang="en-US" dirty="0" err="1"/>
-              <a:t>tak</a:t>
-            </a:r>
-            <a:endParaRPr lang="en-US" dirty="0"/>
-          </a:p>
-        </p:txBody>
-      </p:sp>
-      <p:cxnSp>
-        <p:nvCxnSpPr>
-          <p:cNvPr id="38" name="Straight Arrow Connector 37">
-            <a:extLst>
-              <a:ext uri="{FF2B5EF4-FFF2-40B4-BE49-F238E27FC236}">
-                <a16:creationId xmlns:a16="http://schemas.microsoft.com/office/drawing/2014/main" id="{A38E889B-8723-D76A-AA33-269FEC2B517E}"/>
-              </a:ext>
-            </a:extLst>
-          </p:cNvPr>
-          <p:cNvCxnSpPr>
-            <a:stCxn id="15" idx="2"/>
-            <a:endCxn id="16" idx="0"/>
-          </p:cNvCxnSpPr>
-          <p:nvPr/>
-        </p:nvCxnSpPr>
-        <p:spPr>
-          <a:xfrm>
-            <a:off x="4071401" y="4444365"/>
-            <a:ext cx="0" cy="190310"/>
-          </a:xfrm>
-          <a:prstGeom prst="straightConnector1">
-            <a:avLst/>
-          </a:prstGeom>
-          <a:ln>
-            <a:tailEnd type="triangle"/>
-          </a:ln>
-        </p:spPr>
-        <p:style>
-          <a:lnRef idx="2">
-            <a:schemeClr val="accent1"/>
-          </a:lnRef>
-          <a:fillRef idx="0">
-            <a:schemeClr val="accent1"/>
-          </a:fillRef>
-          <a:effectRef idx="1">
-            <a:schemeClr val="accent1"/>
-          </a:effectRef>
-          <a:fontRef idx="minor">
-            <a:schemeClr val="tx1"/>
-          </a:fontRef>
-        </p:style>
-      </p:cxnSp>
-      <p:cxnSp>
-        <p:nvCxnSpPr>
-          <p:cNvPr id="40" name="Elbow Connector 39">
-            <a:extLst>
-              <a:ext uri="{FF2B5EF4-FFF2-40B4-BE49-F238E27FC236}">
-                <a16:creationId xmlns:a16="http://schemas.microsoft.com/office/drawing/2014/main" id="{FA1B356C-2511-49BD-5E6B-E99F20E409A8}"/>
-              </a:ext>
-            </a:extLst>
-          </p:cNvPr>
-          <p:cNvCxnSpPr>
-            <a:stCxn id="16" idx="3"/>
-            <a:endCxn id="17" idx="0"/>
-          </p:cNvCxnSpPr>
-          <p:nvPr/>
-        </p:nvCxnSpPr>
-        <p:spPr>
-          <a:xfrm>
-            <a:off x="5581765" y="4970175"/>
-            <a:ext cx="498993" cy="598672"/>
-          </a:xfrm>
-          <a:prstGeom prst="bentConnector2">
-            <a:avLst/>
-          </a:prstGeom>
-          <a:ln>
-            <a:tailEnd type="triangle"/>
-          </a:ln>
-        </p:spPr>
-        <p:style>
-          <a:lnRef idx="2">
-            <a:schemeClr val="accent1"/>
-          </a:lnRef>
-          <a:fillRef idx="0">
-            <a:schemeClr val="accent1"/>
-          </a:fillRef>
-          <a:effectRef idx="1">
-            <a:schemeClr val="accent1"/>
-          </a:effectRef>
-          <a:fontRef idx="minor">
-            <a:schemeClr val="tx1"/>
-          </a:fontRef>
-        </p:style>
-      </p:cxnSp>
-      <p:sp>
-        <p:nvSpPr>
-          <p:cNvPr id="41" name="TextBox 40">
-            <a:extLst>
-              <a:ext uri="{FF2B5EF4-FFF2-40B4-BE49-F238E27FC236}">
-                <a16:creationId xmlns:a16="http://schemas.microsoft.com/office/drawing/2014/main" id="{7DF290BE-29B7-A67E-1937-93600B298425}"/>
-              </a:ext>
-            </a:extLst>
-          </p:cNvPr>
-          <p:cNvSpPr txBox="1"/>
-          <p:nvPr/>
-        </p:nvSpPr>
-        <p:spPr>
-          <a:xfrm>
-            <a:off x="2098278" y="4600841"/>
-            <a:ext cx="487634" cy="369332"/>
-          </a:xfrm>
-          <a:prstGeom prst="rect">
-            <a:avLst/>
-          </a:prstGeom>
-          <a:noFill/>
-        </p:spPr>
-        <p:txBody>
-          <a:bodyPr wrap="none" rtlCol="0">
-            <a:spAutoFit/>
-          </a:bodyPr>
-          <a:lstStyle/>
-          <a:p>
-            <a:r>
-              <a:rPr lang="en-US" dirty="0" err="1"/>
-              <a:t>nie</a:t>
-            </a:r>
-            <a:endParaRPr lang="en-US" dirty="0"/>
-          </a:p>
-        </p:txBody>
-      </p:sp>
-      <p:cxnSp>
-        <p:nvCxnSpPr>
-          <p:cNvPr id="47" name="Straight Arrow Connector 46">
-            <a:extLst>
-              <a:ext uri="{FF2B5EF4-FFF2-40B4-BE49-F238E27FC236}">
-                <a16:creationId xmlns:a16="http://schemas.microsoft.com/office/drawing/2014/main" id="{5A64565F-5E8A-9613-D618-2A7A96B11039}"/>
-              </a:ext>
-            </a:extLst>
-          </p:cNvPr>
-          <p:cNvCxnSpPr>
-            <a:stCxn id="12" idx="4"/>
-            <a:endCxn id="13" idx="0"/>
-          </p:cNvCxnSpPr>
-          <p:nvPr/>
-        </p:nvCxnSpPr>
-        <p:spPr>
-          <a:xfrm flipH="1">
-            <a:off x="6451554" y="1792312"/>
-            <a:ext cx="2" cy="186593"/>
-          </a:xfrm>
-          <a:prstGeom prst="straightConnector1">
-            <a:avLst/>
-          </a:prstGeom>
-          <a:ln>
-            <a:tailEnd type="triangle"/>
-          </a:ln>
-        </p:spPr>
-        <p:style>
-          <a:lnRef idx="2">
-            <a:schemeClr val="accent1"/>
-          </a:lnRef>
-          <a:fillRef idx="0">
-            <a:schemeClr val="accent1"/>
-          </a:fillRef>
-          <a:effectRef idx="1">
-            <a:schemeClr val="accent1"/>
-          </a:effectRef>
-          <a:fontRef idx="minor">
-            <a:schemeClr val="tx1"/>
-          </a:fontRef>
-        </p:style>
-      </p:cxnSp>
-      <p:cxnSp>
-        <p:nvCxnSpPr>
-          <p:cNvPr id="55" name="Straight Arrow Connector 54">
-            <a:extLst>
-              <a:ext uri="{FF2B5EF4-FFF2-40B4-BE49-F238E27FC236}">
-                <a16:creationId xmlns:a16="http://schemas.microsoft.com/office/drawing/2014/main" id="{6CCA6863-5CAE-249B-E7F3-1C3CE4BFEF5B}"/>
-              </a:ext>
-            </a:extLst>
-          </p:cNvPr>
-          <p:cNvCxnSpPr>
-            <a:stCxn id="11" idx="2"/>
-            <a:endCxn id="12" idx="1"/>
-          </p:cNvCxnSpPr>
-          <p:nvPr/>
-        </p:nvCxnSpPr>
-        <p:spPr>
-          <a:xfrm>
-            <a:off x="6451554" y="1303967"/>
-            <a:ext cx="2" cy="186593"/>
-          </a:xfrm>
-          <a:prstGeom prst="straightConnector1">
-            <a:avLst/>
-          </a:prstGeom>
-          <a:ln>
-            <a:tailEnd type="triangle"/>
-          </a:ln>
-        </p:spPr>
-        <p:style>
-          <a:lnRef idx="2">
-            <a:schemeClr val="accent1"/>
-          </a:lnRef>
-          <a:fillRef idx="0">
-            <a:schemeClr val="accent1"/>
-          </a:fillRef>
-          <a:effectRef idx="1">
-            <a:schemeClr val="accent1"/>
-          </a:effectRef>
-          <a:fontRef idx="minor">
-            <a:schemeClr val="tx1"/>
-          </a:fontRef>
-        </p:style>
-      </p:cxnSp>
-      <p:cxnSp>
-        <p:nvCxnSpPr>
-          <p:cNvPr id="64" name="Elbow Connector 63">
-            <a:extLst>
-              <a:ext uri="{FF2B5EF4-FFF2-40B4-BE49-F238E27FC236}">
-                <a16:creationId xmlns:a16="http://schemas.microsoft.com/office/drawing/2014/main" id="{1751E79C-0778-C525-B190-D4C70441F4D5}"/>
-              </a:ext>
-            </a:extLst>
-          </p:cNvPr>
-          <p:cNvCxnSpPr>
-            <a:stCxn id="16" idx="1"/>
-            <a:endCxn id="18" idx="0"/>
-          </p:cNvCxnSpPr>
-          <p:nvPr/>
-        </p:nvCxnSpPr>
-        <p:spPr>
-          <a:xfrm rot="10800000" flipH="1" flipV="1">
-            <a:off x="2561037" y="4970174"/>
-            <a:ext cx="1510364" cy="2196305"/>
-          </a:xfrm>
-          <a:prstGeom prst="bentConnector4">
-            <a:avLst>
-              <a:gd name="adj1" fmla="val -33298"/>
-              <a:gd name="adj2" fmla="val 86435"/>
-            </a:avLst>
-          </a:prstGeom>
-          <a:ln>
-            <a:tailEnd type="triangle"/>
-          </a:ln>
-        </p:spPr>
-        <p:style>
-          <a:lnRef idx="2">
-            <a:schemeClr val="accent1"/>
-          </a:lnRef>
-          <a:fillRef idx="0">
-            <a:schemeClr val="accent1"/>
-          </a:fillRef>
-          <a:effectRef idx="1">
-            <a:schemeClr val="accent1"/>
-          </a:effectRef>
-          <a:fontRef idx="minor">
-            <a:schemeClr val="tx1"/>
-          </a:fontRef>
-        </p:style>
-      </p:cxnSp>
-      <p:cxnSp>
-        <p:nvCxnSpPr>
-          <p:cNvPr id="67" name="Elbow Connector 66">
-            <a:extLst>
-              <a:ext uri="{FF2B5EF4-FFF2-40B4-BE49-F238E27FC236}">
-                <a16:creationId xmlns:a16="http://schemas.microsoft.com/office/drawing/2014/main" id="{B8336EC5-6FCA-9FB6-5AEC-4BF8BA4B268B}"/>
-              </a:ext>
-            </a:extLst>
-          </p:cNvPr>
-          <p:cNvCxnSpPr>
-            <a:cxnSpLocks/>
-            <a:stCxn id="17" idx="2"/>
-            <a:endCxn id="14" idx="2"/>
-          </p:cNvCxnSpPr>
-          <p:nvPr/>
-        </p:nvCxnSpPr>
-        <p:spPr>
-          <a:xfrm rot="5400000" flipH="1" flipV="1">
-            <a:off x="5242072" y="4657559"/>
-            <a:ext cx="2051725" cy="374355"/>
-          </a:xfrm>
-          <a:prstGeom prst="bentConnector5">
-            <a:avLst>
-              <a:gd name="adj1" fmla="val -44450"/>
-              <a:gd name="adj2" fmla="val 547764"/>
-              <a:gd name="adj3" fmla="val 57354"/>
-            </a:avLst>
-          </a:prstGeom>
-          <a:ln>
-            <a:tailEnd type="triangle"/>
-          </a:ln>
-        </p:spPr>
-        <p:style>
-          <a:lnRef idx="2">
-            <a:schemeClr val="accent1"/>
-          </a:lnRef>
-          <a:fillRef idx="0">
-            <a:schemeClr val="accent1"/>
-          </a:fillRef>
-          <a:effectRef idx="1">
-            <a:schemeClr val="accent1"/>
-          </a:effectRef>
-          <a:fontRef idx="minor">
-            <a:schemeClr val="tx1"/>
-          </a:fontRef>
-        </p:style>
-      </p:cxnSp>
-      <p:cxnSp>
-        <p:nvCxnSpPr>
-          <p:cNvPr id="103" name="Elbow Connector 102">
-            <a:extLst>
-              <a:ext uri="{FF2B5EF4-FFF2-40B4-BE49-F238E27FC236}">
-                <a16:creationId xmlns:a16="http://schemas.microsoft.com/office/drawing/2014/main" id="{E2416494-2AFE-CDD0-33AB-E1D029212B3E}"/>
-              </a:ext>
-            </a:extLst>
-          </p:cNvPr>
-          <p:cNvCxnSpPr>
-            <a:stCxn id="18" idx="3"/>
-          </p:cNvCxnSpPr>
-          <p:nvPr/>
-        </p:nvCxnSpPr>
-        <p:spPr>
-          <a:xfrm flipV="1">
-            <a:off x="5719463" y="6781800"/>
-            <a:ext cx="2418697" cy="720180"/>
-          </a:xfrm>
-          <a:prstGeom prst="bentConnector3">
-            <a:avLst>
-              <a:gd name="adj1" fmla="val 100407"/>
-            </a:avLst>
-          </a:prstGeom>
-        </p:spPr>
-        <p:style>
-          <a:lnRef idx="2">
-            <a:schemeClr val="accent1"/>
-          </a:lnRef>
-          <a:fillRef idx="0">
-            <a:schemeClr val="accent1"/>
-          </a:fillRef>
-          <a:effectRef idx="1">
-            <a:schemeClr val="accent1"/>
-          </a:effectRef>
-          <a:fontRef idx="minor">
-            <a:schemeClr val="tx1"/>
-          </a:fontRef>
-        </p:style>
-      </p:cxnSp>
-      <p:sp>
-        <p:nvSpPr>
-          <p:cNvPr id="105" name="TextBox 104">
-            <a:extLst>
-              <a:ext uri="{FF2B5EF4-FFF2-40B4-BE49-F238E27FC236}">
-                <a16:creationId xmlns:a16="http://schemas.microsoft.com/office/drawing/2014/main" id="{53A905A3-E41C-DB07-4B09-5162C7AD1CFB}"/>
-              </a:ext>
-            </a:extLst>
-          </p:cNvPr>
-          <p:cNvSpPr txBox="1"/>
-          <p:nvPr/>
-        </p:nvSpPr>
-        <p:spPr>
-          <a:xfrm>
-            <a:off x="5686297" y="7139855"/>
-            <a:ext cx="777649" cy="624145"/>
-          </a:xfrm>
-          <a:prstGeom prst="rect">
-            <a:avLst/>
-          </a:prstGeom>
-          <a:noFill/>
-        </p:spPr>
-        <p:txBody>
-          <a:bodyPr wrap="none" rtlCol="0">
-            <a:spAutoFit/>
-          </a:bodyPr>
-          <a:lstStyle/>
-          <a:p>
-            <a:r>
-              <a:rPr lang="en-US" dirty="0" err="1"/>
-              <a:t>tak</a:t>
-            </a:r>
-            <a:endParaRPr lang="en-US" dirty="0"/>
-          </a:p>
-        </p:txBody>
-      </p:sp>
-      <p:cxnSp>
-        <p:nvCxnSpPr>
-          <p:cNvPr id="107" name="Elbow Connector 106">
-            <a:extLst>
-              <a:ext uri="{FF2B5EF4-FFF2-40B4-BE49-F238E27FC236}">
-                <a16:creationId xmlns:a16="http://schemas.microsoft.com/office/drawing/2014/main" id="{68EE50BF-72B2-7793-B44D-DBEA410E3D67}"/>
-              </a:ext>
-            </a:extLst>
-          </p:cNvPr>
-          <p:cNvCxnSpPr>
-            <a:stCxn id="18" idx="1"/>
-            <a:endCxn id="19" idx="0"/>
-          </p:cNvCxnSpPr>
-          <p:nvPr/>
-        </p:nvCxnSpPr>
-        <p:spPr>
-          <a:xfrm rot="10800000" flipH="1" flipV="1">
-            <a:off x="2423339" y="7501980"/>
-            <a:ext cx="1648062" cy="1374398"/>
-          </a:xfrm>
-          <a:prstGeom prst="bentConnector4">
-            <a:avLst>
-              <a:gd name="adj1" fmla="val -21577"/>
-              <a:gd name="adj2" fmla="val 62205"/>
-            </a:avLst>
-          </a:prstGeom>
-          <a:ln>
-            <a:tailEnd type="triangle"/>
-          </a:ln>
-        </p:spPr>
-        <p:style>
-          <a:lnRef idx="2">
-            <a:schemeClr val="accent1"/>
-          </a:lnRef>
-          <a:fillRef idx="0">
-            <a:schemeClr val="accent1"/>
-          </a:fillRef>
-          <a:effectRef idx="1">
-            <a:schemeClr val="accent1"/>
-          </a:effectRef>
-          <a:fontRef idx="minor">
-            <a:schemeClr val="tx1"/>
-          </a:fontRef>
-        </p:style>
-      </p:cxnSp>
-      <p:sp>
-        <p:nvSpPr>
-          <p:cNvPr id="109" name="TextBox 108">
-            <a:extLst>
-              <a:ext uri="{FF2B5EF4-FFF2-40B4-BE49-F238E27FC236}">
-                <a16:creationId xmlns:a16="http://schemas.microsoft.com/office/drawing/2014/main" id="{C31041CC-71B3-8ED3-28DC-93BD0E1FFE0B}"/>
-              </a:ext>
-            </a:extLst>
-          </p:cNvPr>
-          <p:cNvSpPr txBox="1"/>
-          <p:nvPr/>
-        </p:nvSpPr>
-        <p:spPr>
-          <a:xfrm>
-            <a:off x="2047478" y="7123908"/>
-            <a:ext cx="487634" cy="369332"/>
-          </a:xfrm>
-          <a:prstGeom prst="rect">
-            <a:avLst/>
-          </a:prstGeom>
-          <a:noFill/>
-        </p:spPr>
-        <p:txBody>
-          <a:bodyPr wrap="none" rtlCol="0">
-            <a:spAutoFit/>
-          </a:bodyPr>
-          <a:lstStyle/>
-          <a:p>
-            <a:r>
-              <a:rPr lang="en-US" dirty="0" err="1"/>
-              <a:t>nie</a:t>
-            </a:r>
-            <a:endParaRPr lang="en-US" dirty="0"/>
-          </a:p>
-        </p:txBody>
-      </p:sp>
-      <p:cxnSp>
-        <p:nvCxnSpPr>
-          <p:cNvPr id="111" name="Straight Arrow Connector 110">
-            <a:extLst>
-              <a:ext uri="{FF2B5EF4-FFF2-40B4-BE49-F238E27FC236}">
-                <a16:creationId xmlns:a16="http://schemas.microsoft.com/office/drawing/2014/main" id="{49C03E18-3476-F076-6CD0-D259ACF7CE5E}"/>
-              </a:ext>
-            </a:extLst>
-          </p:cNvPr>
-          <p:cNvCxnSpPr>
-            <a:stCxn id="19" idx="2"/>
-            <a:endCxn id="20" idx="0"/>
-          </p:cNvCxnSpPr>
-          <p:nvPr/>
-        </p:nvCxnSpPr>
-        <p:spPr>
-          <a:xfrm flipH="1">
-            <a:off x="4071400" y="9532131"/>
-            <a:ext cx="1" cy="258620"/>
-          </a:xfrm>
-          <a:prstGeom prst="straightConnector1">
-            <a:avLst/>
-          </a:prstGeom>
-          <a:ln>
-            <a:tailEnd type="triangle"/>
-          </a:ln>
-        </p:spPr>
-        <p:style>
-          <a:lnRef idx="2">
-            <a:schemeClr val="accent1"/>
-          </a:lnRef>
-          <a:fillRef idx="0">
-            <a:schemeClr val="accent1"/>
-          </a:fillRef>
-          <a:effectRef idx="1">
-            <a:schemeClr val="accent1"/>
-          </a:effectRef>
-          <a:fontRef idx="minor">
-            <a:schemeClr val="tx1"/>
-          </a:fontRef>
-        </p:style>
-      </p:cxnSp>
-      <p:cxnSp>
-        <p:nvCxnSpPr>
-          <p:cNvPr id="113" name="Elbow Connector 112">
-            <a:extLst>
-              <a:ext uri="{FF2B5EF4-FFF2-40B4-BE49-F238E27FC236}">
-                <a16:creationId xmlns:a16="http://schemas.microsoft.com/office/drawing/2014/main" id="{1130B15E-289C-3405-485E-2793A85BB914}"/>
-              </a:ext>
-            </a:extLst>
-          </p:cNvPr>
-          <p:cNvCxnSpPr>
-            <a:stCxn id="20" idx="3"/>
-            <a:endCxn id="21" idx="0"/>
-          </p:cNvCxnSpPr>
-          <p:nvPr/>
-        </p:nvCxnSpPr>
-        <p:spPr>
-          <a:xfrm>
-            <a:off x="6394489" y="10371716"/>
-            <a:ext cx="69457" cy="793775"/>
-          </a:xfrm>
-          <a:prstGeom prst="bentConnector2">
-            <a:avLst/>
-          </a:prstGeom>
-          <a:ln>
-            <a:tailEnd type="triangle"/>
-          </a:ln>
-        </p:spPr>
-        <p:style>
-          <a:lnRef idx="2">
-            <a:schemeClr val="accent1"/>
-          </a:lnRef>
-          <a:fillRef idx="0">
-            <a:schemeClr val="accent1"/>
-          </a:fillRef>
-          <a:effectRef idx="1">
-            <a:schemeClr val="accent1"/>
-          </a:effectRef>
-          <a:fontRef idx="minor">
-            <a:schemeClr val="tx1"/>
-          </a:fontRef>
-        </p:style>
-      </p:cxnSp>
-      <p:sp>
-        <p:nvSpPr>
-          <p:cNvPr id="114" name="TextBox 113">
-            <a:extLst>
-              <a:ext uri="{FF2B5EF4-FFF2-40B4-BE49-F238E27FC236}">
-                <a16:creationId xmlns:a16="http://schemas.microsoft.com/office/drawing/2014/main" id="{28FEF9F7-1F90-0F96-6D6E-F6F1D090D628}"/>
-              </a:ext>
-            </a:extLst>
-          </p:cNvPr>
-          <p:cNvSpPr txBox="1"/>
-          <p:nvPr/>
-        </p:nvSpPr>
-        <p:spPr>
-          <a:xfrm>
-            <a:off x="6488674" y="10328536"/>
-            <a:ext cx="777649" cy="624145"/>
-          </a:xfrm>
-          <a:prstGeom prst="rect">
-            <a:avLst/>
-          </a:prstGeom>
-          <a:noFill/>
-        </p:spPr>
-        <p:txBody>
-          <a:bodyPr wrap="none" rtlCol="0">
-            <a:spAutoFit/>
-          </a:bodyPr>
-          <a:lstStyle/>
-          <a:p>
-            <a:r>
-              <a:rPr lang="en-US" dirty="0" err="1"/>
-              <a:t>tak</a:t>
-            </a:r>
-            <a:endParaRPr lang="en-US" dirty="0"/>
-          </a:p>
-        </p:txBody>
-      </p:sp>
-      <p:cxnSp>
-        <p:nvCxnSpPr>
-          <p:cNvPr id="116" name="Elbow Connector 115">
-            <a:extLst>
-              <a:ext uri="{FF2B5EF4-FFF2-40B4-BE49-F238E27FC236}">
-                <a16:creationId xmlns:a16="http://schemas.microsoft.com/office/drawing/2014/main" id="{8AC111ED-972A-0B28-1620-B0236A53BBAA}"/>
-              </a:ext>
-            </a:extLst>
-          </p:cNvPr>
-          <p:cNvCxnSpPr>
-            <a:stCxn id="21" idx="2"/>
-            <a:endCxn id="22" idx="0"/>
-          </p:cNvCxnSpPr>
-          <p:nvPr/>
-        </p:nvCxnSpPr>
-        <p:spPr>
-          <a:xfrm rot="5400000">
-            <a:off x="5057475" y="10589318"/>
-            <a:ext cx="420396" cy="2392546"/>
-          </a:xfrm>
-          <a:prstGeom prst="bentConnector3">
-            <a:avLst/>
-          </a:prstGeom>
-          <a:ln>
-            <a:tailEnd type="triangle"/>
-          </a:ln>
-        </p:spPr>
-        <p:style>
-          <a:lnRef idx="2">
-            <a:schemeClr val="accent1"/>
-          </a:lnRef>
-          <a:fillRef idx="0">
-            <a:schemeClr val="accent1"/>
-          </a:fillRef>
-          <a:effectRef idx="1">
-            <a:schemeClr val="accent1"/>
-          </a:effectRef>
-          <a:fontRef idx="minor">
-            <a:schemeClr val="tx1"/>
-          </a:fontRef>
-        </p:style>
-      </p:cxnSp>
-      <p:cxnSp>
-        <p:nvCxnSpPr>
-          <p:cNvPr id="118" name="Elbow Connector 117">
-            <a:extLst>
-              <a:ext uri="{FF2B5EF4-FFF2-40B4-BE49-F238E27FC236}">
-                <a16:creationId xmlns:a16="http://schemas.microsoft.com/office/drawing/2014/main" id="{DD86C0FE-C30A-841E-0DA3-015C928A6936}"/>
-              </a:ext>
-            </a:extLst>
-          </p:cNvPr>
-          <p:cNvCxnSpPr>
-            <a:stCxn id="20" idx="1"/>
-            <a:endCxn id="22" idx="0"/>
-          </p:cNvCxnSpPr>
-          <p:nvPr/>
-        </p:nvCxnSpPr>
-        <p:spPr>
-          <a:xfrm rot="10800000" flipH="1" flipV="1">
-            <a:off x="1748310" y="10371715"/>
-            <a:ext cx="2323090" cy="1624073"/>
-          </a:xfrm>
-          <a:prstGeom prst="bentConnector4">
-            <a:avLst>
-              <a:gd name="adj1" fmla="val -9840"/>
-              <a:gd name="adj2" fmla="val 67886"/>
-            </a:avLst>
-          </a:prstGeom>
-          <a:ln>
-            <a:tailEnd type="triangle"/>
-          </a:ln>
-        </p:spPr>
-        <p:style>
-          <a:lnRef idx="2">
-            <a:schemeClr val="accent1"/>
-          </a:lnRef>
-          <a:fillRef idx="0">
-            <a:schemeClr val="accent1"/>
-          </a:fillRef>
-          <a:effectRef idx="1">
-            <a:schemeClr val="accent1"/>
-          </a:effectRef>
-          <a:fontRef idx="minor">
-            <a:schemeClr val="tx1"/>
-          </a:fontRef>
-        </p:style>
-      </p:cxnSp>
-      <p:sp>
-        <p:nvSpPr>
-          <p:cNvPr id="120" name="TextBox 119">
-            <a:extLst>
-              <a:ext uri="{FF2B5EF4-FFF2-40B4-BE49-F238E27FC236}">
-                <a16:creationId xmlns:a16="http://schemas.microsoft.com/office/drawing/2014/main" id="{34959323-525A-0751-05B5-DB9A49C27AC9}"/>
-              </a:ext>
-            </a:extLst>
-          </p:cNvPr>
-          <p:cNvSpPr txBox="1"/>
-          <p:nvPr/>
-        </p:nvSpPr>
-        <p:spPr>
-          <a:xfrm>
-            <a:off x="1463921" y="9972702"/>
-            <a:ext cx="487634" cy="369332"/>
-          </a:xfrm>
-          <a:prstGeom prst="rect">
-            <a:avLst/>
-          </a:prstGeom>
-          <a:noFill/>
-        </p:spPr>
-        <p:txBody>
-          <a:bodyPr wrap="none" rtlCol="0">
-            <a:spAutoFit/>
-          </a:bodyPr>
-          <a:lstStyle/>
-          <a:p>
-            <a:r>
-              <a:rPr lang="en-US" dirty="0" err="1"/>
-              <a:t>nie</a:t>
-            </a:r>
-            <a:endParaRPr lang="en-US" dirty="0"/>
-          </a:p>
-        </p:txBody>
-      </p:sp>
-      <p:cxnSp>
-        <p:nvCxnSpPr>
-          <p:cNvPr id="138" name="Elbow Connector 137">
-            <a:extLst>
-              <a:ext uri="{FF2B5EF4-FFF2-40B4-BE49-F238E27FC236}">
-                <a16:creationId xmlns:a16="http://schemas.microsoft.com/office/drawing/2014/main" id="{73BAC087-6A13-4F00-CF03-B4E40BAEA39D}"/>
-              </a:ext>
-            </a:extLst>
-          </p:cNvPr>
-          <p:cNvCxnSpPr>
-            <a:cxnSpLocks/>
-            <a:stCxn id="22" idx="2"/>
-          </p:cNvCxnSpPr>
-          <p:nvPr/>
-        </p:nvCxnSpPr>
-        <p:spPr>
-          <a:xfrm rot="5400000" flipH="1" flipV="1">
-            <a:off x="3627898" y="7895430"/>
-            <a:ext cx="4953762" cy="4066759"/>
-          </a:xfrm>
-          <a:prstGeom prst="bentConnector3">
-            <a:avLst>
-              <a:gd name="adj1" fmla="val -4615"/>
-            </a:avLst>
-          </a:prstGeom>
-        </p:spPr>
-        <p:style>
-          <a:lnRef idx="2">
-            <a:schemeClr val="accent1"/>
-          </a:lnRef>
-          <a:fillRef idx="0">
-            <a:schemeClr val="accent1"/>
-          </a:fillRef>
-          <a:effectRef idx="1">
-            <a:schemeClr val="accent1"/>
-          </a:effectRef>
-          <a:fontRef idx="minor">
-            <a:schemeClr val="tx1"/>
-          </a:fontRef>
-        </p:style>
-      </p:cxnSp>
-      <p:sp>
-        <p:nvSpPr>
-          <p:cNvPr id="147" name="Data 146">
-            <a:extLst>
-              <a:ext uri="{FF2B5EF4-FFF2-40B4-BE49-F238E27FC236}">
-                <a16:creationId xmlns:a16="http://schemas.microsoft.com/office/drawing/2014/main" id="{1CA3AAFF-A25E-2A25-0C69-3CEB2C520F5E}"/>
-              </a:ext>
-            </a:extLst>
-          </p:cNvPr>
-          <p:cNvSpPr/>
-          <p:nvPr/>
-        </p:nvSpPr>
-        <p:spPr>
-          <a:xfrm>
-            <a:off x="9480248" y="4369971"/>
-            <a:ext cx="3061711" cy="301752"/>
-          </a:xfrm>
-          <a:prstGeom prst="flowChartInputOutput">
             <a:avLst/>
           </a:prstGeom>
         </p:spPr>
@@ -4696,200 +6092,22 @@
           </a:fontRef>
         </p:style>
         <p:txBody>
-          <a:bodyPr rtlCol="0" anchor="ctr"/>
-          <a:lstStyle/>
-          <a:p>
-            <a:pPr algn="ctr"/>
-            <a:r>
-              <a:rPr lang="en-US" sz="1200" dirty="0" err="1"/>
-              <a:t>Wypisz</a:t>
-            </a:r>
-            <a:r>
-              <a:rPr lang="en-US" sz="1200" dirty="0"/>
-              <a:t> </a:t>
-            </a:r>
-            <a:r>
-              <a:rPr lang="en-US" sz="1200" dirty="0" err="1"/>
-              <a:t>max_number</a:t>
-            </a:r>
-            <a:endParaRPr lang="en-US" sz="1200" dirty="0"/>
-          </a:p>
-        </p:txBody>
-      </p:sp>
-      <p:cxnSp>
-        <p:nvCxnSpPr>
-          <p:cNvPr id="149" name="Elbow Connector 148">
-            <a:extLst>
-              <a:ext uri="{FF2B5EF4-FFF2-40B4-BE49-F238E27FC236}">
-                <a16:creationId xmlns:a16="http://schemas.microsoft.com/office/drawing/2014/main" id="{47B5BC91-69EB-5E51-A598-D9DA133EAE69}"/>
-              </a:ext>
-            </a:extLst>
-          </p:cNvPr>
-          <p:cNvCxnSpPr>
-            <a:cxnSpLocks/>
-            <a:stCxn id="14" idx="3"/>
-            <a:endCxn id="147" idx="1"/>
-          </p:cNvCxnSpPr>
-          <p:nvPr/>
-        </p:nvCxnSpPr>
-        <p:spPr>
-          <a:xfrm>
-            <a:off x="8138159" y="3483375"/>
-            <a:ext cx="2872945" cy="886596"/>
-          </a:xfrm>
-          <a:prstGeom prst="bentConnector2">
-            <a:avLst/>
-          </a:prstGeom>
-          <a:ln>
-            <a:tailEnd type="triangle"/>
-          </a:ln>
-        </p:spPr>
-        <p:style>
-          <a:lnRef idx="2">
-            <a:schemeClr val="accent1"/>
-          </a:lnRef>
-          <a:fillRef idx="0">
-            <a:schemeClr val="accent1"/>
-          </a:fillRef>
-          <a:effectRef idx="1">
-            <a:schemeClr val="accent1"/>
-          </a:effectRef>
-          <a:fontRef idx="minor">
-            <a:schemeClr val="tx1"/>
-          </a:fontRef>
-        </p:style>
-      </p:cxnSp>
-      <p:sp>
-        <p:nvSpPr>
-          <p:cNvPr id="150" name="TextBox 149">
-            <a:extLst>
-              <a:ext uri="{FF2B5EF4-FFF2-40B4-BE49-F238E27FC236}">
-                <a16:creationId xmlns:a16="http://schemas.microsoft.com/office/drawing/2014/main" id="{3A3B7012-071A-1899-1675-19813858EC31}"/>
-              </a:ext>
-            </a:extLst>
-          </p:cNvPr>
-          <p:cNvSpPr txBox="1"/>
-          <p:nvPr/>
-        </p:nvSpPr>
-        <p:spPr>
-          <a:xfrm>
-            <a:off x="8188102" y="3054578"/>
-            <a:ext cx="777649" cy="624145"/>
-          </a:xfrm>
-          <a:prstGeom prst="rect">
-            <a:avLst/>
-          </a:prstGeom>
-          <a:noFill/>
-        </p:spPr>
-        <p:txBody>
           <a:bodyPr wrap="none" rtlCol="0">
             <a:spAutoFit/>
           </a:bodyPr>
           <a:lstStyle/>
           <a:p>
             <a:r>
-              <a:rPr lang="en-US" dirty="0" err="1"/>
-              <a:t>tak</a:t>
-            </a:r>
-            <a:endParaRPr lang="en-US" dirty="0"/>
-          </a:p>
-        </p:txBody>
-      </p:sp>
-      <p:sp>
-        <p:nvSpPr>
-          <p:cNvPr id="153" name="Terminator 152">
-            <a:extLst>
-              <a:ext uri="{FF2B5EF4-FFF2-40B4-BE49-F238E27FC236}">
-                <a16:creationId xmlns:a16="http://schemas.microsoft.com/office/drawing/2014/main" id="{90CA239F-E436-4E35-7421-A739E7345B29}"/>
-              </a:ext>
-            </a:extLst>
-          </p:cNvPr>
-          <p:cNvSpPr/>
-          <p:nvPr/>
-        </p:nvSpPr>
-        <p:spPr>
-          <a:xfrm>
-            <a:off x="10553904" y="4860214"/>
-            <a:ext cx="914400" cy="301752"/>
-          </a:xfrm>
-          <a:prstGeom prst="flowChartTerminator">
-            <a:avLst/>
-          </a:prstGeom>
-        </p:spPr>
-        <p:style>
-          <a:lnRef idx="2">
-            <a:schemeClr val="dk1"/>
-          </a:lnRef>
-          <a:fillRef idx="1">
-            <a:schemeClr val="lt1"/>
-          </a:fillRef>
-          <a:effectRef idx="0">
-            <a:schemeClr val="dk1"/>
-          </a:effectRef>
-          <a:fontRef idx="minor">
-            <a:schemeClr val="dk1"/>
-          </a:fontRef>
-        </p:style>
-        <p:txBody>
-          <a:bodyPr rtlCol="0" anchor="ctr"/>
-          <a:lstStyle/>
-          <a:p>
-            <a:pPr algn="ctr"/>
-            <a:r>
-              <a:rPr lang="en-US" sz="1200" dirty="0" err="1"/>
-              <a:t>Zakończ</a:t>
-            </a:r>
-            <a:endParaRPr lang="en-US" sz="1200" dirty="0"/>
-          </a:p>
-        </p:txBody>
-      </p:sp>
-      <p:cxnSp>
-        <p:nvCxnSpPr>
-          <p:cNvPr id="155" name="Straight Arrow Connector 154">
-            <a:extLst>
-              <a:ext uri="{FF2B5EF4-FFF2-40B4-BE49-F238E27FC236}">
-                <a16:creationId xmlns:a16="http://schemas.microsoft.com/office/drawing/2014/main" id="{4DD8E43C-8C74-8BE8-360C-A5DAFBFCC76D}"/>
-              </a:ext>
-            </a:extLst>
-          </p:cNvPr>
-          <p:cNvCxnSpPr>
-            <a:cxnSpLocks/>
-            <a:stCxn id="147" idx="4"/>
-            <a:endCxn id="153" idx="0"/>
-          </p:cNvCxnSpPr>
-          <p:nvPr/>
-        </p:nvCxnSpPr>
-        <p:spPr>
-          <a:xfrm>
-            <a:off x="11011104" y="4671723"/>
-            <a:ext cx="0" cy="188491"/>
-          </a:xfrm>
-          <a:prstGeom prst="straightConnector1">
-            <a:avLst/>
-          </a:prstGeom>
-          <a:ln>
-            <a:tailEnd type="triangle"/>
-          </a:ln>
-        </p:spPr>
-        <p:style>
-          <a:lnRef idx="2">
-            <a:schemeClr val="dk1"/>
-          </a:lnRef>
-          <a:fillRef idx="1">
-            <a:schemeClr val="lt1"/>
-          </a:fillRef>
-          <a:effectRef idx="0">
-            <a:schemeClr val="dk1"/>
-          </a:effectRef>
-          <a:fontRef idx="minor">
-            <a:schemeClr val="dk1"/>
-          </a:fontRef>
-        </p:style>
-      </p:cxnSp>
+              <a:rPr lang="pl-PL" dirty="0"/>
+              <a:t>nie</a:t>
+            </a:r>
+          </a:p>
+        </p:txBody>
+      </p:sp>
     </p:spTree>
     <p:extLst>
       <p:ext uri="{BB962C8B-B14F-4D97-AF65-F5344CB8AC3E}">
-        <p14:creationId xmlns:p14="http://schemas.microsoft.com/office/powerpoint/2010/main" val="1327997704"/>
+        <p14:creationId xmlns:p14="http://schemas.microsoft.com/office/powerpoint/2010/main" val="977508368"/>
       </p:ext>
     </p:extLst>
   </p:cSld>
